--- a/谭锦德-2022述职PPT.pptx
+++ b/谭锦德-2022述职PPT.pptx
@@ -5,7 +5,7 @@
     <p:sldMasterId id="2147483648" r:id="rId1"/>
   </p:sldMasterIdLst>
   <p:notesMasterIdLst>
-    <p:notesMasterId r:id="rId24"/>
+    <p:notesMasterId r:id="rId30"/>
   </p:notesMasterIdLst>
   <p:sldIdLst>
     <p:sldId id="256" r:id="rId2"/>
@@ -22,19 +22,25 @@
     <p:sldId id="280" r:id="rId13"/>
     <p:sldId id="281" r:id="rId14"/>
     <p:sldId id="282" r:id="rId15"/>
-    <p:sldId id="267" r:id="rId16"/>
-    <p:sldId id="270" r:id="rId17"/>
-    <p:sldId id="271" r:id="rId18"/>
-    <p:sldId id="272" r:id="rId19"/>
-    <p:sldId id="273" r:id="rId20"/>
-    <p:sldId id="274" r:id="rId21"/>
-    <p:sldId id="275" r:id="rId22"/>
-    <p:sldId id="262" r:id="rId23"/>
+    <p:sldId id="284" r:id="rId16"/>
+    <p:sldId id="285" r:id="rId17"/>
+    <p:sldId id="286" r:id="rId18"/>
+    <p:sldId id="287" r:id="rId19"/>
+    <p:sldId id="288" r:id="rId20"/>
+    <p:sldId id="289" r:id="rId21"/>
+    <p:sldId id="267" r:id="rId22"/>
+    <p:sldId id="270" r:id="rId23"/>
+    <p:sldId id="271" r:id="rId24"/>
+    <p:sldId id="272" r:id="rId25"/>
+    <p:sldId id="273" r:id="rId26"/>
+    <p:sldId id="274" r:id="rId27"/>
+    <p:sldId id="275" r:id="rId28"/>
+    <p:sldId id="262" r:id="rId29"/>
   </p:sldIdLst>
   <p:sldSz cx="9144000" cy="5143500" type="screen16x9"/>
   <p:notesSz cx="6858000" cy="9144000"/>
   <p:custDataLst>
-    <p:tags r:id="rId25"/>
+    <p:tags r:id="rId31"/>
   </p:custDataLst>
   <p:defaultTextStyle>
     <a:defPPr>
@@ -3668,7 +3674,7 @@
           <a:p>
             <a:fld id="{48D129E5-C751-4B45-A7D5-C40A746FAF6B}" type="datetimeFigureOut">
               <a:rPr lang="zh-CN" altLang="en-US" smtClean="0"/>
-              <a:t>2022/12/5</a:t>
+              <a:t>2022/12/6</a:t>
             </a:fld>
             <a:endParaRPr lang="zh-CN" altLang="en-US"/>
           </a:p>
@@ -4000,7 +4006,7 @@
           <a:p>
             <a:fld id="{15570505-CFB4-4027-A1A7-1833B4CA91FF}" type="slidenum">
               <a:rPr lang="zh-CN" altLang="en-US" smtClean="0"/>
-              <a:t>16</a:t>
+              <a:t>19</a:t>
             </a:fld>
             <a:endParaRPr lang="zh-CN" altLang="en-US"/>
           </a:p>
@@ -4009,7 +4015,7 @@
     </p:spTree>
     <p:extLst>
       <p:ext uri="{BB962C8B-B14F-4D97-AF65-F5344CB8AC3E}">
-        <p14:creationId xmlns:p14="http://schemas.microsoft.com/office/powerpoint/2010/main" val="2876278180"/>
+        <p14:creationId xmlns:p14="http://schemas.microsoft.com/office/powerpoint/2010/main" val="307327122"/>
       </p:ext>
     </p:extLst>
   </p:cSld>
@@ -4084,7 +4090,7 @@
           <a:p>
             <a:fld id="{15570505-CFB4-4027-A1A7-1833B4CA91FF}" type="slidenum">
               <a:rPr lang="zh-CN" altLang="en-US" smtClean="0"/>
-              <a:t>17</a:t>
+              <a:t>20</a:t>
             </a:fld>
             <a:endParaRPr lang="zh-CN" altLang="en-US"/>
           </a:p>
@@ -4093,7 +4099,7 @@
     </p:spTree>
     <p:extLst>
       <p:ext uri="{BB962C8B-B14F-4D97-AF65-F5344CB8AC3E}">
-        <p14:creationId xmlns:p14="http://schemas.microsoft.com/office/powerpoint/2010/main" val="2830786234"/>
+        <p14:creationId xmlns:p14="http://schemas.microsoft.com/office/powerpoint/2010/main" val="2935629019"/>
       </p:ext>
     </p:extLst>
   </p:cSld>
@@ -4168,7 +4174,7 @@
           <a:p>
             <a:fld id="{15570505-CFB4-4027-A1A7-1833B4CA91FF}" type="slidenum">
               <a:rPr lang="zh-CN" altLang="en-US" smtClean="0"/>
-              <a:t>19</a:t>
+              <a:t>22</a:t>
             </a:fld>
             <a:endParaRPr lang="zh-CN" altLang="en-US"/>
           </a:p>
@@ -4177,7 +4183,7 @@
     </p:spTree>
     <p:extLst>
       <p:ext uri="{BB962C8B-B14F-4D97-AF65-F5344CB8AC3E}">
-        <p14:creationId xmlns:p14="http://schemas.microsoft.com/office/powerpoint/2010/main" val="3378020418"/>
+        <p14:creationId xmlns:p14="http://schemas.microsoft.com/office/powerpoint/2010/main" val="2876278180"/>
       </p:ext>
     </p:extLst>
   </p:cSld>
@@ -4252,7 +4258,175 @@
           <a:p>
             <a:fld id="{15570505-CFB4-4027-A1A7-1833B4CA91FF}" type="slidenum">
               <a:rPr lang="zh-CN" altLang="en-US" smtClean="0"/>
-              <a:t>21</a:t>
+              <a:t>23</a:t>
+            </a:fld>
+            <a:endParaRPr lang="zh-CN" altLang="en-US"/>
+          </a:p>
+        </p:txBody>
+      </p:sp>
+    </p:spTree>
+    <p:extLst>
+      <p:ext uri="{BB962C8B-B14F-4D97-AF65-F5344CB8AC3E}">
+        <p14:creationId xmlns:p14="http://schemas.microsoft.com/office/powerpoint/2010/main" val="2830786234"/>
+      </p:ext>
+    </p:extLst>
+  </p:cSld>
+  <p:clrMapOvr>
+    <a:masterClrMapping/>
+  </p:clrMapOvr>
+</p:notes>
+</file>
+
+<file path=ppt/notesSlides/notesSlide5.xml><?xml version="1.0" encoding="utf-8"?>
+<p:notes xmlns:a="http://schemas.openxmlformats.org/drawingml/2006/main" xmlns:r="http://schemas.openxmlformats.org/officeDocument/2006/relationships" xmlns:p="http://schemas.openxmlformats.org/presentationml/2006/main">
+  <p:cSld>
+    <p:spTree>
+      <p:nvGrpSpPr>
+        <p:cNvPr id="1" name=""/>
+        <p:cNvGrpSpPr/>
+        <p:nvPr/>
+      </p:nvGrpSpPr>
+      <p:grpSpPr>
+        <a:xfrm>
+          <a:off x="0" y="0"/>
+          <a:ext cx="0" cy="0"/>
+          <a:chOff x="0" y="0"/>
+          <a:chExt cx="0" cy="0"/>
+        </a:xfrm>
+      </p:grpSpPr>
+      <p:sp>
+        <p:nvSpPr>
+          <p:cNvPr id="2" name="幻灯片图像占位符 1"/>
+          <p:cNvSpPr>
+            <a:spLocks noGrp="1" noRot="1" noChangeAspect="1"/>
+          </p:cNvSpPr>
+          <p:nvPr>
+            <p:ph type="sldImg"/>
+          </p:nvPr>
+        </p:nvSpPr>
+        <p:spPr/>
+      </p:sp>
+      <p:sp>
+        <p:nvSpPr>
+          <p:cNvPr id="3" name="备注占位符 2"/>
+          <p:cNvSpPr>
+            <a:spLocks noGrp="1"/>
+          </p:cNvSpPr>
+          <p:nvPr>
+            <p:ph type="body" idx="1"/>
+          </p:nvPr>
+        </p:nvSpPr>
+        <p:spPr/>
+        <p:txBody>
+          <a:bodyPr/>
+          <a:lstStyle/>
+          <a:p>
+            <a:endParaRPr lang="zh-CN" altLang="en-US" dirty="0"/>
+          </a:p>
+        </p:txBody>
+      </p:sp>
+      <p:sp>
+        <p:nvSpPr>
+          <p:cNvPr id="4" name="灯片编号占位符 3"/>
+          <p:cNvSpPr>
+            <a:spLocks noGrp="1"/>
+          </p:cNvSpPr>
+          <p:nvPr>
+            <p:ph type="sldNum" sz="quarter" idx="5"/>
+          </p:nvPr>
+        </p:nvSpPr>
+        <p:spPr/>
+        <p:txBody>
+          <a:bodyPr/>
+          <a:lstStyle/>
+          <a:p>
+            <a:fld id="{15570505-CFB4-4027-A1A7-1833B4CA91FF}" type="slidenum">
+              <a:rPr lang="zh-CN" altLang="en-US" smtClean="0"/>
+              <a:t>25</a:t>
+            </a:fld>
+            <a:endParaRPr lang="zh-CN" altLang="en-US"/>
+          </a:p>
+        </p:txBody>
+      </p:sp>
+    </p:spTree>
+    <p:extLst>
+      <p:ext uri="{BB962C8B-B14F-4D97-AF65-F5344CB8AC3E}">
+        <p14:creationId xmlns:p14="http://schemas.microsoft.com/office/powerpoint/2010/main" val="3378020418"/>
+      </p:ext>
+    </p:extLst>
+  </p:cSld>
+  <p:clrMapOvr>
+    <a:masterClrMapping/>
+  </p:clrMapOvr>
+</p:notes>
+</file>
+
+<file path=ppt/notesSlides/notesSlide6.xml><?xml version="1.0" encoding="utf-8"?>
+<p:notes xmlns:a="http://schemas.openxmlformats.org/drawingml/2006/main" xmlns:r="http://schemas.openxmlformats.org/officeDocument/2006/relationships" xmlns:p="http://schemas.openxmlformats.org/presentationml/2006/main">
+  <p:cSld>
+    <p:spTree>
+      <p:nvGrpSpPr>
+        <p:cNvPr id="1" name=""/>
+        <p:cNvGrpSpPr/>
+        <p:nvPr/>
+      </p:nvGrpSpPr>
+      <p:grpSpPr>
+        <a:xfrm>
+          <a:off x="0" y="0"/>
+          <a:ext cx="0" cy="0"/>
+          <a:chOff x="0" y="0"/>
+          <a:chExt cx="0" cy="0"/>
+        </a:xfrm>
+      </p:grpSpPr>
+      <p:sp>
+        <p:nvSpPr>
+          <p:cNvPr id="2" name="幻灯片图像占位符 1"/>
+          <p:cNvSpPr>
+            <a:spLocks noGrp="1" noRot="1" noChangeAspect="1"/>
+          </p:cNvSpPr>
+          <p:nvPr>
+            <p:ph type="sldImg"/>
+          </p:nvPr>
+        </p:nvSpPr>
+        <p:spPr/>
+      </p:sp>
+      <p:sp>
+        <p:nvSpPr>
+          <p:cNvPr id="3" name="备注占位符 2"/>
+          <p:cNvSpPr>
+            <a:spLocks noGrp="1"/>
+          </p:cNvSpPr>
+          <p:nvPr>
+            <p:ph type="body" idx="1"/>
+          </p:nvPr>
+        </p:nvSpPr>
+        <p:spPr/>
+        <p:txBody>
+          <a:bodyPr/>
+          <a:lstStyle/>
+          <a:p>
+            <a:endParaRPr lang="zh-CN" altLang="en-US" dirty="0"/>
+          </a:p>
+        </p:txBody>
+      </p:sp>
+      <p:sp>
+        <p:nvSpPr>
+          <p:cNvPr id="4" name="灯片编号占位符 3"/>
+          <p:cNvSpPr>
+            <a:spLocks noGrp="1"/>
+          </p:cNvSpPr>
+          <p:nvPr>
+            <p:ph type="sldNum" sz="quarter" idx="5"/>
+          </p:nvPr>
+        </p:nvSpPr>
+        <p:spPr/>
+        <p:txBody>
+          <a:bodyPr/>
+          <a:lstStyle/>
+          <a:p>
+            <a:fld id="{15570505-CFB4-4027-A1A7-1833B4CA91FF}" type="slidenum">
+              <a:rPr lang="zh-CN" altLang="en-US" smtClean="0"/>
+              <a:t>27</a:t>
             </a:fld>
             <a:endParaRPr lang="zh-CN" altLang="en-US"/>
           </a:p>
@@ -4450,7 +4624,7 @@
           <a:p>
             <a:fld id="{530820CF-B880-4189-942D-D702A7CBA730}" type="datetimeFigureOut">
               <a:rPr lang="zh-CN" altLang="en-US" smtClean="0"/>
-              <a:t>2022/12/5</a:t>
+              <a:t>2022/12/6</a:t>
             </a:fld>
             <a:endParaRPr lang="zh-CN" altLang="en-US"/>
           </a:p>
@@ -4613,7 +4787,7 @@
           <a:p>
             <a:fld id="{530820CF-B880-4189-942D-D702A7CBA730}" type="datetimeFigureOut">
               <a:rPr lang="zh-CN" altLang="en-US" smtClean="0"/>
-              <a:t>2022/12/5</a:t>
+              <a:t>2022/12/6</a:t>
             </a:fld>
             <a:endParaRPr lang="zh-CN" altLang="en-US"/>
           </a:p>
@@ -4786,7 +4960,7 @@
           <a:p>
             <a:fld id="{530820CF-B880-4189-942D-D702A7CBA730}" type="datetimeFigureOut">
               <a:rPr lang="zh-CN" altLang="en-US" smtClean="0"/>
-              <a:t>2022/12/5</a:t>
+              <a:t>2022/12/6</a:t>
             </a:fld>
             <a:endParaRPr lang="zh-CN" altLang="en-US"/>
           </a:p>
@@ -4949,7 +5123,7 @@
           <a:p>
             <a:fld id="{530820CF-B880-4189-942D-D702A7CBA730}" type="datetimeFigureOut">
               <a:rPr lang="zh-CN" altLang="en-US" smtClean="0"/>
-              <a:t>2022/12/5</a:t>
+              <a:t>2022/12/6</a:t>
             </a:fld>
             <a:endParaRPr lang="zh-CN" altLang="en-US"/>
           </a:p>
@@ -5189,7 +5363,7 @@
           <a:p>
             <a:fld id="{530820CF-B880-4189-942D-D702A7CBA730}" type="datetimeFigureOut">
               <a:rPr lang="zh-CN" altLang="en-US" smtClean="0"/>
-              <a:t>2022/12/5</a:t>
+              <a:t>2022/12/6</a:t>
             </a:fld>
             <a:endParaRPr lang="zh-CN" altLang="en-US"/>
           </a:p>
@@ -5469,7 +5643,7 @@
           <a:p>
             <a:fld id="{530820CF-B880-4189-942D-D702A7CBA730}" type="datetimeFigureOut">
               <a:rPr lang="zh-CN" altLang="en-US" smtClean="0"/>
-              <a:t>2022/12/5</a:t>
+              <a:t>2022/12/6</a:t>
             </a:fld>
             <a:endParaRPr lang="zh-CN" altLang="en-US"/>
           </a:p>
@@ -5883,7 +6057,7 @@
           <a:p>
             <a:fld id="{530820CF-B880-4189-942D-D702A7CBA730}" type="datetimeFigureOut">
               <a:rPr lang="zh-CN" altLang="en-US" smtClean="0"/>
-              <a:t>2022/12/5</a:t>
+              <a:t>2022/12/6</a:t>
             </a:fld>
             <a:endParaRPr lang="zh-CN" altLang="en-US"/>
           </a:p>
@@ -5995,7 +6169,7 @@
           <a:p>
             <a:fld id="{530820CF-B880-4189-942D-D702A7CBA730}" type="datetimeFigureOut">
               <a:rPr lang="zh-CN" altLang="en-US" smtClean="0"/>
-              <a:t>2022/12/5</a:t>
+              <a:t>2022/12/6</a:t>
             </a:fld>
             <a:endParaRPr lang="zh-CN" altLang="en-US"/>
           </a:p>
@@ -6085,7 +6259,7 @@
           <a:p>
             <a:fld id="{530820CF-B880-4189-942D-D702A7CBA730}" type="datetimeFigureOut">
               <a:rPr lang="zh-CN" altLang="en-US" smtClean="0"/>
-              <a:t>2022/12/5</a:t>
+              <a:t>2022/12/6</a:t>
             </a:fld>
             <a:endParaRPr lang="zh-CN" altLang="en-US"/>
           </a:p>
@@ -6355,7 +6529,7 @@
           <a:p>
             <a:fld id="{530820CF-B880-4189-942D-D702A7CBA730}" type="datetimeFigureOut">
               <a:rPr lang="zh-CN" altLang="en-US" smtClean="0"/>
-              <a:t>2022/12/5</a:t>
+              <a:t>2022/12/6</a:t>
             </a:fld>
             <a:endParaRPr lang="zh-CN" altLang="en-US"/>
           </a:p>
@@ -6602,7 +6776,7 @@
           <a:p>
             <a:fld id="{530820CF-B880-4189-942D-D702A7CBA730}" type="datetimeFigureOut">
               <a:rPr lang="zh-CN" altLang="en-US" smtClean="0"/>
-              <a:t>2022/12/5</a:t>
+              <a:t>2022/12/6</a:t>
             </a:fld>
             <a:endParaRPr lang="zh-CN" altLang="en-US"/>
           </a:p>
@@ -6817,7 +6991,7 @@
           <a:p>
             <a:fld id="{530820CF-B880-4189-942D-D702A7CBA730}" type="datetimeFigureOut">
               <a:rPr lang="zh-CN" altLang="en-US" smtClean="0"/>
-              <a:t>2022/12/5</a:t>
+              <a:t>2022/12/6</a:t>
             </a:fld>
             <a:endParaRPr lang="zh-CN" altLang="en-US"/>
           </a:p>
@@ -10595,9 +10769,9 @@
         <p:grpSpPr>
           <a:xfrm>
             <a:off x="668514" y="1413137"/>
-            <a:ext cx="2134446" cy="710906"/>
+            <a:ext cx="2134446" cy="1264904"/>
             <a:chOff x="-80640" y="2424379"/>
-            <a:chExt cx="2240249" cy="1257543"/>
+            <a:chExt cx="2240249" cy="2237527"/>
           </a:xfrm>
         </p:grpSpPr>
         <p:sp>
@@ -10664,7 +10838,7 @@
           <p:spPr>
             <a:xfrm>
               <a:off x="-76297" y="3086332"/>
-              <a:ext cx="2139732" cy="595590"/>
+              <a:ext cx="2139732" cy="1575574"/>
             </a:xfrm>
             <a:prstGeom prst="rect">
               <a:avLst/>
@@ -10695,6 +10869,79 @@
                 </a:rPr>
                 <a:t>加载、白屏、请求、响应等</a:t>
               </a:r>
+              <a:endParaRPr lang="en-US" altLang="zh-CN" sz="1200" dirty="0">
+                <a:solidFill>
+                  <a:schemeClr val="tx1">
+                    <a:lumMod val="75000"/>
+                    <a:lumOff val="25000"/>
+                  </a:schemeClr>
+                </a:solidFill>
+                <a:latin typeface="方正悠黑简体" panose="00000500000000000000" pitchFamily="2" charset="-122"/>
+                <a:ea typeface="方正悠黑简体" panose="00000500000000000000" pitchFamily="2" charset="-122"/>
+              </a:endParaRPr>
+            </a:p>
+            <a:p>
+              <a:pPr>
+                <a:lnSpc>
+                  <a:spcPct val="150000"/>
+                </a:lnSpc>
+              </a:pPr>
+              <a:endParaRPr lang="en-US" altLang="zh-CN" sz="1200" dirty="0">
+                <a:solidFill>
+                  <a:schemeClr val="tx1">
+                    <a:lumMod val="75000"/>
+                    <a:lumOff val="25000"/>
+                  </a:schemeClr>
+                </a:solidFill>
+                <a:latin typeface="方正悠黑简体" panose="00000500000000000000" pitchFamily="2" charset="-122"/>
+                <a:ea typeface="方正悠黑简体" panose="00000500000000000000" pitchFamily="2" charset="-122"/>
+              </a:endParaRPr>
+            </a:p>
+            <a:p>
+              <a:pPr>
+                <a:lnSpc>
+                  <a:spcPct val="150000"/>
+                </a:lnSpc>
+              </a:pPr>
+              <a:r>
+                <a:rPr lang="zh-CN" altLang="en-US" sz="1200" dirty="0">
+                  <a:solidFill>
+                    <a:schemeClr val="tx1">
+                      <a:lumMod val="75000"/>
+                      <a:lumOff val="25000"/>
+                    </a:schemeClr>
+                  </a:solidFill>
+                  <a:latin typeface="方正悠黑简体" panose="00000500000000000000" pitchFamily="2" charset="-122"/>
+                  <a:ea typeface="方正悠黑简体" panose="00000500000000000000" pitchFamily="2" charset="-122"/>
+                </a:rPr>
+                <a:t>实现：</a:t>
+              </a:r>
+              <a:r>
+                <a:rPr lang="en-US" altLang="zh-CN" sz="1200" dirty="0">
+                  <a:solidFill>
+                    <a:schemeClr val="tx1">
+                      <a:lumMod val="75000"/>
+                      <a:lumOff val="25000"/>
+                    </a:schemeClr>
+                  </a:solidFill>
+                  <a:latin typeface="方正悠黑简体" panose="00000500000000000000" pitchFamily="2" charset="-122"/>
+                  <a:ea typeface="方正悠黑简体" panose="00000500000000000000" pitchFamily="2" charset="-122"/>
+                </a:rPr>
+                <a:t>performance</a:t>
+              </a:r>
+              <a:r>
+                <a:rPr lang="zh-CN" altLang="en-US" sz="1200" dirty="0">
+                  <a:solidFill>
+                    <a:schemeClr val="tx1">
+                      <a:lumMod val="75000"/>
+                      <a:lumOff val="25000"/>
+                    </a:schemeClr>
+                  </a:solidFill>
+                  <a:latin typeface="方正悠黑简体" panose="00000500000000000000" pitchFamily="2" charset="-122"/>
+                  <a:ea typeface="方正悠黑简体" panose="00000500000000000000" pitchFamily="2" charset="-122"/>
+                </a:rPr>
+                <a:t>对象</a:t>
+              </a:r>
             </a:p>
           </p:txBody>
         </p:sp>
@@ -10714,9 +10961,9 @@
         <p:grpSpPr>
           <a:xfrm>
             <a:off x="679435" y="3461050"/>
-            <a:ext cx="2414679" cy="670319"/>
+            <a:ext cx="2414679" cy="1224317"/>
             <a:chOff x="222624" y="2641364"/>
-            <a:chExt cx="2241080" cy="893758"/>
+            <a:chExt cx="2241080" cy="1632422"/>
           </a:xfrm>
         </p:grpSpPr>
         <p:sp>
@@ -10783,7 +11030,7 @@
           <p:spPr>
             <a:xfrm>
               <a:off x="222624" y="3086196"/>
-              <a:ext cx="1997329" cy="448926"/>
+              <a:ext cx="1997329" cy="1187590"/>
             </a:xfrm>
             <a:prstGeom prst="rect">
               <a:avLst/>
@@ -10814,6 +11061,79 @@
                 </a:rPr>
                 <a:t>页面元素触发器</a:t>
               </a:r>
+              <a:endParaRPr lang="en-US" altLang="zh-CN" sz="1200" dirty="0">
+                <a:solidFill>
+                  <a:schemeClr val="tx1">
+                    <a:lumMod val="75000"/>
+                    <a:lumOff val="25000"/>
+                  </a:schemeClr>
+                </a:solidFill>
+                <a:latin typeface="方正悠黑简体" panose="00000500000000000000" pitchFamily="2" charset="-122"/>
+                <a:ea typeface="方正悠黑简体" panose="00000500000000000000" pitchFamily="2" charset="-122"/>
+              </a:endParaRPr>
+            </a:p>
+            <a:p>
+              <a:pPr>
+                <a:lnSpc>
+                  <a:spcPct val="150000"/>
+                </a:lnSpc>
+              </a:pPr>
+              <a:endParaRPr lang="en-US" altLang="zh-CN" sz="1200" dirty="0">
+                <a:solidFill>
+                  <a:schemeClr val="tx1">
+                    <a:lumMod val="75000"/>
+                    <a:lumOff val="25000"/>
+                  </a:schemeClr>
+                </a:solidFill>
+                <a:latin typeface="方正悠黑简体" panose="00000500000000000000" pitchFamily="2" charset="-122"/>
+                <a:ea typeface="方正悠黑简体" panose="00000500000000000000" pitchFamily="2" charset="-122"/>
+              </a:endParaRPr>
+            </a:p>
+            <a:p>
+              <a:pPr>
+                <a:lnSpc>
+                  <a:spcPct val="150000"/>
+                </a:lnSpc>
+              </a:pPr>
+              <a:r>
+                <a:rPr lang="zh-CN" altLang="en-US" sz="1200" dirty="0">
+                  <a:solidFill>
+                    <a:schemeClr val="tx1">
+                      <a:lumMod val="75000"/>
+                      <a:lumOff val="25000"/>
+                    </a:schemeClr>
+                  </a:solidFill>
+                  <a:latin typeface="方正悠黑简体" panose="00000500000000000000" pitchFamily="2" charset="-122"/>
+                  <a:ea typeface="方正悠黑简体" panose="00000500000000000000" pitchFamily="2" charset="-122"/>
+                </a:rPr>
+                <a:t>实现：</a:t>
+              </a:r>
+              <a:r>
+                <a:rPr lang="en-US" altLang="zh-CN" sz="1200" dirty="0">
+                  <a:solidFill>
+                    <a:schemeClr val="tx1">
+                      <a:lumMod val="75000"/>
+                      <a:lumOff val="25000"/>
+                    </a:schemeClr>
+                  </a:solidFill>
+                  <a:latin typeface="方正悠黑简体" panose="00000500000000000000" pitchFamily="2" charset="-122"/>
+                  <a:ea typeface="方正悠黑简体" panose="00000500000000000000" pitchFamily="2" charset="-122"/>
+                </a:rPr>
+                <a:t>observer</a:t>
+              </a:r>
+              <a:r>
+                <a:rPr lang="zh-CN" altLang="en-US" sz="1200" dirty="0">
+                  <a:solidFill>
+                    <a:schemeClr val="tx1">
+                      <a:lumMod val="75000"/>
+                      <a:lumOff val="25000"/>
+                    </a:schemeClr>
+                  </a:solidFill>
+                  <a:latin typeface="方正悠黑简体" panose="00000500000000000000" pitchFamily="2" charset="-122"/>
+                  <a:ea typeface="方正悠黑简体" panose="00000500000000000000" pitchFamily="2" charset="-122"/>
+                </a:rPr>
+                <a:t>对象</a:t>
+              </a:r>
             </a:p>
           </p:txBody>
         </p:sp>
@@ -10833,9 +11153,9 @@
         <p:grpSpPr>
           <a:xfrm>
             <a:off x="6274941" y="3130736"/>
-            <a:ext cx="2413652" cy="971128"/>
+            <a:ext cx="2413652" cy="1802125"/>
             <a:chOff x="216784" y="2714671"/>
-            <a:chExt cx="2927223" cy="1295343"/>
+            <a:chExt cx="2927223" cy="2403771"/>
           </a:xfrm>
         </p:grpSpPr>
         <p:sp>
@@ -10915,7 +11235,7 @@
           <p:spPr>
             <a:xfrm>
               <a:off x="216784" y="3191436"/>
-              <a:ext cx="2613832" cy="818578"/>
+              <a:ext cx="2613832" cy="1927006"/>
             </a:xfrm>
             <a:prstGeom prst="rect">
               <a:avLst/>
@@ -10972,6 +11292,79 @@
                 </a:rPr>
                 <a:t>测试变体名区分</a:t>
               </a:r>
+              <a:endParaRPr lang="en-US" altLang="zh-CN" sz="1200" dirty="0">
+                <a:solidFill>
+                  <a:schemeClr val="tx1">
+                    <a:lumMod val="75000"/>
+                    <a:lumOff val="25000"/>
+                  </a:schemeClr>
+                </a:solidFill>
+                <a:latin typeface="方正悠黑简体" panose="00000500000000000000" pitchFamily="2" charset="-122"/>
+                <a:ea typeface="方正悠黑简体" panose="00000500000000000000" pitchFamily="2" charset="-122"/>
+              </a:endParaRPr>
+            </a:p>
+            <a:p>
+              <a:pPr>
+                <a:lnSpc>
+                  <a:spcPct val="150000"/>
+                </a:lnSpc>
+              </a:pPr>
+              <a:endParaRPr lang="en-US" altLang="zh-CN" sz="1200" dirty="0">
+                <a:solidFill>
+                  <a:schemeClr val="tx1">
+                    <a:lumMod val="75000"/>
+                    <a:lumOff val="25000"/>
+                  </a:schemeClr>
+                </a:solidFill>
+                <a:latin typeface="方正悠黑简体" panose="00000500000000000000" pitchFamily="2" charset="-122"/>
+                <a:ea typeface="方正悠黑简体" panose="00000500000000000000" pitchFamily="2" charset="-122"/>
+              </a:endParaRPr>
+            </a:p>
+            <a:p>
+              <a:pPr>
+                <a:lnSpc>
+                  <a:spcPct val="150000"/>
+                </a:lnSpc>
+              </a:pPr>
+              <a:r>
+                <a:rPr lang="zh-CN" altLang="en-US" sz="1200" dirty="0">
+                  <a:solidFill>
+                    <a:schemeClr val="tx1">
+                      <a:lumMod val="75000"/>
+                      <a:lumOff val="25000"/>
+                    </a:schemeClr>
+                  </a:solidFill>
+                  <a:latin typeface="方正悠黑简体" panose="00000500000000000000" pitchFamily="2" charset="-122"/>
+                  <a:ea typeface="方正悠黑简体" panose="00000500000000000000" pitchFamily="2" charset="-122"/>
+                </a:rPr>
+                <a:t>实现：</a:t>
+              </a:r>
+              <a:r>
+                <a:rPr lang="en-US" altLang="zh-CN" sz="1200" dirty="0">
+                  <a:solidFill>
+                    <a:schemeClr val="tx1">
+                      <a:lumMod val="75000"/>
+                      <a:lumOff val="25000"/>
+                    </a:schemeClr>
+                  </a:solidFill>
+                  <a:latin typeface="方正悠黑简体" panose="00000500000000000000" pitchFamily="2" charset="-122"/>
+                  <a:ea typeface="方正悠黑简体" panose="00000500000000000000" pitchFamily="2" charset="-122"/>
+                </a:rPr>
+                <a:t>ab</a:t>
+              </a:r>
+              <a:r>
+                <a:rPr lang="zh-CN" altLang="en-US" sz="1200" dirty="0">
+                  <a:solidFill>
+                    <a:schemeClr val="tx1">
+                      <a:lumMod val="75000"/>
+                      <a:lumOff val="25000"/>
+                    </a:schemeClr>
+                  </a:solidFill>
+                  <a:latin typeface="方正悠黑简体" panose="00000500000000000000" pitchFamily="2" charset="-122"/>
+                  <a:ea typeface="方正悠黑简体" panose="00000500000000000000" pitchFamily="2" charset="-122"/>
+                </a:rPr>
+                <a:t>测试代码中插入全局变量</a:t>
+              </a:r>
             </a:p>
           </p:txBody>
         </p:sp>
@@ -10991,9 +11384,9 @@
         <p:grpSpPr>
           <a:xfrm>
             <a:off x="6274941" y="1314515"/>
-            <a:ext cx="2183713" cy="641183"/>
+            <a:ext cx="2183713" cy="918182"/>
             <a:chOff x="-157804" y="2649428"/>
-            <a:chExt cx="2450345" cy="855242"/>
+            <a:chExt cx="2450345" cy="1224717"/>
           </a:xfrm>
         </p:grpSpPr>
         <p:sp>
@@ -11060,7 +11453,7 @@
           <p:spPr>
             <a:xfrm>
               <a:off x="-127339" y="3055569"/>
-              <a:ext cx="2297052" cy="449101"/>
+              <a:ext cx="2297052" cy="818576"/>
             </a:xfrm>
             <a:prstGeom prst="rect">
               <a:avLst/>
@@ -11090,6 +11483,62 @@
                   <a:ea typeface="方正悠黑简体" panose="00000500000000000000" pitchFamily="2" charset="-122"/>
                 </a:rPr>
                 <a:t>各种埋点事件上报</a:t>
+              </a:r>
+              <a:endParaRPr lang="en-US" altLang="zh-CN" sz="1200" dirty="0">
+                <a:solidFill>
+                  <a:schemeClr val="tx1">
+                    <a:lumMod val="75000"/>
+                    <a:lumOff val="25000"/>
+                  </a:schemeClr>
+                </a:solidFill>
+                <a:latin typeface="方正悠黑简体" panose="00000500000000000000" pitchFamily="2" charset="-122"/>
+                <a:ea typeface="方正悠黑简体" panose="00000500000000000000" pitchFamily="2" charset="-122"/>
+              </a:endParaRPr>
+            </a:p>
+            <a:p>
+              <a:pPr>
+                <a:lnSpc>
+                  <a:spcPct val="150000"/>
+                </a:lnSpc>
+              </a:pPr>
+              <a:r>
+                <a:rPr lang="zh-CN" altLang="en-US" sz="1200" dirty="0">
+                  <a:solidFill>
+                    <a:schemeClr val="tx1">
+                      <a:lumMod val="75000"/>
+                      <a:lumOff val="25000"/>
+                    </a:schemeClr>
+                  </a:solidFill>
+                  <a:latin typeface="方正悠黑简体" panose="00000500000000000000" pitchFamily="2" charset="-122"/>
+                  <a:ea typeface="方正悠黑简体" panose="00000500000000000000" pitchFamily="2" charset="-122"/>
+                </a:rPr>
+                <a:t>同时上报</a:t>
+              </a:r>
+              <a:r>
+                <a:rPr lang="en-US" altLang="zh-CN" sz="1200" dirty="0">
+                  <a:solidFill>
+                    <a:schemeClr val="tx1">
+                      <a:lumMod val="75000"/>
+                      <a:lumOff val="25000"/>
+                    </a:schemeClr>
+                  </a:solidFill>
+                  <a:latin typeface="方正悠黑简体" panose="00000500000000000000" pitchFamily="2" charset="-122"/>
+                  <a:ea typeface="方正悠黑简体" panose="00000500000000000000" pitchFamily="2" charset="-122"/>
+                </a:rPr>
+                <a:t>ga</a:t>
+              </a:r>
+              <a:r>
+                <a:rPr lang="zh-CN" altLang="en-US" sz="1200" dirty="0">
+                  <a:solidFill>
+                    <a:schemeClr val="tx1">
+                      <a:lumMod val="75000"/>
+                      <a:lumOff val="25000"/>
+                    </a:schemeClr>
+                  </a:solidFill>
+                  <a:latin typeface="方正悠黑简体" panose="00000500000000000000" pitchFamily="2" charset="-122"/>
+                  <a:ea typeface="方正悠黑简体" panose="00000500000000000000" pitchFamily="2" charset="-122"/>
+                </a:rPr>
+                <a:t>和数据后台</a:t>
               </a:r>
             </a:p>
           </p:txBody>
@@ -11533,8 +11982,8 @@
   <p:clrMapOvr>
     <a:masterClrMapping/>
   </p:clrMapOvr>
-  <mc:AlternateContent xmlns:mc="http://schemas.openxmlformats.org/markup-compatibility/2006">
-    <mc:Choice xmlns:p14="http://schemas.microsoft.com/office/powerpoint/2010/main" Requires="p14">
+  <mc:AlternateContent xmlns:mc="http://schemas.openxmlformats.org/markup-compatibility/2006" xmlns:p14="http://schemas.microsoft.com/office/powerpoint/2010/main">
+    <mc:Choice Requires="p14">
       <p:timing>
         <p:tnLst>
           <p:par>
@@ -12670,7 +13119,7 @@
         </p:bldLst>
       </p:timing>
     </mc:Choice>
-    <mc:Fallback>
+    <mc:Fallback xmlns="">
       <p:timing>
         <p:tnLst>
           <p:par>
@@ -14380,17 +14829,17 @@
                   </a:schemeClr>
                 </a:solidFill>
               </a:rPr>
-              <a:t>测试、对比校正数据</a:t>
+              <a:t>结果</a:t>
             </a:r>
           </a:p>
         </p:txBody>
       </p:sp>
       <p:sp>
         <p:nvSpPr>
-          <p:cNvPr id="6" name="文本框 5">
+          <p:cNvPr id="18" name="文本框 17">
             <a:extLst>
               <a:ext uri="{FF2B5EF4-FFF2-40B4-BE49-F238E27FC236}">
-                <a16:creationId xmlns:a16="http://schemas.microsoft.com/office/drawing/2014/main" id="{8315EC31-EFC6-E2CF-885D-0E8AF9FC86F4}"/>
+                <a16:creationId xmlns:a16="http://schemas.microsoft.com/office/drawing/2014/main" id="{A7617A34-FB91-4470-D689-45E1C4FE82C1}"/>
               </a:ext>
             </a:extLst>
           </p:cNvPr>
@@ -14399,8 +14848,8 @@
         </p:nvSpPr>
         <p:spPr>
           <a:xfrm>
-            <a:off x="302951" y="1515800"/>
-            <a:ext cx="6619741" cy="378630"/>
+            <a:off x="344428" y="1327038"/>
+            <a:ext cx="4852610" cy="369332"/>
           </a:xfrm>
           <a:prstGeom prst="rect">
             <a:avLst/>
@@ -14408,34 +14857,36 @@
           <a:noFill/>
         </p:spPr>
         <p:txBody>
-          <a:bodyPr wrap="square">
+          <a:bodyPr wrap="none" rtlCol="0">
             <a:spAutoFit/>
           </a:bodyPr>
           <a:lstStyle/>
           <a:p>
-            <a:pPr algn="l">
-              <a:lnSpc>
-                <a:spcPct val="150000"/>
-              </a:lnSpc>
-            </a:pPr>
             <a:r>
-              <a:rPr lang="zh-CN" altLang="en-US" sz="1400" b="1" dirty="0">
-                <a:sym typeface="+mn-ea"/>
+              <a:rPr lang="zh-CN" altLang="en-US" dirty="0"/>
+              <a:t>预约成功指标：各维度预约数据差异在</a:t>
+            </a:r>
+            <a:r>
+              <a:rPr lang="en-US" altLang="zh-CN" dirty="0">
+                <a:solidFill>
+                  <a:srgbClr val="FF0000"/>
+                </a:solidFill>
               </a:rPr>
-              <a:t>数据后台的数据跟谷歌分析工具的数据做对比，分析数据的差异，原因并做优化</a:t>
+              <a:t>1%</a:t>
             </a:r>
-            <a:endParaRPr lang="en-US" altLang="zh-CN" sz="1400" b="1" dirty="0">
-              <a:sym typeface="+mn-ea"/>
-            </a:endParaRPr>
+            <a:r>
+              <a:rPr lang="zh-CN" altLang="en-US" dirty="0"/>
+              <a:t>左右</a:t>
+            </a:r>
           </a:p>
         </p:txBody>
       </p:sp>
       <p:pic>
         <p:nvPicPr>
-          <p:cNvPr id="14" name="图片 13">
+          <p:cNvPr id="24" name="图片 23">
             <a:extLst>
               <a:ext uri="{FF2B5EF4-FFF2-40B4-BE49-F238E27FC236}">
-                <a16:creationId xmlns:a16="http://schemas.microsoft.com/office/drawing/2014/main" id="{C6210A96-42E5-47EF-7A6B-50F611E917F5}"/>
+                <a16:creationId xmlns:a16="http://schemas.microsoft.com/office/drawing/2014/main" id="{1DEFFF7A-10EC-0BE5-C005-5AA33C24262B}"/>
               </a:ext>
             </a:extLst>
           </p:cNvPr>
@@ -14452,8 +14903,8 @@
         </p:blipFill>
         <p:spPr>
           <a:xfrm>
-            <a:off x="425909" y="1924647"/>
-            <a:ext cx="5666101" cy="2375295"/>
+            <a:off x="424498" y="1650633"/>
+            <a:ext cx="5515653" cy="3433956"/>
           </a:xfrm>
           <a:prstGeom prst="rect">
             <a:avLst/>
@@ -15043,7 +15494,7 @@
                   </a:schemeClr>
                 </a:solidFill>
               </a:rPr>
-              <a:t>存在的问题</a:t>
+              <a:t>优化的问题</a:t>
             </a:r>
           </a:p>
         </p:txBody>
@@ -15244,7 +15695,7 @@
                 <a:latin typeface="微软雅黑" panose="020B0503020204020204" pitchFamily="34" charset="-122"/>
                 <a:ea typeface="微软雅黑" panose="020B0503020204020204" pitchFamily="34" charset="-122"/>
               </a:rPr>
-              <a:t>有些数据有较大差异，正在测试、分析和排查原因</a:t>
+              <a:t>数据差异，目前还在测试、分析和排查原因</a:t>
             </a:r>
           </a:p>
         </p:txBody>
@@ -15445,7 +15896,7 @@
                 <a:latin typeface="微软雅黑" panose="020B0503020204020204" pitchFamily="34" charset="-122"/>
                 <a:ea typeface="微软雅黑" panose="020B0503020204020204" pitchFamily="34" charset="-122"/>
               </a:rPr>
-              <a:t>目前数据后台没有图形化界面，查看和分析数据不够直观，已设计一版界面设计原稿，后续会完善</a:t>
+              <a:t>目前数据后台没有图形化界面，查看和分析数据不够直观，已设计一版界面设计原稿，后续会跟进完善</a:t>
             </a:r>
           </a:p>
         </p:txBody>
@@ -15954,6 +16405,5159 @@
       </p:grpSpPr>
       <p:grpSp>
         <p:nvGrpSpPr>
+          <p:cNvPr id="2" name="组合 1">
+            <a:extLst>
+              <a:ext uri="{FF2B5EF4-FFF2-40B4-BE49-F238E27FC236}">
+                <a16:creationId xmlns:a16="http://schemas.microsoft.com/office/drawing/2014/main" id="{72F36741-B1C2-A61D-98E1-869F5FD028FB}"/>
+              </a:ext>
+            </a:extLst>
+          </p:cNvPr>
+          <p:cNvGrpSpPr/>
+          <p:nvPr/>
+        </p:nvGrpSpPr>
+        <p:grpSpPr>
+          <a:xfrm>
+            <a:off x="-180528" y="104314"/>
+            <a:ext cx="2143348" cy="523220"/>
+            <a:chOff x="18335" y="51470"/>
+            <a:chExt cx="2143348" cy="523220"/>
+          </a:xfrm>
+        </p:grpSpPr>
+        <p:sp>
+          <p:nvSpPr>
+            <p:cNvPr id="3" name="矩形 2">
+              <a:extLst>
+                <a:ext uri="{FF2B5EF4-FFF2-40B4-BE49-F238E27FC236}">
+                  <a16:creationId xmlns:a16="http://schemas.microsoft.com/office/drawing/2014/main" id="{5BDA9915-5D9D-4FF5-C7A9-574A8EBBD388}"/>
+                </a:ext>
+              </a:extLst>
+            </p:cNvPr>
+            <p:cNvSpPr/>
+            <p:nvPr/>
+          </p:nvSpPr>
+          <p:spPr>
+            <a:xfrm>
+              <a:off x="540726" y="51470"/>
+              <a:ext cx="1620957" cy="523220"/>
+            </a:xfrm>
+            <a:prstGeom prst="rect">
+              <a:avLst/>
+            </a:prstGeom>
+          </p:spPr>
+          <p:txBody>
+            <a:bodyPr wrap="none">
+              <a:spAutoFit/>
+            </a:bodyPr>
+            <a:lstStyle/>
+            <a:p>
+              <a:pPr eaLnBrk="1" hangingPunct="1"/>
+              <a:r>
+                <a:rPr lang="zh-CN" altLang="en-US" sz="2800" b="1" dirty="0">
+                  <a:solidFill>
+                    <a:schemeClr val="tx1">
+                      <a:lumMod val="75000"/>
+                      <a:lumOff val="25000"/>
+                    </a:schemeClr>
+                  </a:solidFill>
+                  <a:latin typeface="微软雅黑" panose="020B0503020204020204" pitchFamily="34" charset="-122"/>
+                  <a:ea typeface="微软雅黑" panose="020B0503020204020204" pitchFamily="34" charset="-122"/>
+                </a:rPr>
+                <a:t>工作内容</a:t>
+              </a:r>
+            </a:p>
+          </p:txBody>
+        </p:sp>
+        <p:sp>
+          <p:nvSpPr>
+            <p:cNvPr id="4" name="椭圆 3">
+              <a:extLst>
+                <a:ext uri="{FF2B5EF4-FFF2-40B4-BE49-F238E27FC236}">
+                  <a16:creationId xmlns:a16="http://schemas.microsoft.com/office/drawing/2014/main" id="{12C3ED70-8BC2-7F2E-407B-B88E63E97D3E}"/>
+                </a:ext>
+              </a:extLst>
+            </p:cNvPr>
+            <p:cNvSpPr>
+              <a:spLocks noChangeArrowheads="1"/>
+            </p:cNvSpPr>
+            <p:nvPr/>
+          </p:nvSpPr>
+          <p:spPr bwMode="auto">
+            <a:xfrm>
+              <a:off x="18335" y="133060"/>
+              <a:ext cx="483479" cy="360040"/>
+            </a:xfrm>
+            <a:prstGeom prst="chevron">
+              <a:avLst>
+                <a:gd name="adj" fmla="val 34239"/>
+              </a:avLst>
+            </a:prstGeom>
+            <a:solidFill>
+              <a:srgbClr val="00B6F6"/>
+            </a:solidFill>
+            <a:ln w="9525">
+              <a:noFill/>
+              <a:round/>
+            </a:ln>
+          </p:spPr>
+          <p:txBody>
+            <a:bodyPr anchor="ctr"/>
+            <a:lstStyle/>
+            <a:p>
+              <a:pPr algn="ctr" eaLnBrk="1" hangingPunct="1"/>
+              <a:endParaRPr lang="zh-CN" altLang="en-US" sz="2400" dirty="0">
+                <a:solidFill>
+                  <a:schemeClr val="bg1"/>
+                </a:solidFill>
+                <a:latin typeface="Impact" panose="020B0806030902050204" pitchFamily="34" charset="0"/>
+              </a:endParaRPr>
+            </a:p>
+          </p:txBody>
+        </p:sp>
+      </p:grpSp>
+      <p:sp>
+        <p:nvSpPr>
+          <p:cNvPr id="5" name="箭头: V 形 4">
+            <a:extLst>
+              <a:ext uri="{FF2B5EF4-FFF2-40B4-BE49-F238E27FC236}">
+                <a16:creationId xmlns:a16="http://schemas.microsoft.com/office/drawing/2014/main" id="{37A8B3AE-8D43-31FD-69B3-1C427BD15872}"/>
+              </a:ext>
+            </a:extLst>
+          </p:cNvPr>
+          <p:cNvSpPr/>
+          <p:nvPr/>
+        </p:nvSpPr>
+        <p:spPr>
+          <a:xfrm>
+            <a:off x="424499" y="735546"/>
+            <a:ext cx="144016" cy="144016"/>
+          </a:xfrm>
+          <a:prstGeom prst="chevron">
+            <a:avLst/>
+          </a:prstGeom>
+          <a:ln>
+            <a:noFill/>
+          </a:ln>
+        </p:spPr>
+        <p:style>
+          <a:lnRef idx="2">
+            <a:schemeClr val="accent1">
+              <a:shade val="50000"/>
+            </a:schemeClr>
+          </a:lnRef>
+          <a:fillRef idx="1">
+            <a:schemeClr val="accent1"/>
+          </a:fillRef>
+          <a:effectRef idx="0">
+            <a:schemeClr val="accent1"/>
+          </a:effectRef>
+          <a:fontRef idx="minor">
+            <a:schemeClr val="lt1"/>
+          </a:fontRef>
+        </p:style>
+        <p:txBody>
+          <a:bodyPr rtlCol="0" anchor="ctr"/>
+          <a:lstStyle/>
+          <a:p>
+            <a:pPr algn="ctr"/>
+            <a:endParaRPr lang="zh-CN" altLang="en-US">
+              <a:solidFill>
+                <a:schemeClr val="tx1"/>
+              </a:solidFill>
+            </a:endParaRPr>
+          </a:p>
+        </p:txBody>
+      </p:sp>
+      <p:sp>
+        <p:nvSpPr>
+          <p:cNvPr id="7" name="箭头: V 形 6">
+            <a:extLst>
+              <a:ext uri="{FF2B5EF4-FFF2-40B4-BE49-F238E27FC236}">
+                <a16:creationId xmlns:a16="http://schemas.microsoft.com/office/drawing/2014/main" id="{5956A372-EB88-944C-C450-AD8E898E096F}"/>
+              </a:ext>
+            </a:extLst>
+          </p:cNvPr>
+          <p:cNvSpPr/>
+          <p:nvPr/>
+        </p:nvSpPr>
+        <p:spPr>
+          <a:xfrm>
+            <a:off x="535419" y="735546"/>
+            <a:ext cx="144016" cy="144016"/>
+          </a:xfrm>
+          <a:prstGeom prst="chevron">
+            <a:avLst/>
+          </a:prstGeom>
+          <a:ln>
+            <a:noFill/>
+          </a:ln>
+        </p:spPr>
+        <p:style>
+          <a:lnRef idx="2">
+            <a:schemeClr val="accent1">
+              <a:shade val="50000"/>
+            </a:schemeClr>
+          </a:lnRef>
+          <a:fillRef idx="1">
+            <a:schemeClr val="accent1"/>
+          </a:fillRef>
+          <a:effectRef idx="0">
+            <a:schemeClr val="accent1"/>
+          </a:effectRef>
+          <a:fontRef idx="minor">
+            <a:schemeClr val="lt1"/>
+          </a:fontRef>
+        </p:style>
+        <p:txBody>
+          <a:bodyPr rtlCol="0" anchor="ctr"/>
+          <a:lstStyle/>
+          <a:p>
+            <a:pPr algn="ctr"/>
+            <a:endParaRPr lang="zh-CN" altLang="en-US">
+              <a:solidFill>
+                <a:schemeClr val="tx1"/>
+              </a:solidFill>
+            </a:endParaRPr>
+          </a:p>
+        </p:txBody>
+      </p:sp>
+      <p:sp>
+        <p:nvSpPr>
+          <p:cNvPr id="8" name="箭头: V 形 7">
+            <a:extLst>
+              <a:ext uri="{FF2B5EF4-FFF2-40B4-BE49-F238E27FC236}">
+                <a16:creationId xmlns:a16="http://schemas.microsoft.com/office/drawing/2014/main" id="{723A9A7E-09C1-B3C7-5F97-21A26BDD5445}"/>
+              </a:ext>
+            </a:extLst>
+          </p:cNvPr>
+          <p:cNvSpPr/>
+          <p:nvPr/>
+        </p:nvSpPr>
+        <p:spPr>
+          <a:xfrm>
+            <a:off x="646339" y="735546"/>
+            <a:ext cx="144016" cy="144016"/>
+          </a:xfrm>
+          <a:prstGeom prst="chevron">
+            <a:avLst/>
+          </a:prstGeom>
+          <a:ln>
+            <a:noFill/>
+          </a:ln>
+        </p:spPr>
+        <p:style>
+          <a:lnRef idx="2">
+            <a:schemeClr val="accent1">
+              <a:shade val="50000"/>
+            </a:schemeClr>
+          </a:lnRef>
+          <a:fillRef idx="1">
+            <a:schemeClr val="accent1"/>
+          </a:fillRef>
+          <a:effectRef idx="0">
+            <a:schemeClr val="accent1"/>
+          </a:effectRef>
+          <a:fontRef idx="minor">
+            <a:schemeClr val="lt1"/>
+          </a:fontRef>
+        </p:style>
+        <p:txBody>
+          <a:bodyPr rtlCol="0" anchor="ctr"/>
+          <a:lstStyle/>
+          <a:p>
+            <a:pPr algn="ctr"/>
+            <a:endParaRPr lang="zh-CN" altLang="en-US">
+              <a:solidFill>
+                <a:schemeClr val="tx1"/>
+              </a:solidFill>
+            </a:endParaRPr>
+          </a:p>
+        </p:txBody>
+      </p:sp>
+      <p:sp>
+        <p:nvSpPr>
+          <p:cNvPr id="9" name="文本框 8">
+            <a:extLst>
+              <a:ext uri="{FF2B5EF4-FFF2-40B4-BE49-F238E27FC236}">
+                <a16:creationId xmlns:a16="http://schemas.microsoft.com/office/drawing/2014/main" id="{40848FCE-620B-D6C6-3627-637614FA0C3F}"/>
+              </a:ext>
+            </a:extLst>
+          </p:cNvPr>
+          <p:cNvSpPr txBox="1"/>
+          <p:nvPr/>
+        </p:nvSpPr>
+        <p:spPr>
+          <a:xfrm>
+            <a:off x="819542" y="659160"/>
+            <a:ext cx="1082348" cy="307777"/>
+          </a:xfrm>
+          <a:prstGeom prst="rect">
+            <a:avLst/>
+          </a:prstGeom>
+          <a:noFill/>
+        </p:spPr>
+        <p:txBody>
+          <a:bodyPr wrap="none" rtlCol="0">
+            <a:spAutoFit/>
+          </a:bodyPr>
+          <a:lstStyle/>
+          <a:p>
+            <a:r>
+              <a:rPr lang="en-US" altLang="zh-CN" sz="1400" dirty="0">
+                <a:solidFill>
+                  <a:srgbClr val="007CC8"/>
+                </a:solidFill>
+                <a:latin typeface="黑体" panose="02010609060101010101" pitchFamily="49" charset="-122"/>
+                <a:ea typeface="黑体" panose="02010609060101010101" pitchFamily="49" charset="-122"/>
+              </a:rPr>
+              <a:t>Ga</a:t>
+            </a:r>
+            <a:r>
+              <a:rPr lang="zh-CN" altLang="en-US" sz="1400" dirty="0">
+                <a:solidFill>
+                  <a:srgbClr val="007CC8"/>
+                </a:solidFill>
+                <a:latin typeface="黑体" panose="02010609060101010101" pitchFamily="49" charset="-122"/>
+                <a:ea typeface="黑体" panose="02010609060101010101" pitchFamily="49" charset="-122"/>
+              </a:rPr>
+              <a:t>埋点工具</a:t>
+            </a:r>
+          </a:p>
+        </p:txBody>
+      </p:sp>
+      <p:cxnSp>
+        <p:nvCxnSpPr>
+          <p:cNvPr id="10" name="直接连接符 9">
+            <a:extLst>
+              <a:ext uri="{FF2B5EF4-FFF2-40B4-BE49-F238E27FC236}">
+                <a16:creationId xmlns:a16="http://schemas.microsoft.com/office/drawing/2014/main" id="{34B044FE-8875-EF1D-78D5-190959A209E1}"/>
+              </a:ext>
+            </a:extLst>
+          </p:cNvPr>
+          <p:cNvCxnSpPr>
+            <a:cxnSpLocks/>
+          </p:cNvCxnSpPr>
+          <p:nvPr/>
+        </p:nvCxnSpPr>
+        <p:spPr>
+          <a:xfrm>
+            <a:off x="302951" y="987574"/>
+            <a:ext cx="8589529" cy="0"/>
+          </a:xfrm>
+          <a:prstGeom prst="line">
+            <a:avLst/>
+          </a:prstGeom>
+          <a:ln>
+            <a:solidFill>
+              <a:schemeClr val="tx1">
+                <a:lumMod val="50000"/>
+                <a:lumOff val="50000"/>
+              </a:schemeClr>
+            </a:solidFill>
+          </a:ln>
+        </p:spPr>
+        <p:style>
+          <a:lnRef idx="1">
+            <a:schemeClr val="accent1"/>
+          </a:lnRef>
+          <a:fillRef idx="0">
+            <a:schemeClr val="accent1"/>
+          </a:fillRef>
+          <a:effectRef idx="0">
+            <a:schemeClr val="accent1"/>
+          </a:effectRef>
+          <a:fontRef idx="minor">
+            <a:schemeClr val="tx1"/>
+          </a:fontRef>
+        </p:style>
+      </p:cxnSp>
+      <p:sp>
+        <p:nvSpPr>
+          <p:cNvPr id="11" name="矩形 10">
+            <a:extLst>
+              <a:ext uri="{FF2B5EF4-FFF2-40B4-BE49-F238E27FC236}">
+                <a16:creationId xmlns:a16="http://schemas.microsoft.com/office/drawing/2014/main" id="{10148DE3-ECEF-60A8-D3D6-9BC300689B30}"/>
+              </a:ext>
+            </a:extLst>
+          </p:cNvPr>
+          <p:cNvSpPr/>
+          <p:nvPr/>
+        </p:nvSpPr>
+        <p:spPr>
+          <a:xfrm>
+            <a:off x="302951" y="1079510"/>
+            <a:ext cx="84223" cy="276976"/>
+          </a:xfrm>
+          <a:prstGeom prst="rect">
+            <a:avLst/>
+          </a:prstGeom>
+          <a:solidFill>
+            <a:srgbClr val="00B6F6"/>
+          </a:solidFill>
+          <a:ln>
+            <a:noFill/>
+          </a:ln>
+        </p:spPr>
+        <p:style>
+          <a:lnRef idx="2">
+            <a:schemeClr val="accent1">
+              <a:shade val="50000"/>
+            </a:schemeClr>
+          </a:lnRef>
+          <a:fillRef idx="1">
+            <a:schemeClr val="accent1"/>
+          </a:fillRef>
+          <a:effectRef idx="0">
+            <a:schemeClr val="accent1"/>
+          </a:effectRef>
+          <a:fontRef idx="minor">
+            <a:schemeClr val="lt1"/>
+          </a:fontRef>
+        </p:style>
+        <p:txBody>
+          <a:bodyPr rtlCol="0" anchor="ctr"/>
+          <a:lstStyle/>
+          <a:p>
+            <a:pPr algn="ctr"/>
+            <a:endParaRPr lang="zh-CN" altLang="en-US"/>
+          </a:p>
+        </p:txBody>
+      </p:sp>
+      <p:sp>
+        <p:nvSpPr>
+          <p:cNvPr id="12" name="文本占位符 16">
+            <a:extLst>
+              <a:ext uri="{FF2B5EF4-FFF2-40B4-BE49-F238E27FC236}">
+                <a16:creationId xmlns:a16="http://schemas.microsoft.com/office/drawing/2014/main" id="{E3360585-363E-CAC7-A1DC-7CB38DA97903}"/>
+              </a:ext>
+            </a:extLst>
+          </p:cNvPr>
+          <p:cNvSpPr txBox="1">
+            <a:spLocks/>
+          </p:cNvSpPr>
+          <p:nvPr/>
+        </p:nvSpPr>
+        <p:spPr>
+          <a:xfrm>
+            <a:off x="424499" y="1012131"/>
+            <a:ext cx="3628937" cy="411734"/>
+          </a:xfrm>
+          <a:prstGeom prst="rect">
+            <a:avLst/>
+          </a:prstGeom>
+        </p:spPr>
+        <p:txBody>
+          <a:bodyPr vert="horz" lIns="91440" tIns="45720" rIns="91440" bIns="45720" rtlCol="0" anchor="ctr">
+            <a:normAutofit/>
+          </a:bodyPr>
+          <a:lstStyle>
+            <a:defPPr>
+              <a:defRPr lang="zh-CN"/>
+            </a:defPPr>
+            <a:lvl1pPr marL="0" algn="l" defTabSz="914400" rtl="0" eaLnBrk="1" latinLnBrk="0" hangingPunct="1">
+              <a:defRPr sz="1200" kern="1200">
+                <a:solidFill>
+                  <a:schemeClr val="tx1">
+                    <a:tint val="75000"/>
+                  </a:schemeClr>
+                </a:solidFill>
+                <a:latin typeface="+mn-lt"/>
+                <a:ea typeface="+mn-ea"/>
+                <a:cs typeface="+mn-cs"/>
+              </a:defRPr>
+            </a:lvl1pPr>
+            <a:lvl2pPr marL="457200" algn="l" defTabSz="914400" rtl="0" eaLnBrk="1" latinLnBrk="0" hangingPunct="1">
+              <a:defRPr sz="1800" kern="1200">
+                <a:solidFill>
+                  <a:schemeClr val="tx1"/>
+                </a:solidFill>
+                <a:latin typeface="+mn-lt"/>
+                <a:ea typeface="+mn-ea"/>
+                <a:cs typeface="+mn-cs"/>
+              </a:defRPr>
+            </a:lvl2pPr>
+            <a:lvl3pPr marL="914400" algn="l" defTabSz="914400" rtl="0" eaLnBrk="1" latinLnBrk="0" hangingPunct="1">
+              <a:defRPr sz="1800" kern="1200">
+                <a:solidFill>
+                  <a:schemeClr val="tx1"/>
+                </a:solidFill>
+                <a:latin typeface="+mn-lt"/>
+                <a:ea typeface="+mn-ea"/>
+                <a:cs typeface="+mn-cs"/>
+              </a:defRPr>
+            </a:lvl3pPr>
+            <a:lvl4pPr marL="1371600" algn="l" defTabSz="914400" rtl="0" eaLnBrk="1" latinLnBrk="0" hangingPunct="1">
+              <a:defRPr sz="1800" kern="1200">
+                <a:solidFill>
+                  <a:schemeClr val="tx1"/>
+                </a:solidFill>
+                <a:latin typeface="+mn-lt"/>
+                <a:ea typeface="+mn-ea"/>
+                <a:cs typeface="+mn-cs"/>
+              </a:defRPr>
+            </a:lvl4pPr>
+            <a:lvl5pPr marL="1828800" algn="l" defTabSz="914400" rtl="0" eaLnBrk="1" latinLnBrk="0" hangingPunct="1">
+              <a:defRPr sz="1800" kern="1200">
+                <a:solidFill>
+                  <a:schemeClr val="tx1"/>
+                </a:solidFill>
+                <a:latin typeface="+mn-lt"/>
+                <a:ea typeface="+mn-ea"/>
+                <a:cs typeface="+mn-cs"/>
+              </a:defRPr>
+            </a:lvl5pPr>
+            <a:lvl6pPr marL="2286000" algn="l" defTabSz="914400" rtl="0" eaLnBrk="1" latinLnBrk="0" hangingPunct="1">
+              <a:defRPr sz="1800" kern="1200">
+                <a:solidFill>
+                  <a:schemeClr val="tx1"/>
+                </a:solidFill>
+                <a:latin typeface="+mn-lt"/>
+                <a:ea typeface="+mn-ea"/>
+                <a:cs typeface="+mn-cs"/>
+              </a:defRPr>
+            </a:lvl6pPr>
+            <a:lvl7pPr marL="2743200" algn="l" defTabSz="914400" rtl="0" eaLnBrk="1" latinLnBrk="0" hangingPunct="1">
+              <a:defRPr sz="1800" kern="1200">
+                <a:solidFill>
+                  <a:schemeClr val="tx1"/>
+                </a:solidFill>
+                <a:latin typeface="+mn-lt"/>
+                <a:ea typeface="+mn-ea"/>
+                <a:cs typeface="+mn-cs"/>
+              </a:defRPr>
+            </a:lvl7pPr>
+            <a:lvl8pPr marL="3200400" algn="l" defTabSz="914400" rtl="0" eaLnBrk="1" latinLnBrk="0" hangingPunct="1">
+              <a:defRPr sz="1800" kern="1200">
+                <a:solidFill>
+                  <a:schemeClr val="tx1"/>
+                </a:solidFill>
+                <a:latin typeface="+mn-lt"/>
+                <a:ea typeface="+mn-ea"/>
+                <a:cs typeface="+mn-cs"/>
+              </a:defRPr>
+            </a:lvl8pPr>
+            <a:lvl9pPr marL="3657600" algn="l" defTabSz="914400" rtl="0" eaLnBrk="1" latinLnBrk="0" hangingPunct="1">
+              <a:defRPr sz="1800" kern="1200">
+                <a:solidFill>
+                  <a:schemeClr val="tx1"/>
+                </a:solidFill>
+                <a:latin typeface="+mn-lt"/>
+                <a:ea typeface="+mn-ea"/>
+                <a:cs typeface="+mn-cs"/>
+              </a:defRPr>
+            </a:lvl9pPr>
+          </a:lstStyle>
+          <a:p>
+            <a:r>
+              <a:rPr lang="zh-CN" altLang="en-US" dirty="0">
+                <a:solidFill>
+                  <a:schemeClr val="tx1">
+                    <a:lumMod val="85000"/>
+                    <a:lumOff val="15000"/>
+                  </a:schemeClr>
+                </a:solidFill>
+              </a:rPr>
+              <a:t>数据差异</a:t>
+            </a:r>
+          </a:p>
+        </p:txBody>
+      </p:sp>
+      <p:sp>
+        <p:nvSpPr>
+          <p:cNvPr id="13" name="文本框 12">
+            <a:extLst>
+              <a:ext uri="{FF2B5EF4-FFF2-40B4-BE49-F238E27FC236}">
+                <a16:creationId xmlns:a16="http://schemas.microsoft.com/office/drawing/2014/main" id="{33B07CDA-0B98-1AC1-C53A-905D32EEFAA2}"/>
+              </a:ext>
+            </a:extLst>
+          </p:cNvPr>
+          <p:cNvSpPr txBox="1"/>
+          <p:nvPr/>
+        </p:nvSpPr>
+        <p:spPr>
+          <a:xfrm>
+            <a:off x="179512" y="2116997"/>
+            <a:ext cx="2938625" cy="1569660"/>
+          </a:xfrm>
+          <a:prstGeom prst="rect">
+            <a:avLst/>
+          </a:prstGeom>
+          <a:noFill/>
+        </p:spPr>
+        <p:txBody>
+          <a:bodyPr wrap="none" rtlCol="0">
+            <a:spAutoFit/>
+          </a:bodyPr>
+          <a:lstStyle/>
+          <a:p>
+            <a:r>
+              <a:rPr lang="zh-CN" altLang="en-US" sz="1200" dirty="0"/>
+              <a:t>有一些数据指标差异较大：</a:t>
+            </a:r>
+            <a:endParaRPr lang="en-US" altLang="zh-CN" sz="1200" dirty="0"/>
+          </a:p>
+          <a:p>
+            <a:r>
+              <a:rPr lang="en-US" altLang="zh-CN" sz="1200" dirty="0"/>
+              <a:t>1</a:t>
+            </a:r>
+            <a:r>
+              <a:rPr lang="zh-CN" altLang="en-US" sz="1200" dirty="0"/>
+              <a:t>、首页</a:t>
+            </a:r>
+            <a:r>
+              <a:rPr lang="en-US" altLang="zh-CN" sz="1200" dirty="0"/>
+              <a:t>/</a:t>
+            </a:r>
+            <a:r>
+              <a:rPr lang="zh-CN" altLang="en-US" sz="1200" dirty="0"/>
+              <a:t>弹窗跳转商店按钮目标达成次数</a:t>
+            </a:r>
+            <a:endParaRPr lang="en-US" altLang="zh-CN" sz="1200" dirty="0"/>
+          </a:p>
+          <a:p>
+            <a:endParaRPr lang="en-US" altLang="zh-CN" sz="1200" dirty="0"/>
+          </a:p>
+          <a:p>
+            <a:endParaRPr lang="en-US" altLang="zh-CN" sz="1200" dirty="0"/>
+          </a:p>
+          <a:p>
+            <a:endParaRPr lang="en-US" altLang="zh-CN" sz="1200" dirty="0"/>
+          </a:p>
+          <a:p>
+            <a:endParaRPr lang="en-US" altLang="zh-CN" sz="1200" dirty="0"/>
+          </a:p>
+          <a:p>
+            <a:endParaRPr lang="en-US" altLang="zh-CN" sz="1200" dirty="0"/>
+          </a:p>
+          <a:p>
+            <a:r>
+              <a:rPr lang="en-US" altLang="zh-CN" sz="1200" dirty="0"/>
+              <a:t>2</a:t>
+            </a:r>
+            <a:r>
+              <a:rPr lang="zh-CN" altLang="en-US" sz="1200" dirty="0"/>
+              <a:t>、老用户数量：</a:t>
+            </a:r>
+            <a:r>
+              <a:rPr lang="en-US" altLang="zh-CN" sz="1200" dirty="0" err="1"/>
+              <a:t>efun</a:t>
+            </a:r>
+            <a:r>
+              <a:rPr lang="en-US" altLang="zh-CN" sz="1200" dirty="0"/>
+              <a:t> &gt; ga</a:t>
+            </a:r>
+            <a:endParaRPr lang="zh-CN" altLang="en-US" sz="1200" dirty="0"/>
+          </a:p>
+        </p:txBody>
+      </p:sp>
+      <p:sp>
+        <p:nvSpPr>
+          <p:cNvPr id="22" name="文本框 21">
+            <a:extLst>
+              <a:ext uri="{FF2B5EF4-FFF2-40B4-BE49-F238E27FC236}">
+                <a16:creationId xmlns:a16="http://schemas.microsoft.com/office/drawing/2014/main" id="{81BA0F97-023A-0F30-5050-383D778A41EF}"/>
+              </a:ext>
+            </a:extLst>
+          </p:cNvPr>
+          <p:cNvSpPr txBox="1"/>
+          <p:nvPr/>
+        </p:nvSpPr>
+        <p:spPr>
+          <a:xfrm>
+            <a:off x="5131864" y="997605"/>
+            <a:ext cx="1872208" cy="276999"/>
+          </a:xfrm>
+          <a:prstGeom prst="rect">
+            <a:avLst/>
+          </a:prstGeom>
+          <a:noFill/>
+        </p:spPr>
+        <p:txBody>
+          <a:bodyPr wrap="square">
+            <a:spAutoFit/>
+          </a:bodyPr>
+          <a:lstStyle/>
+          <a:p>
+            <a:r>
+              <a:rPr lang="zh-CN" altLang="en-US" sz="1200" dirty="0"/>
+              <a:t>跳转商店按钮事件差异</a:t>
+            </a:r>
+          </a:p>
+        </p:txBody>
+      </p:sp>
+      <p:sp>
+        <p:nvSpPr>
+          <p:cNvPr id="23" name="文本框 22">
+            <a:extLst>
+              <a:ext uri="{FF2B5EF4-FFF2-40B4-BE49-F238E27FC236}">
+                <a16:creationId xmlns:a16="http://schemas.microsoft.com/office/drawing/2014/main" id="{3F34F228-C63B-0B69-9A0D-C19AA21778C6}"/>
+              </a:ext>
+            </a:extLst>
+          </p:cNvPr>
+          <p:cNvSpPr txBox="1"/>
+          <p:nvPr/>
+        </p:nvSpPr>
+        <p:spPr>
+          <a:xfrm>
+            <a:off x="5011974" y="2881198"/>
+            <a:ext cx="1872208" cy="276999"/>
+          </a:xfrm>
+          <a:prstGeom prst="rect">
+            <a:avLst/>
+          </a:prstGeom>
+          <a:noFill/>
+        </p:spPr>
+        <p:txBody>
+          <a:bodyPr wrap="square">
+            <a:spAutoFit/>
+          </a:bodyPr>
+          <a:lstStyle/>
+          <a:p>
+            <a:r>
+              <a:rPr lang="zh-CN" altLang="en-US" sz="1200" dirty="0"/>
+              <a:t>老用户数量差异</a:t>
+            </a:r>
+          </a:p>
+        </p:txBody>
+      </p:sp>
+      <p:pic>
+        <p:nvPicPr>
+          <p:cNvPr id="25" name="图片 24">
+            <a:extLst>
+              <a:ext uri="{FF2B5EF4-FFF2-40B4-BE49-F238E27FC236}">
+                <a16:creationId xmlns:a16="http://schemas.microsoft.com/office/drawing/2014/main" id="{B0A58D4C-7CED-2344-15FC-3237240C79C1}"/>
+              </a:ext>
+            </a:extLst>
+          </p:cNvPr>
+          <p:cNvPicPr>
+            <a:picLocks noChangeAspect="1"/>
+          </p:cNvPicPr>
+          <p:nvPr/>
+        </p:nvPicPr>
+        <p:blipFill>
+          <a:blip r:embed="rId2"/>
+          <a:stretch>
+            <a:fillRect/>
+          </a:stretch>
+        </p:blipFill>
+        <p:spPr>
+          <a:xfrm>
+            <a:off x="3707904" y="1233280"/>
+            <a:ext cx="4293598" cy="1635365"/>
+          </a:xfrm>
+          <a:prstGeom prst="rect">
+            <a:avLst/>
+          </a:prstGeom>
+        </p:spPr>
+      </p:pic>
+      <p:pic>
+        <p:nvPicPr>
+          <p:cNvPr id="28" name="图片 27">
+            <a:extLst>
+              <a:ext uri="{FF2B5EF4-FFF2-40B4-BE49-F238E27FC236}">
+                <a16:creationId xmlns:a16="http://schemas.microsoft.com/office/drawing/2014/main" id="{3867B517-38D7-545F-D27A-2D80F2A9C9B1}"/>
+              </a:ext>
+            </a:extLst>
+          </p:cNvPr>
+          <p:cNvPicPr>
+            <a:picLocks noChangeAspect="1"/>
+          </p:cNvPicPr>
+          <p:nvPr/>
+        </p:nvPicPr>
+        <p:blipFill>
+          <a:blip r:embed="rId3"/>
+          <a:stretch>
+            <a:fillRect/>
+          </a:stretch>
+        </p:blipFill>
+        <p:spPr>
+          <a:xfrm>
+            <a:off x="3707904" y="3284558"/>
+            <a:ext cx="4886160" cy="1640721"/>
+          </a:xfrm>
+          <a:prstGeom prst="rect">
+            <a:avLst/>
+          </a:prstGeom>
+        </p:spPr>
+      </p:pic>
+    </p:spTree>
+    <p:extLst>
+      <p:ext uri="{BB962C8B-B14F-4D97-AF65-F5344CB8AC3E}">
+        <p14:creationId xmlns:p14="http://schemas.microsoft.com/office/powerpoint/2010/main" val="4017195530"/>
+      </p:ext>
+    </p:extLst>
+  </p:cSld>
+  <p:clrMapOvr>
+    <a:masterClrMapping/>
+  </p:clrMapOvr>
+</p:sld>
+</file>
+
+<file path=ppt/slides/slide16.xml><?xml version="1.0" encoding="utf-8"?>
+<p:sld xmlns:a="http://schemas.openxmlformats.org/drawingml/2006/main" xmlns:r="http://schemas.openxmlformats.org/officeDocument/2006/relationships" xmlns:p="http://schemas.openxmlformats.org/presentationml/2006/main">
+  <p:cSld>
+    <p:spTree>
+      <p:nvGrpSpPr>
+        <p:cNvPr id="1" name=""/>
+        <p:cNvGrpSpPr/>
+        <p:nvPr/>
+      </p:nvGrpSpPr>
+      <p:grpSpPr>
+        <a:xfrm>
+          <a:off x="0" y="0"/>
+          <a:ext cx="0" cy="0"/>
+          <a:chOff x="0" y="0"/>
+          <a:chExt cx="0" cy="0"/>
+        </a:xfrm>
+      </p:grpSpPr>
+      <p:grpSp>
+        <p:nvGrpSpPr>
+          <p:cNvPr id="2" name="组合 1">
+            <a:extLst>
+              <a:ext uri="{FF2B5EF4-FFF2-40B4-BE49-F238E27FC236}">
+                <a16:creationId xmlns:a16="http://schemas.microsoft.com/office/drawing/2014/main" id="{72F36741-B1C2-A61D-98E1-869F5FD028FB}"/>
+              </a:ext>
+            </a:extLst>
+          </p:cNvPr>
+          <p:cNvGrpSpPr/>
+          <p:nvPr/>
+        </p:nvGrpSpPr>
+        <p:grpSpPr>
+          <a:xfrm>
+            <a:off x="-180528" y="104314"/>
+            <a:ext cx="2143348" cy="523220"/>
+            <a:chOff x="18335" y="51470"/>
+            <a:chExt cx="2143348" cy="523220"/>
+          </a:xfrm>
+        </p:grpSpPr>
+        <p:sp>
+          <p:nvSpPr>
+            <p:cNvPr id="3" name="矩形 2">
+              <a:extLst>
+                <a:ext uri="{FF2B5EF4-FFF2-40B4-BE49-F238E27FC236}">
+                  <a16:creationId xmlns:a16="http://schemas.microsoft.com/office/drawing/2014/main" id="{5BDA9915-5D9D-4FF5-C7A9-574A8EBBD388}"/>
+                </a:ext>
+              </a:extLst>
+            </p:cNvPr>
+            <p:cNvSpPr/>
+            <p:nvPr/>
+          </p:nvSpPr>
+          <p:spPr>
+            <a:xfrm>
+              <a:off x="540726" y="51470"/>
+              <a:ext cx="1620957" cy="523220"/>
+            </a:xfrm>
+            <a:prstGeom prst="rect">
+              <a:avLst/>
+            </a:prstGeom>
+          </p:spPr>
+          <p:txBody>
+            <a:bodyPr wrap="none">
+              <a:spAutoFit/>
+            </a:bodyPr>
+            <a:lstStyle/>
+            <a:p>
+              <a:pPr eaLnBrk="1" hangingPunct="1"/>
+              <a:r>
+                <a:rPr lang="zh-CN" altLang="en-US" sz="2800" b="1" dirty="0">
+                  <a:solidFill>
+                    <a:schemeClr val="tx1">
+                      <a:lumMod val="75000"/>
+                      <a:lumOff val="25000"/>
+                    </a:schemeClr>
+                  </a:solidFill>
+                  <a:latin typeface="微软雅黑" panose="020B0503020204020204" pitchFamily="34" charset="-122"/>
+                  <a:ea typeface="微软雅黑" panose="020B0503020204020204" pitchFamily="34" charset="-122"/>
+                </a:rPr>
+                <a:t>工作内容</a:t>
+              </a:r>
+            </a:p>
+          </p:txBody>
+        </p:sp>
+        <p:sp>
+          <p:nvSpPr>
+            <p:cNvPr id="4" name="椭圆 3">
+              <a:extLst>
+                <a:ext uri="{FF2B5EF4-FFF2-40B4-BE49-F238E27FC236}">
+                  <a16:creationId xmlns:a16="http://schemas.microsoft.com/office/drawing/2014/main" id="{12C3ED70-8BC2-7F2E-407B-B88E63E97D3E}"/>
+                </a:ext>
+              </a:extLst>
+            </p:cNvPr>
+            <p:cNvSpPr>
+              <a:spLocks noChangeArrowheads="1"/>
+            </p:cNvSpPr>
+            <p:nvPr/>
+          </p:nvSpPr>
+          <p:spPr bwMode="auto">
+            <a:xfrm>
+              <a:off x="18335" y="133060"/>
+              <a:ext cx="483479" cy="360040"/>
+            </a:xfrm>
+            <a:prstGeom prst="chevron">
+              <a:avLst>
+                <a:gd name="adj" fmla="val 34239"/>
+              </a:avLst>
+            </a:prstGeom>
+            <a:solidFill>
+              <a:srgbClr val="00B6F6"/>
+            </a:solidFill>
+            <a:ln w="9525">
+              <a:noFill/>
+              <a:round/>
+            </a:ln>
+          </p:spPr>
+          <p:txBody>
+            <a:bodyPr anchor="ctr"/>
+            <a:lstStyle/>
+            <a:p>
+              <a:pPr algn="ctr" eaLnBrk="1" hangingPunct="1"/>
+              <a:endParaRPr lang="zh-CN" altLang="en-US" sz="2400" dirty="0">
+                <a:solidFill>
+                  <a:schemeClr val="bg1"/>
+                </a:solidFill>
+                <a:latin typeface="Impact" panose="020B0806030902050204" pitchFamily="34" charset="0"/>
+              </a:endParaRPr>
+            </a:p>
+          </p:txBody>
+        </p:sp>
+      </p:grpSp>
+      <p:sp>
+        <p:nvSpPr>
+          <p:cNvPr id="5" name="箭头: V 形 4">
+            <a:extLst>
+              <a:ext uri="{FF2B5EF4-FFF2-40B4-BE49-F238E27FC236}">
+                <a16:creationId xmlns:a16="http://schemas.microsoft.com/office/drawing/2014/main" id="{37A8B3AE-8D43-31FD-69B3-1C427BD15872}"/>
+              </a:ext>
+            </a:extLst>
+          </p:cNvPr>
+          <p:cNvSpPr/>
+          <p:nvPr/>
+        </p:nvSpPr>
+        <p:spPr>
+          <a:xfrm>
+            <a:off x="424499" y="735546"/>
+            <a:ext cx="144016" cy="144016"/>
+          </a:xfrm>
+          <a:prstGeom prst="chevron">
+            <a:avLst/>
+          </a:prstGeom>
+          <a:ln>
+            <a:noFill/>
+          </a:ln>
+        </p:spPr>
+        <p:style>
+          <a:lnRef idx="2">
+            <a:schemeClr val="accent1">
+              <a:shade val="50000"/>
+            </a:schemeClr>
+          </a:lnRef>
+          <a:fillRef idx="1">
+            <a:schemeClr val="accent1"/>
+          </a:fillRef>
+          <a:effectRef idx="0">
+            <a:schemeClr val="accent1"/>
+          </a:effectRef>
+          <a:fontRef idx="minor">
+            <a:schemeClr val="lt1"/>
+          </a:fontRef>
+        </p:style>
+        <p:txBody>
+          <a:bodyPr rtlCol="0" anchor="ctr"/>
+          <a:lstStyle/>
+          <a:p>
+            <a:pPr algn="ctr"/>
+            <a:endParaRPr lang="zh-CN" altLang="en-US">
+              <a:solidFill>
+                <a:schemeClr val="tx1"/>
+              </a:solidFill>
+            </a:endParaRPr>
+          </a:p>
+        </p:txBody>
+      </p:sp>
+      <p:sp>
+        <p:nvSpPr>
+          <p:cNvPr id="7" name="箭头: V 形 6">
+            <a:extLst>
+              <a:ext uri="{FF2B5EF4-FFF2-40B4-BE49-F238E27FC236}">
+                <a16:creationId xmlns:a16="http://schemas.microsoft.com/office/drawing/2014/main" id="{5956A372-EB88-944C-C450-AD8E898E096F}"/>
+              </a:ext>
+            </a:extLst>
+          </p:cNvPr>
+          <p:cNvSpPr/>
+          <p:nvPr/>
+        </p:nvSpPr>
+        <p:spPr>
+          <a:xfrm>
+            <a:off x="535419" y="735546"/>
+            <a:ext cx="144016" cy="144016"/>
+          </a:xfrm>
+          <a:prstGeom prst="chevron">
+            <a:avLst/>
+          </a:prstGeom>
+          <a:ln>
+            <a:noFill/>
+          </a:ln>
+        </p:spPr>
+        <p:style>
+          <a:lnRef idx="2">
+            <a:schemeClr val="accent1">
+              <a:shade val="50000"/>
+            </a:schemeClr>
+          </a:lnRef>
+          <a:fillRef idx="1">
+            <a:schemeClr val="accent1"/>
+          </a:fillRef>
+          <a:effectRef idx="0">
+            <a:schemeClr val="accent1"/>
+          </a:effectRef>
+          <a:fontRef idx="minor">
+            <a:schemeClr val="lt1"/>
+          </a:fontRef>
+        </p:style>
+        <p:txBody>
+          <a:bodyPr rtlCol="0" anchor="ctr"/>
+          <a:lstStyle/>
+          <a:p>
+            <a:pPr algn="ctr"/>
+            <a:endParaRPr lang="zh-CN" altLang="en-US">
+              <a:solidFill>
+                <a:schemeClr val="tx1"/>
+              </a:solidFill>
+            </a:endParaRPr>
+          </a:p>
+        </p:txBody>
+      </p:sp>
+      <p:sp>
+        <p:nvSpPr>
+          <p:cNvPr id="8" name="箭头: V 形 7">
+            <a:extLst>
+              <a:ext uri="{FF2B5EF4-FFF2-40B4-BE49-F238E27FC236}">
+                <a16:creationId xmlns:a16="http://schemas.microsoft.com/office/drawing/2014/main" id="{723A9A7E-09C1-B3C7-5F97-21A26BDD5445}"/>
+              </a:ext>
+            </a:extLst>
+          </p:cNvPr>
+          <p:cNvSpPr/>
+          <p:nvPr/>
+        </p:nvSpPr>
+        <p:spPr>
+          <a:xfrm>
+            <a:off x="646339" y="735546"/>
+            <a:ext cx="144016" cy="144016"/>
+          </a:xfrm>
+          <a:prstGeom prst="chevron">
+            <a:avLst/>
+          </a:prstGeom>
+          <a:ln>
+            <a:noFill/>
+          </a:ln>
+        </p:spPr>
+        <p:style>
+          <a:lnRef idx="2">
+            <a:schemeClr val="accent1">
+              <a:shade val="50000"/>
+            </a:schemeClr>
+          </a:lnRef>
+          <a:fillRef idx="1">
+            <a:schemeClr val="accent1"/>
+          </a:fillRef>
+          <a:effectRef idx="0">
+            <a:schemeClr val="accent1"/>
+          </a:effectRef>
+          <a:fontRef idx="minor">
+            <a:schemeClr val="lt1"/>
+          </a:fontRef>
+        </p:style>
+        <p:txBody>
+          <a:bodyPr rtlCol="0" anchor="ctr"/>
+          <a:lstStyle/>
+          <a:p>
+            <a:pPr algn="ctr"/>
+            <a:endParaRPr lang="zh-CN" altLang="en-US">
+              <a:solidFill>
+                <a:schemeClr val="tx1"/>
+              </a:solidFill>
+            </a:endParaRPr>
+          </a:p>
+        </p:txBody>
+      </p:sp>
+      <p:sp>
+        <p:nvSpPr>
+          <p:cNvPr id="9" name="文本框 8">
+            <a:extLst>
+              <a:ext uri="{FF2B5EF4-FFF2-40B4-BE49-F238E27FC236}">
+                <a16:creationId xmlns:a16="http://schemas.microsoft.com/office/drawing/2014/main" id="{40848FCE-620B-D6C6-3627-637614FA0C3F}"/>
+              </a:ext>
+            </a:extLst>
+          </p:cNvPr>
+          <p:cNvSpPr txBox="1"/>
+          <p:nvPr/>
+        </p:nvSpPr>
+        <p:spPr>
+          <a:xfrm>
+            <a:off x="819542" y="659160"/>
+            <a:ext cx="1082348" cy="307777"/>
+          </a:xfrm>
+          <a:prstGeom prst="rect">
+            <a:avLst/>
+          </a:prstGeom>
+          <a:noFill/>
+        </p:spPr>
+        <p:txBody>
+          <a:bodyPr wrap="none" rtlCol="0">
+            <a:spAutoFit/>
+          </a:bodyPr>
+          <a:lstStyle/>
+          <a:p>
+            <a:r>
+              <a:rPr lang="en-US" altLang="zh-CN" sz="1400" dirty="0">
+                <a:solidFill>
+                  <a:srgbClr val="007CC8"/>
+                </a:solidFill>
+                <a:latin typeface="黑体" panose="02010609060101010101" pitchFamily="49" charset="-122"/>
+                <a:ea typeface="黑体" panose="02010609060101010101" pitchFamily="49" charset="-122"/>
+              </a:rPr>
+              <a:t>Ga</a:t>
+            </a:r>
+            <a:r>
+              <a:rPr lang="zh-CN" altLang="en-US" sz="1400" dirty="0">
+                <a:solidFill>
+                  <a:srgbClr val="007CC8"/>
+                </a:solidFill>
+                <a:latin typeface="黑体" panose="02010609060101010101" pitchFamily="49" charset="-122"/>
+                <a:ea typeface="黑体" panose="02010609060101010101" pitchFamily="49" charset="-122"/>
+              </a:rPr>
+              <a:t>埋点工具</a:t>
+            </a:r>
+          </a:p>
+        </p:txBody>
+      </p:sp>
+      <p:cxnSp>
+        <p:nvCxnSpPr>
+          <p:cNvPr id="10" name="直接连接符 9">
+            <a:extLst>
+              <a:ext uri="{FF2B5EF4-FFF2-40B4-BE49-F238E27FC236}">
+                <a16:creationId xmlns:a16="http://schemas.microsoft.com/office/drawing/2014/main" id="{34B044FE-8875-EF1D-78D5-190959A209E1}"/>
+              </a:ext>
+            </a:extLst>
+          </p:cNvPr>
+          <p:cNvCxnSpPr>
+            <a:cxnSpLocks/>
+          </p:cNvCxnSpPr>
+          <p:nvPr/>
+        </p:nvCxnSpPr>
+        <p:spPr>
+          <a:xfrm>
+            <a:off x="302951" y="987574"/>
+            <a:ext cx="8589529" cy="0"/>
+          </a:xfrm>
+          <a:prstGeom prst="line">
+            <a:avLst/>
+          </a:prstGeom>
+          <a:ln>
+            <a:solidFill>
+              <a:schemeClr val="tx1">
+                <a:lumMod val="50000"/>
+                <a:lumOff val="50000"/>
+              </a:schemeClr>
+            </a:solidFill>
+          </a:ln>
+        </p:spPr>
+        <p:style>
+          <a:lnRef idx="1">
+            <a:schemeClr val="accent1"/>
+          </a:lnRef>
+          <a:fillRef idx="0">
+            <a:schemeClr val="accent1"/>
+          </a:fillRef>
+          <a:effectRef idx="0">
+            <a:schemeClr val="accent1"/>
+          </a:effectRef>
+          <a:fontRef idx="minor">
+            <a:schemeClr val="tx1"/>
+          </a:fontRef>
+        </p:style>
+      </p:cxnSp>
+      <p:sp>
+        <p:nvSpPr>
+          <p:cNvPr id="11" name="矩形 10">
+            <a:extLst>
+              <a:ext uri="{FF2B5EF4-FFF2-40B4-BE49-F238E27FC236}">
+                <a16:creationId xmlns:a16="http://schemas.microsoft.com/office/drawing/2014/main" id="{10148DE3-ECEF-60A8-D3D6-9BC300689B30}"/>
+              </a:ext>
+            </a:extLst>
+          </p:cNvPr>
+          <p:cNvSpPr/>
+          <p:nvPr/>
+        </p:nvSpPr>
+        <p:spPr>
+          <a:xfrm>
+            <a:off x="302951" y="1079510"/>
+            <a:ext cx="84223" cy="276976"/>
+          </a:xfrm>
+          <a:prstGeom prst="rect">
+            <a:avLst/>
+          </a:prstGeom>
+          <a:solidFill>
+            <a:srgbClr val="00B6F6"/>
+          </a:solidFill>
+          <a:ln>
+            <a:noFill/>
+          </a:ln>
+        </p:spPr>
+        <p:style>
+          <a:lnRef idx="2">
+            <a:schemeClr val="accent1">
+              <a:shade val="50000"/>
+            </a:schemeClr>
+          </a:lnRef>
+          <a:fillRef idx="1">
+            <a:schemeClr val="accent1"/>
+          </a:fillRef>
+          <a:effectRef idx="0">
+            <a:schemeClr val="accent1"/>
+          </a:effectRef>
+          <a:fontRef idx="minor">
+            <a:schemeClr val="lt1"/>
+          </a:fontRef>
+        </p:style>
+        <p:txBody>
+          <a:bodyPr rtlCol="0" anchor="ctr"/>
+          <a:lstStyle/>
+          <a:p>
+            <a:pPr algn="ctr"/>
+            <a:endParaRPr lang="zh-CN" altLang="en-US"/>
+          </a:p>
+        </p:txBody>
+      </p:sp>
+      <p:sp>
+        <p:nvSpPr>
+          <p:cNvPr id="12" name="文本占位符 16">
+            <a:extLst>
+              <a:ext uri="{FF2B5EF4-FFF2-40B4-BE49-F238E27FC236}">
+                <a16:creationId xmlns:a16="http://schemas.microsoft.com/office/drawing/2014/main" id="{E3360585-363E-CAC7-A1DC-7CB38DA97903}"/>
+              </a:ext>
+            </a:extLst>
+          </p:cNvPr>
+          <p:cNvSpPr txBox="1">
+            <a:spLocks/>
+          </p:cNvSpPr>
+          <p:nvPr/>
+        </p:nvSpPr>
+        <p:spPr>
+          <a:xfrm>
+            <a:off x="424499" y="1012131"/>
+            <a:ext cx="3628937" cy="411734"/>
+          </a:xfrm>
+          <a:prstGeom prst="rect">
+            <a:avLst/>
+          </a:prstGeom>
+        </p:spPr>
+        <p:txBody>
+          <a:bodyPr vert="horz" lIns="91440" tIns="45720" rIns="91440" bIns="45720" rtlCol="0" anchor="ctr">
+            <a:normAutofit/>
+          </a:bodyPr>
+          <a:lstStyle>
+            <a:defPPr>
+              <a:defRPr lang="zh-CN"/>
+            </a:defPPr>
+            <a:lvl1pPr marL="0" algn="l" defTabSz="914400" rtl="0" eaLnBrk="1" latinLnBrk="0" hangingPunct="1">
+              <a:defRPr sz="1200" kern="1200">
+                <a:solidFill>
+                  <a:schemeClr val="tx1">
+                    <a:tint val="75000"/>
+                  </a:schemeClr>
+                </a:solidFill>
+                <a:latin typeface="+mn-lt"/>
+                <a:ea typeface="+mn-ea"/>
+                <a:cs typeface="+mn-cs"/>
+              </a:defRPr>
+            </a:lvl1pPr>
+            <a:lvl2pPr marL="457200" algn="l" defTabSz="914400" rtl="0" eaLnBrk="1" latinLnBrk="0" hangingPunct="1">
+              <a:defRPr sz="1800" kern="1200">
+                <a:solidFill>
+                  <a:schemeClr val="tx1"/>
+                </a:solidFill>
+                <a:latin typeface="+mn-lt"/>
+                <a:ea typeface="+mn-ea"/>
+                <a:cs typeface="+mn-cs"/>
+              </a:defRPr>
+            </a:lvl2pPr>
+            <a:lvl3pPr marL="914400" algn="l" defTabSz="914400" rtl="0" eaLnBrk="1" latinLnBrk="0" hangingPunct="1">
+              <a:defRPr sz="1800" kern="1200">
+                <a:solidFill>
+                  <a:schemeClr val="tx1"/>
+                </a:solidFill>
+                <a:latin typeface="+mn-lt"/>
+                <a:ea typeface="+mn-ea"/>
+                <a:cs typeface="+mn-cs"/>
+              </a:defRPr>
+            </a:lvl3pPr>
+            <a:lvl4pPr marL="1371600" algn="l" defTabSz="914400" rtl="0" eaLnBrk="1" latinLnBrk="0" hangingPunct="1">
+              <a:defRPr sz="1800" kern="1200">
+                <a:solidFill>
+                  <a:schemeClr val="tx1"/>
+                </a:solidFill>
+                <a:latin typeface="+mn-lt"/>
+                <a:ea typeface="+mn-ea"/>
+                <a:cs typeface="+mn-cs"/>
+              </a:defRPr>
+            </a:lvl4pPr>
+            <a:lvl5pPr marL="1828800" algn="l" defTabSz="914400" rtl="0" eaLnBrk="1" latinLnBrk="0" hangingPunct="1">
+              <a:defRPr sz="1800" kern="1200">
+                <a:solidFill>
+                  <a:schemeClr val="tx1"/>
+                </a:solidFill>
+                <a:latin typeface="+mn-lt"/>
+                <a:ea typeface="+mn-ea"/>
+                <a:cs typeface="+mn-cs"/>
+              </a:defRPr>
+            </a:lvl5pPr>
+            <a:lvl6pPr marL="2286000" algn="l" defTabSz="914400" rtl="0" eaLnBrk="1" latinLnBrk="0" hangingPunct="1">
+              <a:defRPr sz="1800" kern="1200">
+                <a:solidFill>
+                  <a:schemeClr val="tx1"/>
+                </a:solidFill>
+                <a:latin typeface="+mn-lt"/>
+                <a:ea typeface="+mn-ea"/>
+                <a:cs typeface="+mn-cs"/>
+              </a:defRPr>
+            </a:lvl6pPr>
+            <a:lvl7pPr marL="2743200" algn="l" defTabSz="914400" rtl="0" eaLnBrk="1" latinLnBrk="0" hangingPunct="1">
+              <a:defRPr sz="1800" kern="1200">
+                <a:solidFill>
+                  <a:schemeClr val="tx1"/>
+                </a:solidFill>
+                <a:latin typeface="+mn-lt"/>
+                <a:ea typeface="+mn-ea"/>
+                <a:cs typeface="+mn-cs"/>
+              </a:defRPr>
+            </a:lvl7pPr>
+            <a:lvl8pPr marL="3200400" algn="l" defTabSz="914400" rtl="0" eaLnBrk="1" latinLnBrk="0" hangingPunct="1">
+              <a:defRPr sz="1800" kern="1200">
+                <a:solidFill>
+                  <a:schemeClr val="tx1"/>
+                </a:solidFill>
+                <a:latin typeface="+mn-lt"/>
+                <a:ea typeface="+mn-ea"/>
+                <a:cs typeface="+mn-cs"/>
+              </a:defRPr>
+            </a:lvl8pPr>
+            <a:lvl9pPr marL="3657600" algn="l" defTabSz="914400" rtl="0" eaLnBrk="1" latinLnBrk="0" hangingPunct="1">
+              <a:defRPr sz="1800" kern="1200">
+                <a:solidFill>
+                  <a:schemeClr val="tx1"/>
+                </a:solidFill>
+                <a:latin typeface="+mn-lt"/>
+                <a:ea typeface="+mn-ea"/>
+                <a:cs typeface="+mn-cs"/>
+              </a:defRPr>
+            </a:lvl9pPr>
+          </a:lstStyle>
+          <a:p>
+            <a:r>
+              <a:rPr lang="zh-CN" altLang="en-US" dirty="0">
+                <a:solidFill>
+                  <a:schemeClr val="tx1">
+                    <a:lumMod val="85000"/>
+                    <a:lumOff val="15000"/>
+                  </a:schemeClr>
+                </a:solidFill>
+              </a:rPr>
+              <a:t>排查问题</a:t>
+            </a:r>
+            <a:r>
+              <a:rPr lang="en-US" altLang="zh-CN" dirty="0">
+                <a:solidFill>
+                  <a:schemeClr val="tx1">
+                    <a:lumMod val="85000"/>
+                    <a:lumOff val="15000"/>
+                  </a:schemeClr>
+                </a:solidFill>
+              </a:rPr>
+              <a:t>—</a:t>
+            </a:r>
+            <a:r>
+              <a:rPr lang="zh-CN" altLang="en-US" dirty="0">
+                <a:solidFill>
+                  <a:schemeClr val="tx1">
+                    <a:lumMod val="85000"/>
+                    <a:lumOff val="15000"/>
+                  </a:schemeClr>
+                </a:solidFill>
+              </a:rPr>
+              <a:t>跳转商店按钮事件</a:t>
+            </a:r>
+          </a:p>
+        </p:txBody>
+      </p:sp>
+      <p:pic>
+        <p:nvPicPr>
+          <p:cNvPr id="14" name="图片 13">
+            <a:extLst>
+              <a:ext uri="{FF2B5EF4-FFF2-40B4-BE49-F238E27FC236}">
+                <a16:creationId xmlns:a16="http://schemas.microsoft.com/office/drawing/2014/main" id="{F28C8A33-C07E-ECC7-D6DB-481662E6C3C9}"/>
+              </a:ext>
+            </a:extLst>
+          </p:cNvPr>
+          <p:cNvPicPr>
+            <a:picLocks noChangeAspect="1"/>
+          </p:cNvPicPr>
+          <p:nvPr/>
+        </p:nvPicPr>
+        <p:blipFill>
+          <a:blip r:embed="rId2"/>
+          <a:stretch>
+            <a:fillRect/>
+          </a:stretch>
+        </p:blipFill>
+        <p:spPr>
+          <a:xfrm>
+            <a:off x="4420234" y="2692459"/>
+            <a:ext cx="4320480" cy="1362091"/>
+          </a:xfrm>
+          <a:prstGeom prst="rect">
+            <a:avLst/>
+          </a:prstGeom>
+        </p:spPr>
+      </p:pic>
+      <p:sp>
+        <p:nvSpPr>
+          <p:cNvPr id="17" name="文本框 16">
+            <a:extLst>
+              <a:ext uri="{FF2B5EF4-FFF2-40B4-BE49-F238E27FC236}">
+                <a16:creationId xmlns:a16="http://schemas.microsoft.com/office/drawing/2014/main" id="{6BFE3368-A34A-51DF-8729-C6026C7F5909}"/>
+              </a:ext>
+            </a:extLst>
+          </p:cNvPr>
+          <p:cNvSpPr txBox="1"/>
+          <p:nvPr/>
+        </p:nvSpPr>
+        <p:spPr>
+          <a:xfrm>
+            <a:off x="341863" y="1426072"/>
+            <a:ext cx="4662104" cy="307777"/>
+          </a:xfrm>
+          <a:prstGeom prst="rect">
+            <a:avLst/>
+          </a:prstGeom>
+          <a:noFill/>
+        </p:spPr>
+        <p:txBody>
+          <a:bodyPr wrap="square">
+            <a:spAutoFit/>
+          </a:bodyPr>
+          <a:lstStyle/>
+          <a:p>
+            <a:r>
+              <a:rPr lang="zh-CN" altLang="en-US" sz="1400" dirty="0"/>
+              <a:t>加入</a:t>
+            </a:r>
+            <a:r>
+              <a:rPr lang="en-US" altLang="zh-CN" sz="1400" dirty="0"/>
+              <a:t>ga</a:t>
+            </a:r>
+            <a:r>
+              <a:rPr lang="zh-CN" altLang="en-US" sz="1400" dirty="0"/>
+              <a:t>会话排重机制</a:t>
+            </a:r>
+          </a:p>
+        </p:txBody>
+      </p:sp>
+      <p:pic>
+        <p:nvPicPr>
+          <p:cNvPr id="19" name="图片 18">
+            <a:extLst>
+              <a:ext uri="{FF2B5EF4-FFF2-40B4-BE49-F238E27FC236}">
+                <a16:creationId xmlns:a16="http://schemas.microsoft.com/office/drawing/2014/main" id="{C52D9A18-6B4B-3BF4-B0A0-EBEF07DD84D3}"/>
+              </a:ext>
+            </a:extLst>
+          </p:cNvPr>
+          <p:cNvPicPr>
+            <a:picLocks noChangeAspect="1"/>
+          </p:cNvPicPr>
+          <p:nvPr/>
+        </p:nvPicPr>
+        <p:blipFill>
+          <a:blip r:embed="rId3"/>
+          <a:stretch>
+            <a:fillRect/>
+          </a:stretch>
+        </p:blipFill>
+        <p:spPr>
+          <a:xfrm>
+            <a:off x="424499" y="2127148"/>
+            <a:ext cx="3356508" cy="2172793"/>
+          </a:xfrm>
+          <a:prstGeom prst="rect">
+            <a:avLst/>
+          </a:prstGeom>
+        </p:spPr>
+      </p:pic>
+      <p:sp>
+        <p:nvSpPr>
+          <p:cNvPr id="21" name="文本框 20">
+            <a:extLst>
+              <a:ext uri="{FF2B5EF4-FFF2-40B4-BE49-F238E27FC236}">
+                <a16:creationId xmlns:a16="http://schemas.microsoft.com/office/drawing/2014/main" id="{E1D43443-5BCE-6DB1-D030-F6E214E060F4}"/>
+              </a:ext>
+            </a:extLst>
+          </p:cNvPr>
+          <p:cNvSpPr txBox="1"/>
+          <p:nvPr/>
+        </p:nvSpPr>
+        <p:spPr>
+          <a:xfrm>
+            <a:off x="1770771" y="4345840"/>
+            <a:ext cx="582211" cy="246221"/>
+          </a:xfrm>
+          <a:prstGeom prst="rect">
+            <a:avLst/>
+          </a:prstGeom>
+          <a:noFill/>
+        </p:spPr>
+        <p:txBody>
+          <a:bodyPr wrap="none" rtlCol="0">
+            <a:spAutoFit/>
+          </a:bodyPr>
+          <a:lstStyle/>
+          <a:p>
+            <a:r>
+              <a:rPr lang="en-US" altLang="zh-CN" sz="1000" dirty="0"/>
+              <a:t>Ga</a:t>
+            </a:r>
+            <a:r>
+              <a:rPr lang="zh-CN" altLang="en-US" sz="1000" dirty="0"/>
+              <a:t>会话</a:t>
+            </a:r>
+          </a:p>
+        </p:txBody>
+      </p:sp>
+      <p:sp>
+        <p:nvSpPr>
+          <p:cNvPr id="22" name="文本框 21">
+            <a:extLst>
+              <a:ext uri="{FF2B5EF4-FFF2-40B4-BE49-F238E27FC236}">
+                <a16:creationId xmlns:a16="http://schemas.microsoft.com/office/drawing/2014/main" id="{FBAA9F1A-9232-AE22-F7C7-B99CF59D9762}"/>
+              </a:ext>
+            </a:extLst>
+          </p:cNvPr>
+          <p:cNvSpPr txBox="1"/>
+          <p:nvPr/>
+        </p:nvSpPr>
+        <p:spPr>
+          <a:xfrm>
+            <a:off x="6300192" y="4207340"/>
+            <a:ext cx="1505540" cy="246221"/>
+          </a:xfrm>
+          <a:prstGeom prst="rect">
+            <a:avLst/>
+          </a:prstGeom>
+          <a:noFill/>
+        </p:spPr>
+        <p:txBody>
+          <a:bodyPr wrap="none" rtlCol="0">
+            <a:spAutoFit/>
+          </a:bodyPr>
+          <a:lstStyle/>
+          <a:p>
+            <a:r>
+              <a:rPr lang="zh-CN" altLang="en-US" sz="1000" dirty="0"/>
+              <a:t>魔力宝贝预约</a:t>
+            </a:r>
+            <a:r>
+              <a:rPr lang="en-US" altLang="zh-CN" sz="1000" dirty="0"/>
+              <a:t>11.24</a:t>
+            </a:r>
+            <a:r>
+              <a:rPr lang="zh-CN" altLang="en-US" sz="1000" dirty="0"/>
+              <a:t>数据</a:t>
+            </a:r>
+          </a:p>
+        </p:txBody>
+      </p:sp>
+      <p:sp>
+        <p:nvSpPr>
+          <p:cNvPr id="23" name="文本框 22">
+            <a:extLst>
+              <a:ext uri="{FF2B5EF4-FFF2-40B4-BE49-F238E27FC236}">
+                <a16:creationId xmlns:a16="http://schemas.microsoft.com/office/drawing/2014/main" id="{36B4A43A-6ABC-22DF-19CB-C2E5E065F32C}"/>
+              </a:ext>
+            </a:extLst>
+          </p:cNvPr>
+          <p:cNvSpPr txBox="1"/>
+          <p:nvPr/>
+        </p:nvSpPr>
+        <p:spPr>
+          <a:xfrm>
+            <a:off x="4456609" y="1491009"/>
+            <a:ext cx="4662104" cy="523220"/>
+          </a:xfrm>
+          <a:prstGeom prst="rect">
+            <a:avLst/>
+          </a:prstGeom>
+          <a:noFill/>
+        </p:spPr>
+        <p:txBody>
+          <a:bodyPr wrap="square">
+            <a:spAutoFit/>
+          </a:bodyPr>
+          <a:lstStyle/>
+          <a:p>
+            <a:r>
+              <a:rPr lang="en-US" altLang="zh-CN" sz="1400" dirty="0" err="1"/>
+              <a:t>Ios</a:t>
+            </a:r>
+            <a:r>
+              <a:rPr lang="zh-CN" altLang="en-US" sz="1400" dirty="0"/>
+              <a:t>商店按钮跳转事件数据差异有减少差距，但差距还是存在，而且</a:t>
+            </a:r>
+            <a:r>
+              <a:rPr lang="en-US" altLang="zh-CN" sz="1400" dirty="0"/>
+              <a:t>and</a:t>
+            </a:r>
+            <a:r>
+              <a:rPr lang="zh-CN" altLang="en-US" sz="1400" dirty="0"/>
+              <a:t>商店的事件差距会被拉大</a:t>
+            </a:r>
+          </a:p>
+        </p:txBody>
+      </p:sp>
+    </p:spTree>
+    <p:extLst>
+      <p:ext uri="{BB962C8B-B14F-4D97-AF65-F5344CB8AC3E}">
+        <p14:creationId xmlns:p14="http://schemas.microsoft.com/office/powerpoint/2010/main" val="785433497"/>
+      </p:ext>
+    </p:extLst>
+  </p:cSld>
+  <p:clrMapOvr>
+    <a:masterClrMapping/>
+  </p:clrMapOvr>
+</p:sld>
+</file>
+
+<file path=ppt/slides/slide17.xml><?xml version="1.0" encoding="utf-8"?>
+<p:sld xmlns:a="http://schemas.openxmlformats.org/drawingml/2006/main" xmlns:r="http://schemas.openxmlformats.org/officeDocument/2006/relationships" xmlns:p="http://schemas.openxmlformats.org/presentationml/2006/main">
+  <p:cSld>
+    <p:spTree>
+      <p:nvGrpSpPr>
+        <p:cNvPr id="1" name=""/>
+        <p:cNvGrpSpPr/>
+        <p:nvPr/>
+      </p:nvGrpSpPr>
+      <p:grpSpPr>
+        <a:xfrm>
+          <a:off x="0" y="0"/>
+          <a:ext cx="0" cy="0"/>
+          <a:chOff x="0" y="0"/>
+          <a:chExt cx="0" cy="0"/>
+        </a:xfrm>
+      </p:grpSpPr>
+      <p:grpSp>
+        <p:nvGrpSpPr>
+          <p:cNvPr id="2" name="组合 1">
+            <a:extLst>
+              <a:ext uri="{FF2B5EF4-FFF2-40B4-BE49-F238E27FC236}">
+                <a16:creationId xmlns:a16="http://schemas.microsoft.com/office/drawing/2014/main" id="{72F36741-B1C2-A61D-98E1-869F5FD028FB}"/>
+              </a:ext>
+            </a:extLst>
+          </p:cNvPr>
+          <p:cNvGrpSpPr/>
+          <p:nvPr/>
+        </p:nvGrpSpPr>
+        <p:grpSpPr>
+          <a:xfrm>
+            <a:off x="-180528" y="104314"/>
+            <a:ext cx="2143348" cy="523220"/>
+            <a:chOff x="18335" y="51470"/>
+            <a:chExt cx="2143348" cy="523220"/>
+          </a:xfrm>
+        </p:grpSpPr>
+        <p:sp>
+          <p:nvSpPr>
+            <p:cNvPr id="3" name="矩形 2">
+              <a:extLst>
+                <a:ext uri="{FF2B5EF4-FFF2-40B4-BE49-F238E27FC236}">
+                  <a16:creationId xmlns:a16="http://schemas.microsoft.com/office/drawing/2014/main" id="{5BDA9915-5D9D-4FF5-C7A9-574A8EBBD388}"/>
+                </a:ext>
+              </a:extLst>
+            </p:cNvPr>
+            <p:cNvSpPr/>
+            <p:nvPr/>
+          </p:nvSpPr>
+          <p:spPr>
+            <a:xfrm>
+              <a:off x="540726" y="51470"/>
+              <a:ext cx="1620957" cy="523220"/>
+            </a:xfrm>
+            <a:prstGeom prst="rect">
+              <a:avLst/>
+            </a:prstGeom>
+          </p:spPr>
+          <p:txBody>
+            <a:bodyPr wrap="none">
+              <a:spAutoFit/>
+            </a:bodyPr>
+            <a:lstStyle/>
+            <a:p>
+              <a:pPr eaLnBrk="1" hangingPunct="1"/>
+              <a:r>
+                <a:rPr lang="zh-CN" altLang="en-US" sz="2800" b="1" dirty="0">
+                  <a:solidFill>
+                    <a:schemeClr val="tx1">
+                      <a:lumMod val="75000"/>
+                      <a:lumOff val="25000"/>
+                    </a:schemeClr>
+                  </a:solidFill>
+                  <a:latin typeface="微软雅黑" panose="020B0503020204020204" pitchFamily="34" charset="-122"/>
+                  <a:ea typeface="微软雅黑" panose="020B0503020204020204" pitchFamily="34" charset="-122"/>
+                </a:rPr>
+                <a:t>工作内容</a:t>
+              </a:r>
+            </a:p>
+          </p:txBody>
+        </p:sp>
+        <p:sp>
+          <p:nvSpPr>
+            <p:cNvPr id="4" name="椭圆 3">
+              <a:extLst>
+                <a:ext uri="{FF2B5EF4-FFF2-40B4-BE49-F238E27FC236}">
+                  <a16:creationId xmlns:a16="http://schemas.microsoft.com/office/drawing/2014/main" id="{12C3ED70-8BC2-7F2E-407B-B88E63E97D3E}"/>
+                </a:ext>
+              </a:extLst>
+            </p:cNvPr>
+            <p:cNvSpPr>
+              <a:spLocks noChangeArrowheads="1"/>
+            </p:cNvSpPr>
+            <p:nvPr/>
+          </p:nvSpPr>
+          <p:spPr bwMode="auto">
+            <a:xfrm>
+              <a:off x="18335" y="133060"/>
+              <a:ext cx="483479" cy="360040"/>
+            </a:xfrm>
+            <a:prstGeom prst="chevron">
+              <a:avLst>
+                <a:gd name="adj" fmla="val 34239"/>
+              </a:avLst>
+            </a:prstGeom>
+            <a:solidFill>
+              <a:srgbClr val="00B6F6"/>
+            </a:solidFill>
+            <a:ln w="9525">
+              <a:noFill/>
+              <a:round/>
+            </a:ln>
+          </p:spPr>
+          <p:txBody>
+            <a:bodyPr anchor="ctr"/>
+            <a:lstStyle/>
+            <a:p>
+              <a:pPr algn="ctr" eaLnBrk="1" hangingPunct="1"/>
+              <a:endParaRPr lang="zh-CN" altLang="en-US" sz="2400" dirty="0">
+                <a:solidFill>
+                  <a:schemeClr val="bg1"/>
+                </a:solidFill>
+                <a:latin typeface="Impact" panose="020B0806030902050204" pitchFamily="34" charset="0"/>
+              </a:endParaRPr>
+            </a:p>
+          </p:txBody>
+        </p:sp>
+      </p:grpSp>
+      <p:sp>
+        <p:nvSpPr>
+          <p:cNvPr id="5" name="箭头: V 形 4">
+            <a:extLst>
+              <a:ext uri="{FF2B5EF4-FFF2-40B4-BE49-F238E27FC236}">
+                <a16:creationId xmlns:a16="http://schemas.microsoft.com/office/drawing/2014/main" id="{37A8B3AE-8D43-31FD-69B3-1C427BD15872}"/>
+              </a:ext>
+            </a:extLst>
+          </p:cNvPr>
+          <p:cNvSpPr/>
+          <p:nvPr/>
+        </p:nvSpPr>
+        <p:spPr>
+          <a:xfrm>
+            <a:off x="424499" y="735546"/>
+            <a:ext cx="144016" cy="144016"/>
+          </a:xfrm>
+          <a:prstGeom prst="chevron">
+            <a:avLst/>
+          </a:prstGeom>
+          <a:ln>
+            <a:noFill/>
+          </a:ln>
+        </p:spPr>
+        <p:style>
+          <a:lnRef idx="2">
+            <a:schemeClr val="accent1">
+              <a:shade val="50000"/>
+            </a:schemeClr>
+          </a:lnRef>
+          <a:fillRef idx="1">
+            <a:schemeClr val="accent1"/>
+          </a:fillRef>
+          <a:effectRef idx="0">
+            <a:schemeClr val="accent1"/>
+          </a:effectRef>
+          <a:fontRef idx="minor">
+            <a:schemeClr val="lt1"/>
+          </a:fontRef>
+        </p:style>
+        <p:txBody>
+          <a:bodyPr rtlCol="0" anchor="ctr"/>
+          <a:lstStyle/>
+          <a:p>
+            <a:pPr algn="ctr"/>
+            <a:endParaRPr lang="zh-CN" altLang="en-US">
+              <a:solidFill>
+                <a:schemeClr val="tx1"/>
+              </a:solidFill>
+            </a:endParaRPr>
+          </a:p>
+        </p:txBody>
+      </p:sp>
+      <p:sp>
+        <p:nvSpPr>
+          <p:cNvPr id="7" name="箭头: V 形 6">
+            <a:extLst>
+              <a:ext uri="{FF2B5EF4-FFF2-40B4-BE49-F238E27FC236}">
+                <a16:creationId xmlns:a16="http://schemas.microsoft.com/office/drawing/2014/main" id="{5956A372-EB88-944C-C450-AD8E898E096F}"/>
+              </a:ext>
+            </a:extLst>
+          </p:cNvPr>
+          <p:cNvSpPr/>
+          <p:nvPr/>
+        </p:nvSpPr>
+        <p:spPr>
+          <a:xfrm>
+            <a:off x="535419" y="735546"/>
+            <a:ext cx="144016" cy="144016"/>
+          </a:xfrm>
+          <a:prstGeom prst="chevron">
+            <a:avLst/>
+          </a:prstGeom>
+          <a:ln>
+            <a:noFill/>
+          </a:ln>
+        </p:spPr>
+        <p:style>
+          <a:lnRef idx="2">
+            <a:schemeClr val="accent1">
+              <a:shade val="50000"/>
+            </a:schemeClr>
+          </a:lnRef>
+          <a:fillRef idx="1">
+            <a:schemeClr val="accent1"/>
+          </a:fillRef>
+          <a:effectRef idx="0">
+            <a:schemeClr val="accent1"/>
+          </a:effectRef>
+          <a:fontRef idx="minor">
+            <a:schemeClr val="lt1"/>
+          </a:fontRef>
+        </p:style>
+        <p:txBody>
+          <a:bodyPr rtlCol="0" anchor="ctr"/>
+          <a:lstStyle/>
+          <a:p>
+            <a:pPr algn="ctr"/>
+            <a:endParaRPr lang="zh-CN" altLang="en-US">
+              <a:solidFill>
+                <a:schemeClr val="tx1"/>
+              </a:solidFill>
+            </a:endParaRPr>
+          </a:p>
+        </p:txBody>
+      </p:sp>
+      <p:sp>
+        <p:nvSpPr>
+          <p:cNvPr id="8" name="箭头: V 形 7">
+            <a:extLst>
+              <a:ext uri="{FF2B5EF4-FFF2-40B4-BE49-F238E27FC236}">
+                <a16:creationId xmlns:a16="http://schemas.microsoft.com/office/drawing/2014/main" id="{723A9A7E-09C1-B3C7-5F97-21A26BDD5445}"/>
+              </a:ext>
+            </a:extLst>
+          </p:cNvPr>
+          <p:cNvSpPr/>
+          <p:nvPr/>
+        </p:nvSpPr>
+        <p:spPr>
+          <a:xfrm>
+            <a:off x="646339" y="735546"/>
+            <a:ext cx="144016" cy="144016"/>
+          </a:xfrm>
+          <a:prstGeom prst="chevron">
+            <a:avLst/>
+          </a:prstGeom>
+          <a:ln>
+            <a:noFill/>
+          </a:ln>
+        </p:spPr>
+        <p:style>
+          <a:lnRef idx="2">
+            <a:schemeClr val="accent1">
+              <a:shade val="50000"/>
+            </a:schemeClr>
+          </a:lnRef>
+          <a:fillRef idx="1">
+            <a:schemeClr val="accent1"/>
+          </a:fillRef>
+          <a:effectRef idx="0">
+            <a:schemeClr val="accent1"/>
+          </a:effectRef>
+          <a:fontRef idx="minor">
+            <a:schemeClr val="lt1"/>
+          </a:fontRef>
+        </p:style>
+        <p:txBody>
+          <a:bodyPr rtlCol="0" anchor="ctr"/>
+          <a:lstStyle/>
+          <a:p>
+            <a:pPr algn="ctr"/>
+            <a:endParaRPr lang="zh-CN" altLang="en-US">
+              <a:solidFill>
+                <a:schemeClr val="tx1"/>
+              </a:solidFill>
+            </a:endParaRPr>
+          </a:p>
+        </p:txBody>
+      </p:sp>
+      <p:sp>
+        <p:nvSpPr>
+          <p:cNvPr id="9" name="文本框 8">
+            <a:extLst>
+              <a:ext uri="{FF2B5EF4-FFF2-40B4-BE49-F238E27FC236}">
+                <a16:creationId xmlns:a16="http://schemas.microsoft.com/office/drawing/2014/main" id="{40848FCE-620B-D6C6-3627-637614FA0C3F}"/>
+              </a:ext>
+            </a:extLst>
+          </p:cNvPr>
+          <p:cNvSpPr txBox="1"/>
+          <p:nvPr/>
+        </p:nvSpPr>
+        <p:spPr>
+          <a:xfrm>
+            <a:off x="819542" y="659160"/>
+            <a:ext cx="1082348" cy="307777"/>
+          </a:xfrm>
+          <a:prstGeom prst="rect">
+            <a:avLst/>
+          </a:prstGeom>
+          <a:noFill/>
+        </p:spPr>
+        <p:txBody>
+          <a:bodyPr wrap="none" rtlCol="0">
+            <a:spAutoFit/>
+          </a:bodyPr>
+          <a:lstStyle/>
+          <a:p>
+            <a:r>
+              <a:rPr lang="en-US" altLang="zh-CN" sz="1400" dirty="0">
+                <a:solidFill>
+                  <a:srgbClr val="007CC8"/>
+                </a:solidFill>
+                <a:latin typeface="黑体" panose="02010609060101010101" pitchFamily="49" charset="-122"/>
+                <a:ea typeface="黑体" panose="02010609060101010101" pitchFamily="49" charset="-122"/>
+              </a:rPr>
+              <a:t>Ga</a:t>
+            </a:r>
+            <a:r>
+              <a:rPr lang="zh-CN" altLang="en-US" sz="1400" dirty="0">
+                <a:solidFill>
+                  <a:srgbClr val="007CC8"/>
+                </a:solidFill>
+                <a:latin typeface="黑体" panose="02010609060101010101" pitchFamily="49" charset="-122"/>
+                <a:ea typeface="黑体" panose="02010609060101010101" pitchFamily="49" charset="-122"/>
+              </a:rPr>
+              <a:t>埋点工具</a:t>
+            </a:r>
+          </a:p>
+        </p:txBody>
+      </p:sp>
+      <p:cxnSp>
+        <p:nvCxnSpPr>
+          <p:cNvPr id="10" name="直接连接符 9">
+            <a:extLst>
+              <a:ext uri="{FF2B5EF4-FFF2-40B4-BE49-F238E27FC236}">
+                <a16:creationId xmlns:a16="http://schemas.microsoft.com/office/drawing/2014/main" id="{34B044FE-8875-EF1D-78D5-190959A209E1}"/>
+              </a:ext>
+            </a:extLst>
+          </p:cNvPr>
+          <p:cNvCxnSpPr>
+            <a:cxnSpLocks/>
+          </p:cNvCxnSpPr>
+          <p:nvPr/>
+        </p:nvCxnSpPr>
+        <p:spPr>
+          <a:xfrm>
+            <a:off x="302951" y="987574"/>
+            <a:ext cx="8589529" cy="0"/>
+          </a:xfrm>
+          <a:prstGeom prst="line">
+            <a:avLst/>
+          </a:prstGeom>
+          <a:ln>
+            <a:solidFill>
+              <a:schemeClr val="tx1">
+                <a:lumMod val="50000"/>
+                <a:lumOff val="50000"/>
+              </a:schemeClr>
+            </a:solidFill>
+          </a:ln>
+        </p:spPr>
+        <p:style>
+          <a:lnRef idx="1">
+            <a:schemeClr val="accent1"/>
+          </a:lnRef>
+          <a:fillRef idx="0">
+            <a:schemeClr val="accent1"/>
+          </a:fillRef>
+          <a:effectRef idx="0">
+            <a:schemeClr val="accent1"/>
+          </a:effectRef>
+          <a:fontRef idx="minor">
+            <a:schemeClr val="tx1"/>
+          </a:fontRef>
+        </p:style>
+      </p:cxnSp>
+      <p:sp>
+        <p:nvSpPr>
+          <p:cNvPr id="11" name="矩形 10">
+            <a:extLst>
+              <a:ext uri="{FF2B5EF4-FFF2-40B4-BE49-F238E27FC236}">
+                <a16:creationId xmlns:a16="http://schemas.microsoft.com/office/drawing/2014/main" id="{10148DE3-ECEF-60A8-D3D6-9BC300689B30}"/>
+              </a:ext>
+            </a:extLst>
+          </p:cNvPr>
+          <p:cNvSpPr/>
+          <p:nvPr/>
+        </p:nvSpPr>
+        <p:spPr>
+          <a:xfrm>
+            <a:off x="302951" y="1079510"/>
+            <a:ext cx="84223" cy="276976"/>
+          </a:xfrm>
+          <a:prstGeom prst="rect">
+            <a:avLst/>
+          </a:prstGeom>
+          <a:solidFill>
+            <a:srgbClr val="00B6F6"/>
+          </a:solidFill>
+          <a:ln>
+            <a:noFill/>
+          </a:ln>
+        </p:spPr>
+        <p:style>
+          <a:lnRef idx="2">
+            <a:schemeClr val="accent1">
+              <a:shade val="50000"/>
+            </a:schemeClr>
+          </a:lnRef>
+          <a:fillRef idx="1">
+            <a:schemeClr val="accent1"/>
+          </a:fillRef>
+          <a:effectRef idx="0">
+            <a:schemeClr val="accent1"/>
+          </a:effectRef>
+          <a:fontRef idx="minor">
+            <a:schemeClr val="lt1"/>
+          </a:fontRef>
+        </p:style>
+        <p:txBody>
+          <a:bodyPr rtlCol="0" anchor="ctr"/>
+          <a:lstStyle/>
+          <a:p>
+            <a:pPr algn="ctr"/>
+            <a:endParaRPr lang="zh-CN" altLang="en-US"/>
+          </a:p>
+        </p:txBody>
+      </p:sp>
+      <p:sp>
+        <p:nvSpPr>
+          <p:cNvPr id="12" name="文本占位符 16">
+            <a:extLst>
+              <a:ext uri="{FF2B5EF4-FFF2-40B4-BE49-F238E27FC236}">
+                <a16:creationId xmlns:a16="http://schemas.microsoft.com/office/drawing/2014/main" id="{E3360585-363E-CAC7-A1DC-7CB38DA97903}"/>
+              </a:ext>
+            </a:extLst>
+          </p:cNvPr>
+          <p:cNvSpPr txBox="1">
+            <a:spLocks/>
+          </p:cNvSpPr>
+          <p:nvPr/>
+        </p:nvSpPr>
+        <p:spPr>
+          <a:xfrm>
+            <a:off x="424499" y="1012131"/>
+            <a:ext cx="3628937" cy="411734"/>
+          </a:xfrm>
+          <a:prstGeom prst="rect">
+            <a:avLst/>
+          </a:prstGeom>
+        </p:spPr>
+        <p:txBody>
+          <a:bodyPr vert="horz" lIns="91440" tIns="45720" rIns="91440" bIns="45720" rtlCol="0" anchor="ctr">
+            <a:normAutofit/>
+          </a:bodyPr>
+          <a:lstStyle>
+            <a:defPPr>
+              <a:defRPr lang="zh-CN"/>
+            </a:defPPr>
+            <a:lvl1pPr marL="0" algn="l" defTabSz="914400" rtl="0" eaLnBrk="1" latinLnBrk="0" hangingPunct="1">
+              <a:defRPr sz="1200" kern="1200">
+                <a:solidFill>
+                  <a:schemeClr val="tx1">
+                    <a:tint val="75000"/>
+                  </a:schemeClr>
+                </a:solidFill>
+                <a:latin typeface="+mn-lt"/>
+                <a:ea typeface="+mn-ea"/>
+                <a:cs typeface="+mn-cs"/>
+              </a:defRPr>
+            </a:lvl1pPr>
+            <a:lvl2pPr marL="457200" algn="l" defTabSz="914400" rtl="0" eaLnBrk="1" latinLnBrk="0" hangingPunct="1">
+              <a:defRPr sz="1800" kern="1200">
+                <a:solidFill>
+                  <a:schemeClr val="tx1"/>
+                </a:solidFill>
+                <a:latin typeface="+mn-lt"/>
+                <a:ea typeface="+mn-ea"/>
+                <a:cs typeface="+mn-cs"/>
+              </a:defRPr>
+            </a:lvl2pPr>
+            <a:lvl3pPr marL="914400" algn="l" defTabSz="914400" rtl="0" eaLnBrk="1" latinLnBrk="0" hangingPunct="1">
+              <a:defRPr sz="1800" kern="1200">
+                <a:solidFill>
+                  <a:schemeClr val="tx1"/>
+                </a:solidFill>
+                <a:latin typeface="+mn-lt"/>
+                <a:ea typeface="+mn-ea"/>
+                <a:cs typeface="+mn-cs"/>
+              </a:defRPr>
+            </a:lvl3pPr>
+            <a:lvl4pPr marL="1371600" algn="l" defTabSz="914400" rtl="0" eaLnBrk="1" latinLnBrk="0" hangingPunct="1">
+              <a:defRPr sz="1800" kern="1200">
+                <a:solidFill>
+                  <a:schemeClr val="tx1"/>
+                </a:solidFill>
+                <a:latin typeface="+mn-lt"/>
+                <a:ea typeface="+mn-ea"/>
+                <a:cs typeface="+mn-cs"/>
+              </a:defRPr>
+            </a:lvl4pPr>
+            <a:lvl5pPr marL="1828800" algn="l" defTabSz="914400" rtl="0" eaLnBrk="1" latinLnBrk="0" hangingPunct="1">
+              <a:defRPr sz="1800" kern="1200">
+                <a:solidFill>
+                  <a:schemeClr val="tx1"/>
+                </a:solidFill>
+                <a:latin typeface="+mn-lt"/>
+                <a:ea typeface="+mn-ea"/>
+                <a:cs typeface="+mn-cs"/>
+              </a:defRPr>
+            </a:lvl5pPr>
+            <a:lvl6pPr marL="2286000" algn="l" defTabSz="914400" rtl="0" eaLnBrk="1" latinLnBrk="0" hangingPunct="1">
+              <a:defRPr sz="1800" kern="1200">
+                <a:solidFill>
+                  <a:schemeClr val="tx1"/>
+                </a:solidFill>
+                <a:latin typeface="+mn-lt"/>
+                <a:ea typeface="+mn-ea"/>
+                <a:cs typeface="+mn-cs"/>
+              </a:defRPr>
+            </a:lvl6pPr>
+            <a:lvl7pPr marL="2743200" algn="l" defTabSz="914400" rtl="0" eaLnBrk="1" latinLnBrk="0" hangingPunct="1">
+              <a:defRPr sz="1800" kern="1200">
+                <a:solidFill>
+                  <a:schemeClr val="tx1"/>
+                </a:solidFill>
+                <a:latin typeface="+mn-lt"/>
+                <a:ea typeface="+mn-ea"/>
+                <a:cs typeface="+mn-cs"/>
+              </a:defRPr>
+            </a:lvl7pPr>
+            <a:lvl8pPr marL="3200400" algn="l" defTabSz="914400" rtl="0" eaLnBrk="1" latinLnBrk="0" hangingPunct="1">
+              <a:defRPr sz="1800" kern="1200">
+                <a:solidFill>
+                  <a:schemeClr val="tx1"/>
+                </a:solidFill>
+                <a:latin typeface="+mn-lt"/>
+                <a:ea typeface="+mn-ea"/>
+                <a:cs typeface="+mn-cs"/>
+              </a:defRPr>
+            </a:lvl8pPr>
+            <a:lvl9pPr marL="3657600" algn="l" defTabSz="914400" rtl="0" eaLnBrk="1" latinLnBrk="0" hangingPunct="1">
+              <a:defRPr sz="1800" kern="1200">
+                <a:solidFill>
+                  <a:schemeClr val="tx1"/>
+                </a:solidFill>
+                <a:latin typeface="+mn-lt"/>
+                <a:ea typeface="+mn-ea"/>
+                <a:cs typeface="+mn-cs"/>
+              </a:defRPr>
+            </a:lvl9pPr>
+          </a:lstStyle>
+          <a:p>
+            <a:r>
+              <a:rPr lang="zh-CN" altLang="en-US" dirty="0">
+                <a:solidFill>
+                  <a:schemeClr val="tx1">
+                    <a:lumMod val="85000"/>
+                    <a:lumOff val="15000"/>
+                  </a:schemeClr>
+                </a:solidFill>
+              </a:rPr>
+              <a:t>排查问题</a:t>
+            </a:r>
+            <a:r>
+              <a:rPr lang="en-US" altLang="zh-CN" dirty="0">
+                <a:solidFill>
+                  <a:schemeClr val="tx1">
+                    <a:lumMod val="85000"/>
+                    <a:lumOff val="15000"/>
+                  </a:schemeClr>
+                </a:solidFill>
+              </a:rPr>
+              <a:t>—</a:t>
+            </a:r>
+            <a:r>
+              <a:rPr lang="zh-CN" altLang="en-US" dirty="0">
+                <a:solidFill>
+                  <a:schemeClr val="tx1">
+                    <a:lumMod val="85000"/>
+                    <a:lumOff val="15000"/>
+                  </a:schemeClr>
+                </a:solidFill>
+              </a:rPr>
+              <a:t>跳转商店按钮事件</a:t>
+            </a:r>
+          </a:p>
+        </p:txBody>
+      </p:sp>
+      <p:pic>
+        <p:nvPicPr>
+          <p:cNvPr id="20" name="图片 19">
+            <a:extLst>
+              <a:ext uri="{FF2B5EF4-FFF2-40B4-BE49-F238E27FC236}">
+                <a16:creationId xmlns:a16="http://schemas.microsoft.com/office/drawing/2014/main" id="{A4CE4EEE-163D-38DE-2062-3FFA50816121}"/>
+              </a:ext>
+            </a:extLst>
+          </p:cNvPr>
+          <p:cNvPicPr>
+            <a:picLocks noChangeAspect="1"/>
+          </p:cNvPicPr>
+          <p:nvPr/>
+        </p:nvPicPr>
+        <p:blipFill>
+          <a:blip r:embed="rId2"/>
+          <a:stretch>
+            <a:fillRect/>
+          </a:stretch>
+        </p:blipFill>
+        <p:spPr>
+          <a:xfrm>
+            <a:off x="442365" y="1873058"/>
+            <a:ext cx="6001844" cy="2350937"/>
+          </a:xfrm>
+          <a:prstGeom prst="rect">
+            <a:avLst/>
+          </a:prstGeom>
+        </p:spPr>
+      </p:pic>
+      <p:sp>
+        <p:nvSpPr>
+          <p:cNvPr id="24" name="文本框 23">
+            <a:extLst>
+              <a:ext uri="{FF2B5EF4-FFF2-40B4-BE49-F238E27FC236}">
+                <a16:creationId xmlns:a16="http://schemas.microsoft.com/office/drawing/2014/main" id="{E2409CD7-8FF1-A018-603D-607749ECBF97}"/>
+              </a:ext>
+            </a:extLst>
+          </p:cNvPr>
+          <p:cNvSpPr txBox="1"/>
+          <p:nvPr/>
+        </p:nvSpPr>
+        <p:spPr>
+          <a:xfrm>
+            <a:off x="424499" y="1436768"/>
+            <a:ext cx="4527201" cy="307777"/>
+          </a:xfrm>
+          <a:prstGeom prst="rect">
+            <a:avLst/>
+          </a:prstGeom>
+          <a:noFill/>
+        </p:spPr>
+        <p:txBody>
+          <a:bodyPr wrap="none" rtlCol="0">
+            <a:spAutoFit/>
+          </a:bodyPr>
+          <a:lstStyle/>
+          <a:p>
+            <a:r>
+              <a:rPr lang="zh-CN" altLang="en-US" sz="1400" dirty="0"/>
+              <a:t>用代码隔</a:t>
+            </a:r>
+            <a:r>
+              <a:rPr lang="en-US" altLang="zh-CN" sz="1400" dirty="0">
+                <a:solidFill>
+                  <a:srgbClr val="FF0000"/>
+                </a:solidFill>
+              </a:rPr>
+              <a:t>31</a:t>
+            </a:r>
+            <a:r>
+              <a:rPr lang="zh-CN" altLang="en-US" sz="1400" dirty="0"/>
+              <a:t>分钟发送</a:t>
+            </a:r>
+            <a:r>
+              <a:rPr lang="en-US" altLang="zh-CN" sz="1400" dirty="0" err="1"/>
+              <a:t>ios</a:t>
+            </a:r>
+            <a:r>
+              <a:rPr lang="zh-CN" altLang="en-US" sz="1400" dirty="0"/>
+              <a:t>商店按钮事件，一共发送了</a:t>
+            </a:r>
+            <a:r>
+              <a:rPr lang="en-US" altLang="zh-CN" sz="1400" dirty="0"/>
+              <a:t>21</a:t>
+            </a:r>
+            <a:r>
+              <a:rPr lang="zh-CN" altLang="en-US" sz="1400" dirty="0"/>
+              <a:t>次</a:t>
+            </a:r>
+          </a:p>
+        </p:txBody>
+      </p:sp>
+      <p:sp>
+        <p:nvSpPr>
+          <p:cNvPr id="25" name="文本框 24">
+            <a:extLst>
+              <a:ext uri="{FF2B5EF4-FFF2-40B4-BE49-F238E27FC236}">
+                <a16:creationId xmlns:a16="http://schemas.microsoft.com/office/drawing/2014/main" id="{A5645B89-33DF-2710-74A5-AE9CA7BB9EF5}"/>
+              </a:ext>
+            </a:extLst>
+          </p:cNvPr>
+          <p:cNvSpPr txBox="1"/>
+          <p:nvPr/>
+        </p:nvSpPr>
+        <p:spPr>
+          <a:xfrm>
+            <a:off x="6660232" y="2643758"/>
+            <a:ext cx="2376264" cy="1384995"/>
+          </a:xfrm>
+          <a:prstGeom prst="rect">
+            <a:avLst/>
+          </a:prstGeom>
+          <a:noFill/>
+        </p:spPr>
+        <p:txBody>
+          <a:bodyPr wrap="square" rtlCol="0">
+            <a:spAutoFit/>
+          </a:bodyPr>
+          <a:lstStyle/>
+          <a:p>
+            <a:r>
+              <a:rPr lang="zh-CN" altLang="en-US" sz="1400" dirty="0"/>
+              <a:t>在会话排重下，</a:t>
+            </a:r>
+            <a:endParaRPr lang="en-US" altLang="zh-CN" sz="1400" dirty="0"/>
+          </a:p>
+          <a:p>
+            <a:r>
+              <a:rPr lang="en-US" altLang="zh-CN" sz="1400" dirty="0"/>
+              <a:t>ga</a:t>
+            </a:r>
+            <a:r>
+              <a:rPr lang="zh-CN" altLang="en-US" sz="1400" dirty="0"/>
+              <a:t>的目标达成次数为</a:t>
+            </a:r>
+            <a:r>
+              <a:rPr lang="en-US" altLang="zh-CN" sz="1400" dirty="0"/>
+              <a:t>13</a:t>
+            </a:r>
+            <a:r>
+              <a:rPr lang="zh-CN" altLang="en-US" sz="1400" dirty="0"/>
+              <a:t>，</a:t>
+            </a:r>
+            <a:r>
+              <a:rPr lang="en-US" altLang="zh-CN" sz="1400" dirty="0" err="1"/>
+              <a:t>efun</a:t>
+            </a:r>
+            <a:r>
+              <a:rPr lang="zh-CN" altLang="en-US" sz="1400" dirty="0"/>
+              <a:t>的次数为</a:t>
+            </a:r>
+            <a:r>
+              <a:rPr lang="en-US" altLang="zh-CN" sz="1400" dirty="0"/>
+              <a:t>21</a:t>
+            </a:r>
+            <a:r>
+              <a:rPr lang="zh-CN" altLang="en-US" sz="1400" dirty="0"/>
+              <a:t>，</a:t>
+            </a:r>
+            <a:endParaRPr lang="en-US" altLang="zh-CN" sz="1400" dirty="0"/>
+          </a:p>
+          <a:p>
+            <a:endParaRPr lang="en-US" altLang="zh-CN" sz="1400" dirty="0"/>
+          </a:p>
+          <a:p>
+            <a:r>
+              <a:rPr lang="zh-CN" altLang="en-US" sz="1400" dirty="0"/>
+              <a:t>初步认为</a:t>
+            </a:r>
+            <a:r>
+              <a:rPr lang="en-US" altLang="zh-CN" sz="1400" dirty="0" err="1"/>
+              <a:t>efun</a:t>
+            </a:r>
+            <a:r>
+              <a:rPr lang="zh-CN" altLang="en-US" sz="1400" dirty="0"/>
+              <a:t>的数据会较为准确</a:t>
+            </a:r>
+          </a:p>
+        </p:txBody>
+      </p:sp>
+    </p:spTree>
+    <p:extLst>
+      <p:ext uri="{BB962C8B-B14F-4D97-AF65-F5344CB8AC3E}">
+        <p14:creationId xmlns:p14="http://schemas.microsoft.com/office/powerpoint/2010/main" val="4075712447"/>
+      </p:ext>
+    </p:extLst>
+  </p:cSld>
+  <p:clrMapOvr>
+    <a:masterClrMapping/>
+  </p:clrMapOvr>
+</p:sld>
+</file>
+
+<file path=ppt/slides/slide18.xml><?xml version="1.0" encoding="utf-8"?>
+<p:sld xmlns:a="http://schemas.openxmlformats.org/drawingml/2006/main" xmlns:r="http://schemas.openxmlformats.org/officeDocument/2006/relationships" xmlns:p="http://schemas.openxmlformats.org/presentationml/2006/main">
+  <p:cSld>
+    <p:spTree>
+      <p:nvGrpSpPr>
+        <p:cNvPr id="1" name=""/>
+        <p:cNvGrpSpPr/>
+        <p:nvPr/>
+      </p:nvGrpSpPr>
+      <p:grpSpPr>
+        <a:xfrm>
+          <a:off x="0" y="0"/>
+          <a:ext cx="0" cy="0"/>
+          <a:chOff x="0" y="0"/>
+          <a:chExt cx="0" cy="0"/>
+        </a:xfrm>
+      </p:grpSpPr>
+      <p:grpSp>
+        <p:nvGrpSpPr>
+          <p:cNvPr id="2" name="组合 1">
+            <a:extLst>
+              <a:ext uri="{FF2B5EF4-FFF2-40B4-BE49-F238E27FC236}">
+                <a16:creationId xmlns:a16="http://schemas.microsoft.com/office/drawing/2014/main" id="{72F36741-B1C2-A61D-98E1-869F5FD028FB}"/>
+              </a:ext>
+            </a:extLst>
+          </p:cNvPr>
+          <p:cNvGrpSpPr/>
+          <p:nvPr/>
+        </p:nvGrpSpPr>
+        <p:grpSpPr>
+          <a:xfrm>
+            <a:off x="-180528" y="104314"/>
+            <a:ext cx="2143348" cy="523220"/>
+            <a:chOff x="18335" y="51470"/>
+            <a:chExt cx="2143348" cy="523220"/>
+          </a:xfrm>
+        </p:grpSpPr>
+        <p:sp>
+          <p:nvSpPr>
+            <p:cNvPr id="3" name="矩形 2">
+              <a:extLst>
+                <a:ext uri="{FF2B5EF4-FFF2-40B4-BE49-F238E27FC236}">
+                  <a16:creationId xmlns:a16="http://schemas.microsoft.com/office/drawing/2014/main" id="{5BDA9915-5D9D-4FF5-C7A9-574A8EBBD388}"/>
+                </a:ext>
+              </a:extLst>
+            </p:cNvPr>
+            <p:cNvSpPr/>
+            <p:nvPr/>
+          </p:nvSpPr>
+          <p:spPr>
+            <a:xfrm>
+              <a:off x="540726" y="51470"/>
+              <a:ext cx="1620957" cy="523220"/>
+            </a:xfrm>
+            <a:prstGeom prst="rect">
+              <a:avLst/>
+            </a:prstGeom>
+          </p:spPr>
+          <p:txBody>
+            <a:bodyPr wrap="none">
+              <a:spAutoFit/>
+            </a:bodyPr>
+            <a:lstStyle/>
+            <a:p>
+              <a:pPr eaLnBrk="1" hangingPunct="1"/>
+              <a:r>
+                <a:rPr lang="zh-CN" altLang="en-US" sz="2800" b="1" dirty="0">
+                  <a:solidFill>
+                    <a:schemeClr val="tx1">
+                      <a:lumMod val="75000"/>
+                      <a:lumOff val="25000"/>
+                    </a:schemeClr>
+                  </a:solidFill>
+                  <a:latin typeface="微软雅黑" panose="020B0503020204020204" pitchFamily="34" charset="-122"/>
+                  <a:ea typeface="微软雅黑" panose="020B0503020204020204" pitchFamily="34" charset="-122"/>
+                </a:rPr>
+                <a:t>工作内容</a:t>
+              </a:r>
+            </a:p>
+          </p:txBody>
+        </p:sp>
+        <p:sp>
+          <p:nvSpPr>
+            <p:cNvPr id="4" name="椭圆 3">
+              <a:extLst>
+                <a:ext uri="{FF2B5EF4-FFF2-40B4-BE49-F238E27FC236}">
+                  <a16:creationId xmlns:a16="http://schemas.microsoft.com/office/drawing/2014/main" id="{12C3ED70-8BC2-7F2E-407B-B88E63E97D3E}"/>
+                </a:ext>
+              </a:extLst>
+            </p:cNvPr>
+            <p:cNvSpPr>
+              <a:spLocks noChangeArrowheads="1"/>
+            </p:cNvSpPr>
+            <p:nvPr/>
+          </p:nvSpPr>
+          <p:spPr bwMode="auto">
+            <a:xfrm>
+              <a:off x="18335" y="133060"/>
+              <a:ext cx="483479" cy="360040"/>
+            </a:xfrm>
+            <a:prstGeom prst="chevron">
+              <a:avLst>
+                <a:gd name="adj" fmla="val 34239"/>
+              </a:avLst>
+            </a:prstGeom>
+            <a:solidFill>
+              <a:srgbClr val="00B6F6"/>
+            </a:solidFill>
+            <a:ln w="9525">
+              <a:noFill/>
+              <a:round/>
+            </a:ln>
+          </p:spPr>
+          <p:txBody>
+            <a:bodyPr anchor="ctr"/>
+            <a:lstStyle/>
+            <a:p>
+              <a:pPr algn="ctr" eaLnBrk="1" hangingPunct="1"/>
+              <a:endParaRPr lang="zh-CN" altLang="en-US" sz="2400" dirty="0">
+                <a:solidFill>
+                  <a:schemeClr val="bg1"/>
+                </a:solidFill>
+                <a:latin typeface="Impact" panose="020B0806030902050204" pitchFamily="34" charset="0"/>
+              </a:endParaRPr>
+            </a:p>
+          </p:txBody>
+        </p:sp>
+      </p:grpSp>
+      <p:sp>
+        <p:nvSpPr>
+          <p:cNvPr id="5" name="箭头: V 形 4">
+            <a:extLst>
+              <a:ext uri="{FF2B5EF4-FFF2-40B4-BE49-F238E27FC236}">
+                <a16:creationId xmlns:a16="http://schemas.microsoft.com/office/drawing/2014/main" id="{37A8B3AE-8D43-31FD-69B3-1C427BD15872}"/>
+              </a:ext>
+            </a:extLst>
+          </p:cNvPr>
+          <p:cNvSpPr/>
+          <p:nvPr/>
+        </p:nvSpPr>
+        <p:spPr>
+          <a:xfrm>
+            <a:off x="424499" y="735546"/>
+            <a:ext cx="144016" cy="144016"/>
+          </a:xfrm>
+          <a:prstGeom prst="chevron">
+            <a:avLst/>
+          </a:prstGeom>
+          <a:ln>
+            <a:noFill/>
+          </a:ln>
+        </p:spPr>
+        <p:style>
+          <a:lnRef idx="2">
+            <a:schemeClr val="accent1">
+              <a:shade val="50000"/>
+            </a:schemeClr>
+          </a:lnRef>
+          <a:fillRef idx="1">
+            <a:schemeClr val="accent1"/>
+          </a:fillRef>
+          <a:effectRef idx="0">
+            <a:schemeClr val="accent1"/>
+          </a:effectRef>
+          <a:fontRef idx="minor">
+            <a:schemeClr val="lt1"/>
+          </a:fontRef>
+        </p:style>
+        <p:txBody>
+          <a:bodyPr rtlCol="0" anchor="ctr"/>
+          <a:lstStyle/>
+          <a:p>
+            <a:pPr algn="ctr"/>
+            <a:endParaRPr lang="zh-CN" altLang="en-US">
+              <a:solidFill>
+                <a:schemeClr val="tx1"/>
+              </a:solidFill>
+            </a:endParaRPr>
+          </a:p>
+        </p:txBody>
+      </p:sp>
+      <p:sp>
+        <p:nvSpPr>
+          <p:cNvPr id="7" name="箭头: V 形 6">
+            <a:extLst>
+              <a:ext uri="{FF2B5EF4-FFF2-40B4-BE49-F238E27FC236}">
+                <a16:creationId xmlns:a16="http://schemas.microsoft.com/office/drawing/2014/main" id="{5956A372-EB88-944C-C450-AD8E898E096F}"/>
+              </a:ext>
+            </a:extLst>
+          </p:cNvPr>
+          <p:cNvSpPr/>
+          <p:nvPr/>
+        </p:nvSpPr>
+        <p:spPr>
+          <a:xfrm>
+            <a:off x="535419" y="735546"/>
+            <a:ext cx="144016" cy="144016"/>
+          </a:xfrm>
+          <a:prstGeom prst="chevron">
+            <a:avLst/>
+          </a:prstGeom>
+          <a:ln>
+            <a:noFill/>
+          </a:ln>
+        </p:spPr>
+        <p:style>
+          <a:lnRef idx="2">
+            <a:schemeClr val="accent1">
+              <a:shade val="50000"/>
+            </a:schemeClr>
+          </a:lnRef>
+          <a:fillRef idx="1">
+            <a:schemeClr val="accent1"/>
+          </a:fillRef>
+          <a:effectRef idx="0">
+            <a:schemeClr val="accent1"/>
+          </a:effectRef>
+          <a:fontRef idx="minor">
+            <a:schemeClr val="lt1"/>
+          </a:fontRef>
+        </p:style>
+        <p:txBody>
+          <a:bodyPr rtlCol="0" anchor="ctr"/>
+          <a:lstStyle/>
+          <a:p>
+            <a:pPr algn="ctr"/>
+            <a:endParaRPr lang="zh-CN" altLang="en-US">
+              <a:solidFill>
+                <a:schemeClr val="tx1"/>
+              </a:solidFill>
+            </a:endParaRPr>
+          </a:p>
+        </p:txBody>
+      </p:sp>
+      <p:sp>
+        <p:nvSpPr>
+          <p:cNvPr id="8" name="箭头: V 形 7">
+            <a:extLst>
+              <a:ext uri="{FF2B5EF4-FFF2-40B4-BE49-F238E27FC236}">
+                <a16:creationId xmlns:a16="http://schemas.microsoft.com/office/drawing/2014/main" id="{723A9A7E-09C1-B3C7-5F97-21A26BDD5445}"/>
+              </a:ext>
+            </a:extLst>
+          </p:cNvPr>
+          <p:cNvSpPr/>
+          <p:nvPr/>
+        </p:nvSpPr>
+        <p:spPr>
+          <a:xfrm>
+            <a:off x="646339" y="735546"/>
+            <a:ext cx="144016" cy="144016"/>
+          </a:xfrm>
+          <a:prstGeom prst="chevron">
+            <a:avLst/>
+          </a:prstGeom>
+          <a:ln>
+            <a:noFill/>
+          </a:ln>
+        </p:spPr>
+        <p:style>
+          <a:lnRef idx="2">
+            <a:schemeClr val="accent1">
+              <a:shade val="50000"/>
+            </a:schemeClr>
+          </a:lnRef>
+          <a:fillRef idx="1">
+            <a:schemeClr val="accent1"/>
+          </a:fillRef>
+          <a:effectRef idx="0">
+            <a:schemeClr val="accent1"/>
+          </a:effectRef>
+          <a:fontRef idx="minor">
+            <a:schemeClr val="lt1"/>
+          </a:fontRef>
+        </p:style>
+        <p:txBody>
+          <a:bodyPr rtlCol="0" anchor="ctr"/>
+          <a:lstStyle/>
+          <a:p>
+            <a:pPr algn="ctr"/>
+            <a:endParaRPr lang="zh-CN" altLang="en-US">
+              <a:solidFill>
+                <a:schemeClr val="tx1"/>
+              </a:solidFill>
+            </a:endParaRPr>
+          </a:p>
+        </p:txBody>
+      </p:sp>
+      <p:sp>
+        <p:nvSpPr>
+          <p:cNvPr id="9" name="文本框 8">
+            <a:extLst>
+              <a:ext uri="{FF2B5EF4-FFF2-40B4-BE49-F238E27FC236}">
+                <a16:creationId xmlns:a16="http://schemas.microsoft.com/office/drawing/2014/main" id="{40848FCE-620B-D6C6-3627-637614FA0C3F}"/>
+              </a:ext>
+            </a:extLst>
+          </p:cNvPr>
+          <p:cNvSpPr txBox="1"/>
+          <p:nvPr/>
+        </p:nvSpPr>
+        <p:spPr>
+          <a:xfrm>
+            <a:off x="819542" y="659160"/>
+            <a:ext cx="1082348" cy="307777"/>
+          </a:xfrm>
+          <a:prstGeom prst="rect">
+            <a:avLst/>
+          </a:prstGeom>
+          <a:noFill/>
+        </p:spPr>
+        <p:txBody>
+          <a:bodyPr wrap="none" rtlCol="0">
+            <a:spAutoFit/>
+          </a:bodyPr>
+          <a:lstStyle/>
+          <a:p>
+            <a:r>
+              <a:rPr lang="en-US" altLang="zh-CN" sz="1400" dirty="0">
+                <a:solidFill>
+                  <a:srgbClr val="007CC8"/>
+                </a:solidFill>
+                <a:latin typeface="黑体" panose="02010609060101010101" pitchFamily="49" charset="-122"/>
+                <a:ea typeface="黑体" panose="02010609060101010101" pitchFamily="49" charset="-122"/>
+              </a:rPr>
+              <a:t>Ga</a:t>
+            </a:r>
+            <a:r>
+              <a:rPr lang="zh-CN" altLang="en-US" sz="1400" dirty="0">
+                <a:solidFill>
+                  <a:srgbClr val="007CC8"/>
+                </a:solidFill>
+                <a:latin typeface="黑体" panose="02010609060101010101" pitchFamily="49" charset="-122"/>
+                <a:ea typeface="黑体" panose="02010609060101010101" pitchFamily="49" charset="-122"/>
+              </a:rPr>
+              <a:t>埋点工具</a:t>
+            </a:r>
+          </a:p>
+        </p:txBody>
+      </p:sp>
+      <p:cxnSp>
+        <p:nvCxnSpPr>
+          <p:cNvPr id="10" name="直接连接符 9">
+            <a:extLst>
+              <a:ext uri="{FF2B5EF4-FFF2-40B4-BE49-F238E27FC236}">
+                <a16:creationId xmlns:a16="http://schemas.microsoft.com/office/drawing/2014/main" id="{34B044FE-8875-EF1D-78D5-190959A209E1}"/>
+              </a:ext>
+            </a:extLst>
+          </p:cNvPr>
+          <p:cNvCxnSpPr>
+            <a:cxnSpLocks/>
+          </p:cNvCxnSpPr>
+          <p:nvPr/>
+        </p:nvCxnSpPr>
+        <p:spPr>
+          <a:xfrm>
+            <a:off x="302951" y="987574"/>
+            <a:ext cx="8589529" cy="0"/>
+          </a:xfrm>
+          <a:prstGeom prst="line">
+            <a:avLst/>
+          </a:prstGeom>
+          <a:ln>
+            <a:solidFill>
+              <a:schemeClr val="tx1">
+                <a:lumMod val="50000"/>
+                <a:lumOff val="50000"/>
+              </a:schemeClr>
+            </a:solidFill>
+          </a:ln>
+        </p:spPr>
+        <p:style>
+          <a:lnRef idx="1">
+            <a:schemeClr val="accent1"/>
+          </a:lnRef>
+          <a:fillRef idx="0">
+            <a:schemeClr val="accent1"/>
+          </a:fillRef>
+          <a:effectRef idx="0">
+            <a:schemeClr val="accent1"/>
+          </a:effectRef>
+          <a:fontRef idx="minor">
+            <a:schemeClr val="tx1"/>
+          </a:fontRef>
+        </p:style>
+      </p:cxnSp>
+      <p:sp>
+        <p:nvSpPr>
+          <p:cNvPr id="11" name="矩形 10">
+            <a:extLst>
+              <a:ext uri="{FF2B5EF4-FFF2-40B4-BE49-F238E27FC236}">
+                <a16:creationId xmlns:a16="http://schemas.microsoft.com/office/drawing/2014/main" id="{10148DE3-ECEF-60A8-D3D6-9BC300689B30}"/>
+              </a:ext>
+            </a:extLst>
+          </p:cNvPr>
+          <p:cNvSpPr/>
+          <p:nvPr/>
+        </p:nvSpPr>
+        <p:spPr>
+          <a:xfrm>
+            <a:off x="302951" y="1079510"/>
+            <a:ext cx="84223" cy="276976"/>
+          </a:xfrm>
+          <a:prstGeom prst="rect">
+            <a:avLst/>
+          </a:prstGeom>
+          <a:solidFill>
+            <a:srgbClr val="00B6F6"/>
+          </a:solidFill>
+          <a:ln>
+            <a:noFill/>
+          </a:ln>
+        </p:spPr>
+        <p:style>
+          <a:lnRef idx="2">
+            <a:schemeClr val="accent1">
+              <a:shade val="50000"/>
+            </a:schemeClr>
+          </a:lnRef>
+          <a:fillRef idx="1">
+            <a:schemeClr val="accent1"/>
+          </a:fillRef>
+          <a:effectRef idx="0">
+            <a:schemeClr val="accent1"/>
+          </a:effectRef>
+          <a:fontRef idx="minor">
+            <a:schemeClr val="lt1"/>
+          </a:fontRef>
+        </p:style>
+        <p:txBody>
+          <a:bodyPr rtlCol="0" anchor="ctr"/>
+          <a:lstStyle/>
+          <a:p>
+            <a:pPr algn="ctr"/>
+            <a:endParaRPr lang="zh-CN" altLang="en-US"/>
+          </a:p>
+        </p:txBody>
+      </p:sp>
+      <p:sp>
+        <p:nvSpPr>
+          <p:cNvPr id="12" name="文本占位符 16">
+            <a:extLst>
+              <a:ext uri="{FF2B5EF4-FFF2-40B4-BE49-F238E27FC236}">
+                <a16:creationId xmlns:a16="http://schemas.microsoft.com/office/drawing/2014/main" id="{E3360585-363E-CAC7-A1DC-7CB38DA97903}"/>
+              </a:ext>
+            </a:extLst>
+          </p:cNvPr>
+          <p:cNvSpPr txBox="1">
+            <a:spLocks/>
+          </p:cNvSpPr>
+          <p:nvPr/>
+        </p:nvSpPr>
+        <p:spPr>
+          <a:xfrm>
+            <a:off x="424499" y="1012131"/>
+            <a:ext cx="3628937" cy="411734"/>
+          </a:xfrm>
+          <a:prstGeom prst="rect">
+            <a:avLst/>
+          </a:prstGeom>
+        </p:spPr>
+        <p:txBody>
+          <a:bodyPr vert="horz" lIns="91440" tIns="45720" rIns="91440" bIns="45720" rtlCol="0" anchor="ctr">
+            <a:normAutofit/>
+          </a:bodyPr>
+          <a:lstStyle>
+            <a:defPPr>
+              <a:defRPr lang="zh-CN"/>
+            </a:defPPr>
+            <a:lvl1pPr marL="0" algn="l" defTabSz="914400" rtl="0" eaLnBrk="1" latinLnBrk="0" hangingPunct="1">
+              <a:defRPr sz="1200" kern="1200">
+                <a:solidFill>
+                  <a:schemeClr val="tx1">
+                    <a:tint val="75000"/>
+                  </a:schemeClr>
+                </a:solidFill>
+                <a:latin typeface="+mn-lt"/>
+                <a:ea typeface="+mn-ea"/>
+                <a:cs typeface="+mn-cs"/>
+              </a:defRPr>
+            </a:lvl1pPr>
+            <a:lvl2pPr marL="457200" algn="l" defTabSz="914400" rtl="0" eaLnBrk="1" latinLnBrk="0" hangingPunct="1">
+              <a:defRPr sz="1800" kern="1200">
+                <a:solidFill>
+                  <a:schemeClr val="tx1"/>
+                </a:solidFill>
+                <a:latin typeface="+mn-lt"/>
+                <a:ea typeface="+mn-ea"/>
+                <a:cs typeface="+mn-cs"/>
+              </a:defRPr>
+            </a:lvl2pPr>
+            <a:lvl3pPr marL="914400" algn="l" defTabSz="914400" rtl="0" eaLnBrk="1" latinLnBrk="0" hangingPunct="1">
+              <a:defRPr sz="1800" kern="1200">
+                <a:solidFill>
+                  <a:schemeClr val="tx1"/>
+                </a:solidFill>
+                <a:latin typeface="+mn-lt"/>
+                <a:ea typeface="+mn-ea"/>
+                <a:cs typeface="+mn-cs"/>
+              </a:defRPr>
+            </a:lvl3pPr>
+            <a:lvl4pPr marL="1371600" algn="l" defTabSz="914400" rtl="0" eaLnBrk="1" latinLnBrk="0" hangingPunct="1">
+              <a:defRPr sz="1800" kern="1200">
+                <a:solidFill>
+                  <a:schemeClr val="tx1"/>
+                </a:solidFill>
+                <a:latin typeface="+mn-lt"/>
+                <a:ea typeface="+mn-ea"/>
+                <a:cs typeface="+mn-cs"/>
+              </a:defRPr>
+            </a:lvl4pPr>
+            <a:lvl5pPr marL="1828800" algn="l" defTabSz="914400" rtl="0" eaLnBrk="1" latinLnBrk="0" hangingPunct="1">
+              <a:defRPr sz="1800" kern="1200">
+                <a:solidFill>
+                  <a:schemeClr val="tx1"/>
+                </a:solidFill>
+                <a:latin typeface="+mn-lt"/>
+                <a:ea typeface="+mn-ea"/>
+                <a:cs typeface="+mn-cs"/>
+              </a:defRPr>
+            </a:lvl5pPr>
+            <a:lvl6pPr marL="2286000" algn="l" defTabSz="914400" rtl="0" eaLnBrk="1" latinLnBrk="0" hangingPunct="1">
+              <a:defRPr sz="1800" kern="1200">
+                <a:solidFill>
+                  <a:schemeClr val="tx1"/>
+                </a:solidFill>
+                <a:latin typeface="+mn-lt"/>
+                <a:ea typeface="+mn-ea"/>
+                <a:cs typeface="+mn-cs"/>
+              </a:defRPr>
+            </a:lvl6pPr>
+            <a:lvl7pPr marL="2743200" algn="l" defTabSz="914400" rtl="0" eaLnBrk="1" latinLnBrk="0" hangingPunct="1">
+              <a:defRPr sz="1800" kern="1200">
+                <a:solidFill>
+                  <a:schemeClr val="tx1"/>
+                </a:solidFill>
+                <a:latin typeface="+mn-lt"/>
+                <a:ea typeface="+mn-ea"/>
+                <a:cs typeface="+mn-cs"/>
+              </a:defRPr>
+            </a:lvl7pPr>
+            <a:lvl8pPr marL="3200400" algn="l" defTabSz="914400" rtl="0" eaLnBrk="1" latinLnBrk="0" hangingPunct="1">
+              <a:defRPr sz="1800" kern="1200">
+                <a:solidFill>
+                  <a:schemeClr val="tx1"/>
+                </a:solidFill>
+                <a:latin typeface="+mn-lt"/>
+                <a:ea typeface="+mn-ea"/>
+                <a:cs typeface="+mn-cs"/>
+              </a:defRPr>
+            </a:lvl8pPr>
+            <a:lvl9pPr marL="3657600" algn="l" defTabSz="914400" rtl="0" eaLnBrk="1" latinLnBrk="0" hangingPunct="1">
+              <a:defRPr sz="1800" kern="1200">
+                <a:solidFill>
+                  <a:schemeClr val="tx1"/>
+                </a:solidFill>
+                <a:latin typeface="+mn-lt"/>
+                <a:ea typeface="+mn-ea"/>
+                <a:cs typeface="+mn-cs"/>
+              </a:defRPr>
+            </a:lvl9pPr>
+          </a:lstStyle>
+          <a:p>
+            <a:r>
+              <a:rPr lang="zh-CN" altLang="en-US" dirty="0">
+                <a:solidFill>
+                  <a:schemeClr val="tx1">
+                    <a:lumMod val="85000"/>
+                    <a:lumOff val="15000"/>
+                  </a:schemeClr>
+                </a:solidFill>
+              </a:rPr>
+              <a:t>排查问题</a:t>
+            </a:r>
+            <a:r>
+              <a:rPr lang="en-US" altLang="zh-CN" dirty="0">
+                <a:solidFill>
+                  <a:schemeClr val="tx1">
+                    <a:lumMod val="85000"/>
+                    <a:lumOff val="15000"/>
+                  </a:schemeClr>
+                </a:solidFill>
+              </a:rPr>
+              <a:t>—</a:t>
+            </a:r>
+            <a:r>
+              <a:rPr lang="zh-CN" altLang="en-US" dirty="0">
+                <a:solidFill>
+                  <a:schemeClr val="tx1">
+                    <a:lumMod val="85000"/>
+                    <a:lumOff val="15000"/>
+                  </a:schemeClr>
+                </a:solidFill>
+              </a:rPr>
+              <a:t>跳转商店按钮事件</a:t>
+            </a:r>
+          </a:p>
+        </p:txBody>
+      </p:sp>
+      <p:sp>
+        <p:nvSpPr>
+          <p:cNvPr id="24" name="文本框 23">
+            <a:extLst>
+              <a:ext uri="{FF2B5EF4-FFF2-40B4-BE49-F238E27FC236}">
+                <a16:creationId xmlns:a16="http://schemas.microsoft.com/office/drawing/2014/main" id="{E2409CD7-8FF1-A018-603D-607749ECBF97}"/>
+              </a:ext>
+            </a:extLst>
+          </p:cNvPr>
+          <p:cNvSpPr txBox="1"/>
+          <p:nvPr/>
+        </p:nvSpPr>
+        <p:spPr>
+          <a:xfrm>
+            <a:off x="424499" y="1436768"/>
+            <a:ext cx="4859022" cy="738664"/>
+          </a:xfrm>
+          <a:prstGeom prst="rect">
+            <a:avLst/>
+          </a:prstGeom>
+          <a:noFill/>
+        </p:spPr>
+        <p:txBody>
+          <a:bodyPr wrap="none" rtlCol="0">
+            <a:spAutoFit/>
+          </a:bodyPr>
+          <a:lstStyle/>
+          <a:p>
+            <a:r>
+              <a:rPr lang="zh-CN" altLang="en-US" sz="1400" dirty="0"/>
+              <a:t>设置会话时长为</a:t>
+            </a:r>
+            <a:r>
+              <a:rPr lang="en-US" altLang="zh-CN" sz="1400" dirty="0">
+                <a:solidFill>
+                  <a:srgbClr val="FF0000"/>
+                </a:solidFill>
+              </a:rPr>
+              <a:t>1</a:t>
+            </a:r>
+            <a:r>
+              <a:rPr lang="zh-CN" altLang="en-US" sz="1400" dirty="0"/>
+              <a:t>分钟（</a:t>
+            </a:r>
+            <a:r>
+              <a:rPr lang="en-US" altLang="zh-CN" sz="1400" dirty="0"/>
+              <a:t>ga</a:t>
+            </a:r>
+            <a:r>
+              <a:rPr lang="zh-CN" altLang="en-US" sz="1400" dirty="0"/>
+              <a:t>最短只能设置</a:t>
+            </a:r>
+            <a:r>
+              <a:rPr lang="en-US" altLang="zh-CN" sz="1400" dirty="0"/>
+              <a:t>1</a:t>
+            </a:r>
+            <a:r>
+              <a:rPr lang="zh-CN" altLang="en-US" sz="1400" dirty="0"/>
+              <a:t>分钟）</a:t>
+            </a:r>
+            <a:endParaRPr lang="en-US" altLang="zh-CN" sz="1400" dirty="0"/>
+          </a:p>
+          <a:p>
+            <a:endParaRPr lang="en-US" altLang="zh-CN" sz="1400" dirty="0"/>
+          </a:p>
+          <a:p>
+            <a:r>
+              <a:rPr lang="zh-CN" altLang="en-US" sz="1400" dirty="0"/>
+              <a:t>用代码隔</a:t>
+            </a:r>
+            <a:r>
+              <a:rPr lang="en-US" altLang="zh-CN" sz="1400" dirty="0">
+                <a:solidFill>
+                  <a:srgbClr val="FF0000"/>
+                </a:solidFill>
+              </a:rPr>
+              <a:t>2</a:t>
+            </a:r>
+            <a:r>
+              <a:rPr lang="zh-CN" altLang="en-US" sz="1400" dirty="0"/>
+              <a:t>分钟发送全部的商店按钮事件，一共发送了</a:t>
+            </a:r>
+            <a:r>
+              <a:rPr lang="en-US" altLang="zh-CN" sz="1400" dirty="0"/>
+              <a:t>100</a:t>
+            </a:r>
+            <a:r>
+              <a:rPr lang="zh-CN" altLang="en-US" sz="1400" dirty="0"/>
+              <a:t>次</a:t>
+            </a:r>
+          </a:p>
+        </p:txBody>
+      </p:sp>
+      <p:pic>
+        <p:nvPicPr>
+          <p:cNvPr id="15" name="图片 14">
+            <a:extLst>
+              <a:ext uri="{FF2B5EF4-FFF2-40B4-BE49-F238E27FC236}">
+                <a16:creationId xmlns:a16="http://schemas.microsoft.com/office/drawing/2014/main" id="{FCAE8CE1-A721-77D6-CA3D-756DFCBDA29D}"/>
+              </a:ext>
+            </a:extLst>
+          </p:cNvPr>
+          <p:cNvPicPr>
+            <a:picLocks noChangeAspect="1"/>
+          </p:cNvPicPr>
+          <p:nvPr/>
+        </p:nvPicPr>
+        <p:blipFill>
+          <a:blip r:embed="rId2"/>
+          <a:stretch>
+            <a:fillRect/>
+          </a:stretch>
+        </p:blipFill>
+        <p:spPr>
+          <a:xfrm>
+            <a:off x="496507" y="2188335"/>
+            <a:ext cx="7225454" cy="2349695"/>
+          </a:xfrm>
+          <a:prstGeom prst="rect">
+            <a:avLst/>
+          </a:prstGeom>
+        </p:spPr>
+      </p:pic>
+      <p:sp>
+        <p:nvSpPr>
+          <p:cNvPr id="17" name="文本框 16">
+            <a:extLst>
+              <a:ext uri="{FF2B5EF4-FFF2-40B4-BE49-F238E27FC236}">
+                <a16:creationId xmlns:a16="http://schemas.microsoft.com/office/drawing/2014/main" id="{AC0B5B79-29DA-42BE-D1B5-F08F354BC11B}"/>
+              </a:ext>
+            </a:extLst>
+          </p:cNvPr>
+          <p:cNvSpPr txBox="1"/>
+          <p:nvPr/>
+        </p:nvSpPr>
+        <p:spPr>
+          <a:xfrm>
+            <a:off x="472901" y="4659982"/>
+            <a:ext cx="6174960" cy="307777"/>
+          </a:xfrm>
+          <a:prstGeom prst="rect">
+            <a:avLst/>
+          </a:prstGeom>
+          <a:noFill/>
+        </p:spPr>
+        <p:txBody>
+          <a:bodyPr wrap="none" rtlCol="0">
+            <a:spAutoFit/>
+          </a:bodyPr>
+          <a:lstStyle/>
+          <a:p>
+            <a:r>
+              <a:rPr lang="zh-CN" altLang="en-US" sz="1400" dirty="0"/>
+              <a:t>会话排重下，结果相同。判断可能受</a:t>
+            </a:r>
+            <a:r>
+              <a:rPr lang="en-US" altLang="zh-CN" sz="1400" dirty="0"/>
+              <a:t>ga</a:t>
+            </a:r>
+            <a:r>
+              <a:rPr lang="zh-CN" altLang="en-US" sz="1400" dirty="0"/>
+              <a:t>设置的</a:t>
+            </a:r>
+            <a:r>
+              <a:rPr lang="zh-CN" altLang="en-US" sz="1400" dirty="0">
+                <a:solidFill>
+                  <a:srgbClr val="FF0000"/>
+                </a:solidFill>
+              </a:rPr>
+              <a:t>会话时长</a:t>
+            </a:r>
+            <a:r>
+              <a:rPr lang="zh-CN" altLang="en-US" sz="1400" dirty="0"/>
+              <a:t>影响，后续继续排查</a:t>
+            </a:r>
+          </a:p>
+        </p:txBody>
+      </p:sp>
+    </p:spTree>
+    <p:extLst>
+      <p:ext uri="{BB962C8B-B14F-4D97-AF65-F5344CB8AC3E}">
+        <p14:creationId xmlns:p14="http://schemas.microsoft.com/office/powerpoint/2010/main" val="3659393753"/>
+      </p:ext>
+    </p:extLst>
+  </p:cSld>
+  <p:clrMapOvr>
+    <a:masterClrMapping/>
+  </p:clrMapOvr>
+</p:sld>
+</file>
+
+<file path=ppt/slides/slide19.xml><?xml version="1.0" encoding="utf-8"?>
+<p:sld xmlns:a="http://schemas.openxmlformats.org/drawingml/2006/main" xmlns:r="http://schemas.openxmlformats.org/officeDocument/2006/relationships" xmlns:p="http://schemas.openxmlformats.org/presentationml/2006/main">
+  <p:cSld>
+    <p:spTree>
+      <p:nvGrpSpPr>
+        <p:cNvPr id="1" name=""/>
+        <p:cNvGrpSpPr/>
+        <p:nvPr/>
+      </p:nvGrpSpPr>
+      <p:grpSpPr>
+        <a:xfrm>
+          <a:off x="0" y="0"/>
+          <a:ext cx="0" cy="0"/>
+          <a:chOff x="0" y="0"/>
+          <a:chExt cx="0" cy="0"/>
+        </a:xfrm>
+      </p:grpSpPr>
+      <p:grpSp>
+        <p:nvGrpSpPr>
+          <p:cNvPr id="2" name="组合 1">
+            <a:extLst>
+              <a:ext uri="{FF2B5EF4-FFF2-40B4-BE49-F238E27FC236}">
+                <a16:creationId xmlns:a16="http://schemas.microsoft.com/office/drawing/2014/main" id="{72F36741-B1C2-A61D-98E1-869F5FD028FB}"/>
+              </a:ext>
+            </a:extLst>
+          </p:cNvPr>
+          <p:cNvGrpSpPr/>
+          <p:nvPr/>
+        </p:nvGrpSpPr>
+        <p:grpSpPr>
+          <a:xfrm>
+            <a:off x="-180528" y="104314"/>
+            <a:ext cx="2143348" cy="523220"/>
+            <a:chOff x="18335" y="51470"/>
+            <a:chExt cx="2143348" cy="523220"/>
+          </a:xfrm>
+        </p:grpSpPr>
+        <p:sp>
+          <p:nvSpPr>
+            <p:cNvPr id="3" name="矩形 2">
+              <a:extLst>
+                <a:ext uri="{FF2B5EF4-FFF2-40B4-BE49-F238E27FC236}">
+                  <a16:creationId xmlns:a16="http://schemas.microsoft.com/office/drawing/2014/main" id="{5BDA9915-5D9D-4FF5-C7A9-574A8EBBD388}"/>
+                </a:ext>
+              </a:extLst>
+            </p:cNvPr>
+            <p:cNvSpPr/>
+            <p:nvPr/>
+          </p:nvSpPr>
+          <p:spPr>
+            <a:xfrm>
+              <a:off x="540726" y="51470"/>
+              <a:ext cx="1620957" cy="523220"/>
+            </a:xfrm>
+            <a:prstGeom prst="rect">
+              <a:avLst/>
+            </a:prstGeom>
+          </p:spPr>
+          <p:txBody>
+            <a:bodyPr wrap="none">
+              <a:spAutoFit/>
+            </a:bodyPr>
+            <a:lstStyle/>
+            <a:p>
+              <a:pPr eaLnBrk="1" hangingPunct="1"/>
+              <a:r>
+                <a:rPr lang="zh-CN" altLang="en-US" sz="2800" b="1" dirty="0">
+                  <a:solidFill>
+                    <a:schemeClr val="tx1">
+                      <a:lumMod val="75000"/>
+                      <a:lumOff val="25000"/>
+                    </a:schemeClr>
+                  </a:solidFill>
+                  <a:latin typeface="微软雅黑" panose="020B0503020204020204" pitchFamily="34" charset="-122"/>
+                  <a:ea typeface="微软雅黑" panose="020B0503020204020204" pitchFamily="34" charset="-122"/>
+                </a:rPr>
+                <a:t>工作内容</a:t>
+              </a:r>
+            </a:p>
+          </p:txBody>
+        </p:sp>
+        <p:sp>
+          <p:nvSpPr>
+            <p:cNvPr id="4" name="椭圆 3">
+              <a:extLst>
+                <a:ext uri="{FF2B5EF4-FFF2-40B4-BE49-F238E27FC236}">
+                  <a16:creationId xmlns:a16="http://schemas.microsoft.com/office/drawing/2014/main" id="{12C3ED70-8BC2-7F2E-407B-B88E63E97D3E}"/>
+                </a:ext>
+              </a:extLst>
+            </p:cNvPr>
+            <p:cNvSpPr>
+              <a:spLocks noChangeArrowheads="1"/>
+            </p:cNvSpPr>
+            <p:nvPr/>
+          </p:nvSpPr>
+          <p:spPr bwMode="auto">
+            <a:xfrm>
+              <a:off x="18335" y="133060"/>
+              <a:ext cx="483479" cy="360040"/>
+            </a:xfrm>
+            <a:prstGeom prst="chevron">
+              <a:avLst>
+                <a:gd name="adj" fmla="val 34239"/>
+              </a:avLst>
+            </a:prstGeom>
+            <a:solidFill>
+              <a:srgbClr val="00B6F6"/>
+            </a:solidFill>
+            <a:ln w="9525">
+              <a:noFill/>
+              <a:round/>
+            </a:ln>
+          </p:spPr>
+          <p:txBody>
+            <a:bodyPr anchor="ctr"/>
+            <a:lstStyle/>
+            <a:p>
+              <a:pPr algn="ctr" eaLnBrk="1" hangingPunct="1"/>
+              <a:endParaRPr lang="zh-CN" altLang="en-US" sz="2400" dirty="0">
+                <a:solidFill>
+                  <a:schemeClr val="bg1"/>
+                </a:solidFill>
+                <a:latin typeface="Impact" panose="020B0806030902050204" pitchFamily="34" charset="0"/>
+              </a:endParaRPr>
+            </a:p>
+          </p:txBody>
+        </p:sp>
+      </p:grpSp>
+      <p:sp>
+        <p:nvSpPr>
+          <p:cNvPr id="5" name="箭头: V 形 4">
+            <a:extLst>
+              <a:ext uri="{FF2B5EF4-FFF2-40B4-BE49-F238E27FC236}">
+                <a16:creationId xmlns:a16="http://schemas.microsoft.com/office/drawing/2014/main" id="{37A8B3AE-8D43-31FD-69B3-1C427BD15872}"/>
+              </a:ext>
+            </a:extLst>
+          </p:cNvPr>
+          <p:cNvSpPr/>
+          <p:nvPr/>
+        </p:nvSpPr>
+        <p:spPr>
+          <a:xfrm>
+            <a:off x="424499" y="735546"/>
+            <a:ext cx="144016" cy="144016"/>
+          </a:xfrm>
+          <a:prstGeom prst="chevron">
+            <a:avLst/>
+          </a:prstGeom>
+          <a:ln>
+            <a:noFill/>
+          </a:ln>
+        </p:spPr>
+        <p:style>
+          <a:lnRef idx="2">
+            <a:schemeClr val="accent1">
+              <a:shade val="50000"/>
+            </a:schemeClr>
+          </a:lnRef>
+          <a:fillRef idx="1">
+            <a:schemeClr val="accent1"/>
+          </a:fillRef>
+          <a:effectRef idx="0">
+            <a:schemeClr val="accent1"/>
+          </a:effectRef>
+          <a:fontRef idx="minor">
+            <a:schemeClr val="lt1"/>
+          </a:fontRef>
+        </p:style>
+        <p:txBody>
+          <a:bodyPr rtlCol="0" anchor="ctr"/>
+          <a:lstStyle/>
+          <a:p>
+            <a:pPr algn="ctr"/>
+            <a:endParaRPr lang="zh-CN" altLang="en-US">
+              <a:solidFill>
+                <a:schemeClr val="tx1"/>
+              </a:solidFill>
+            </a:endParaRPr>
+          </a:p>
+        </p:txBody>
+      </p:sp>
+      <p:sp>
+        <p:nvSpPr>
+          <p:cNvPr id="7" name="箭头: V 形 6">
+            <a:extLst>
+              <a:ext uri="{FF2B5EF4-FFF2-40B4-BE49-F238E27FC236}">
+                <a16:creationId xmlns:a16="http://schemas.microsoft.com/office/drawing/2014/main" id="{5956A372-EB88-944C-C450-AD8E898E096F}"/>
+              </a:ext>
+            </a:extLst>
+          </p:cNvPr>
+          <p:cNvSpPr/>
+          <p:nvPr/>
+        </p:nvSpPr>
+        <p:spPr>
+          <a:xfrm>
+            <a:off x="535419" y="735546"/>
+            <a:ext cx="144016" cy="144016"/>
+          </a:xfrm>
+          <a:prstGeom prst="chevron">
+            <a:avLst/>
+          </a:prstGeom>
+          <a:ln>
+            <a:noFill/>
+          </a:ln>
+        </p:spPr>
+        <p:style>
+          <a:lnRef idx="2">
+            <a:schemeClr val="accent1">
+              <a:shade val="50000"/>
+            </a:schemeClr>
+          </a:lnRef>
+          <a:fillRef idx="1">
+            <a:schemeClr val="accent1"/>
+          </a:fillRef>
+          <a:effectRef idx="0">
+            <a:schemeClr val="accent1"/>
+          </a:effectRef>
+          <a:fontRef idx="minor">
+            <a:schemeClr val="lt1"/>
+          </a:fontRef>
+        </p:style>
+        <p:txBody>
+          <a:bodyPr rtlCol="0" anchor="ctr"/>
+          <a:lstStyle/>
+          <a:p>
+            <a:pPr algn="ctr"/>
+            <a:endParaRPr lang="zh-CN" altLang="en-US">
+              <a:solidFill>
+                <a:schemeClr val="tx1"/>
+              </a:solidFill>
+            </a:endParaRPr>
+          </a:p>
+        </p:txBody>
+      </p:sp>
+      <p:sp>
+        <p:nvSpPr>
+          <p:cNvPr id="8" name="箭头: V 形 7">
+            <a:extLst>
+              <a:ext uri="{FF2B5EF4-FFF2-40B4-BE49-F238E27FC236}">
+                <a16:creationId xmlns:a16="http://schemas.microsoft.com/office/drawing/2014/main" id="{723A9A7E-09C1-B3C7-5F97-21A26BDD5445}"/>
+              </a:ext>
+            </a:extLst>
+          </p:cNvPr>
+          <p:cNvSpPr/>
+          <p:nvPr/>
+        </p:nvSpPr>
+        <p:spPr>
+          <a:xfrm>
+            <a:off x="646339" y="735546"/>
+            <a:ext cx="144016" cy="144016"/>
+          </a:xfrm>
+          <a:prstGeom prst="chevron">
+            <a:avLst/>
+          </a:prstGeom>
+          <a:ln>
+            <a:noFill/>
+          </a:ln>
+        </p:spPr>
+        <p:style>
+          <a:lnRef idx="2">
+            <a:schemeClr val="accent1">
+              <a:shade val="50000"/>
+            </a:schemeClr>
+          </a:lnRef>
+          <a:fillRef idx="1">
+            <a:schemeClr val="accent1"/>
+          </a:fillRef>
+          <a:effectRef idx="0">
+            <a:schemeClr val="accent1"/>
+          </a:effectRef>
+          <a:fontRef idx="minor">
+            <a:schemeClr val="lt1"/>
+          </a:fontRef>
+        </p:style>
+        <p:txBody>
+          <a:bodyPr rtlCol="0" anchor="ctr"/>
+          <a:lstStyle/>
+          <a:p>
+            <a:pPr algn="ctr"/>
+            <a:endParaRPr lang="zh-CN" altLang="en-US">
+              <a:solidFill>
+                <a:schemeClr val="tx1"/>
+              </a:solidFill>
+            </a:endParaRPr>
+          </a:p>
+        </p:txBody>
+      </p:sp>
+      <p:sp>
+        <p:nvSpPr>
+          <p:cNvPr id="9" name="文本框 8">
+            <a:extLst>
+              <a:ext uri="{FF2B5EF4-FFF2-40B4-BE49-F238E27FC236}">
+                <a16:creationId xmlns:a16="http://schemas.microsoft.com/office/drawing/2014/main" id="{40848FCE-620B-D6C6-3627-637614FA0C3F}"/>
+              </a:ext>
+            </a:extLst>
+          </p:cNvPr>
+          <p:cNvSpPr txBox="1"/>
+          <p:nvPr/>
+        </p:nvSpPr>
+        <p:spPr>
+          <a:xfrm>
+            <a:off x="819542" y="659160"/>
+            <a:ext cx="1082348" cy="307777"/>
+          </a:xfrm>
+          <a:prstGeom prst="rect">
+            <a:avLst/>
+          </a:prstGeom>
+          <a:noFill/>
+        </p:spPr>
+        <p:txBody>
+          <a:bodyPr wrap="none" rtlCol="0">
+            <a:spAutoFit/>
+          </a:bodyPr>
+          <a:lstStyle/>
+          <a:p>
+            <a:r>
+              <a:rPr lang="en-US" altLang="zh-CN" sz="1400" dirty="0">
+                <a:solidFill>
+                  <a:srgbClr val="007CC8"/>
+                </a:solidFill>
+                <a:latin typeface="黑体" panose="02010609060101010101" pitchFamily="49" charset="-122"/>
+                <a:ea typeface="黑体" panose="02010609060101010101" pitchFamily="49" charset="-122"/>
+              </a:rPr>
+              <a:t>Ga</a:t>
+            </a:r>
+            <a:r>
+              <a:rPr lang="zh-CN" altLang="en-US" sz="1400" dirty="0">
+                <a:solidFill>
+                  <a:srgbClr val="007CC8"/>
+                </a:solidFill>
+                <a:latin typeface="黑体" panose="02010609060101010101" pitchFamily="49" charset="-122"/>
+                <a:ea typeface="黑体" panose="02010609060101010101" pitchFamily="49" charset="-122"/>
+              </a:rPr>
+              <a:t>埋点工具</a:t>
+            </a:r>
+          </a:p>
+        </p:txBody>
+      </p:sp>
+      <p:cxnSp>
+        <p:nvCxnSpPr>
+          <p:cNvPr id="10" name="直接连接符 9">
+            <a:extLst>
+              <a:ext uri="{FF2B5EF4-FFF2-40B4-BE49-F238E27FC236}">
+                <a16:creationId xmlns:a16="http://schemas.microsoft.com/office/drawing/2014/main" id="{34B044FE-8875-EF1D-78D5-190959A209E1}"/>
+              </a:ext>
+            </a:extLst>
+          </p:cNvPr>
+          <p:cNvCxnSpPr>
+            <a:cxnSpLocks/>
+          </p:cNvCxnSpPr>
+          <p:nvPr/>
+        </p:nvCxnSpPr>
+        <p:spPr>
+          <a:xfrm>
+            <a:off x="302951" y="987574"/>
+            <a:ext cx="8589529" cy="0"/>
+          </a:xfrm>
+          <a:prstGeom prst="line">
+            <a:avLst/>
+          </a:prstGeom>
+          <a:ln>
+            <a:solidFill>
+              <a:schemeClr val="tx1">
+                <a:lumMod val="50000"/>
+                <a:lumOff val="50000"/>
+              </a:schemeClr>
+            </a:solidFill>
+          </a:ln>
+        </p:spPr>
+        <p:style>
+          <a:lnRef idx="1">
+            <a:schemeClr val="accent1"/>
+          </a:lnRef>
+          <a:fillRef idx="0">
+            <a:schemeClr val="accent1"/>
+          </a:fillRef>
+          <a:effectRef idx="0">
+            <a:schemeClr val="accent1"/>
+          </a:effectRef>
+          <a:fontRef idx="minor">
+            <a:schemeClr val="tx1"/>
+          </a:fontRef>
+        </p:style>
+      </p:cxnSp>
+      <p:sp>
+        <p:nvSpPr>
+          <p:cNvPr id="11" name="矩形 10">
+            <a:extLst>
+              <a:ext uri="{FF2B5EF4-FFF2-40B4-BE49-F238E27FC236}">
+                <a16:creationId xmlns:a16="http://schemas.microsoft.com/office/drawing/2014/main" id="{10148DE3-ECEF-60A8-D3D6-9BC300689B30}"/>
+              </a:ext>
+            </a:extLst>
+          </p:cNvPr>
+          <p:cNvSpPr/>
+          <p:nvPr/>
+        </p:nvSpPr>
+        <p:spPr>
+          <a:xfrm>
+            <a:off x="302951" y="1079510"/>
+            <a:ext cx="84223" cy="276976"/>
+          </a:xfrm>
+          <a:prstGeom prst="rect">
+            <a:avLst/>
+          </a:prstGeom>
+          <a:solidFill>
+            <a:srgbClr val="00B6F6"/>
+          </a:solidFill>
+          <a:ln>
+            <a:noFill/>
+          </a:ln>
+        </p:spPr>
+        <p:style>
+          <a:lnRef idx="2">
+            <a:schemeClr val="accent1">
+              <a:shade val="50000"/>
+            </a:schemeClr>
+          </a:lnRef>
+          <a:fillRef idx="1">
+            <a:schemeClr val="accent1"/>
+          </a:fillRef>
+          <a:effectRef idx="0">
+            <a:schemeClr val="accent1"/>
+          </a:effectRef>
+          <a:fontRef idx="minor">
+            <a:schemeClr val="lt1"/>
+          </a:fontRef>
+        </p:style>
+        <p:txBody>
+          <a:bodyPr rtlCol="0" anchor="ctr"/>
+          <a:lstStyle/>
+          <a:p>
+            <a:pPr algn="ctr"/>
+            <a:endParaRPr lang="zh-CN" altLang="en-US"/>
+          </a:p>
+        </p:txBody>
+      </p:sp>
+      <p:sp>
+        <p:nvSpPr>
+          <p:cNvPr id="12" name="文本占位符 16">
+            <a:extLst>
+              <a:ext uri="{FF2B5EF4-FFF2-40B4-BE49-F238E27FC236}">
+                <a16:creationId xmlns:a16="http://schemas.microsoft.com/office/drawing/2014/main" id="{E3360585-363E-CAC7-A1DC-7CB38DA97903}"/>
+              </a:ext>
+            </a:extLst>
+          </p:cNvPr>
+          <p:cNvSpPr txBox="1">
+            <a:spLocks/>
+          </p:cNvSpPr>
+          <p:nvPr/>
+        </p:nvSpPr>
+        <p:spPr>
+          <a:xfrm>
+            <a:off x="424499" y="1012131"/>
+            <a:ext cx="3628937" cy="411734"/>
+          </a:xfrm>
+          <a:prstGeom prst="rect">
+            <a:avLst/>
+          </a:prstGeom>
+        </p:spPr>
+        <p:txBody>
+          <a:bodyPr vert="horz" lIns="91440" tIns="45720" rIns="91440" bIns="45720" rtlCol="0" anchor="ctr">
+            <a:normAutofit/>
+          </a:bodyPr>
+          <a:lstStyle>
+            <a:defPPr>
+              <a:defRPr lang="zh-CN"/>
+            </a:defPPr>
+            <a:lvl1pPr marL="0" algn="l" defTabSz="914400" rtl="0" eaLnBrk="1" latinLnBrk="0" hangingPunct="1">
+              <a:defRPr sz="1200" kern="1200">
+                <a:solidFill>
+                  <a:schemeClr val="tx1">
+                    <a:tint val="75000"/>
+                  </a:schemeClr>
+                </a:solidFill>
+                <a:latin typeface="+mn-lt"/>
+                <a:ea typeface="+mn-ea"/>
+                <a:cs typeface="+mn-cs"/>
+              </a:defRPr>
+            </a:lvl1pPr>
+            <a:lvl2pPr marL="457200" algn="l" defTabSz="914400" rtl="0" eaLnBrk="1" latinLnBrk="0" hangingPunct="1">
+              <a:defRPr sz="1800" kern="1200">
+                <a:solidFill>
+                  <a:schemeClr val="tx1"/>
+                </a:solidFill>
+                <a:latin typeface="+mn-lt"/>
+                <a:ea typeface="+mn-ea"/>
+                <a:cs typeface="+mn-cs"/>
+              </a:defRPr>
+            </a:lvl2pPr>
+            <a:lvl3pPr marL="914400" algn="l" defTabSz="914400" rtl="0" eaLnBrk="1" latinLnBrk="0" hangingPunct="1">
+              <a:defRPr sz="1800" kern="1200">
+                <a:solidFill>
+                  <a:schemeClr val="tx1"/>
+                </a:solidFill>
+                <a:latin typeface="+mn-lt"/>
+                <a:ea typeface="+mn-ea"/>
+                <a:cs typeface="+mn-cs"/>
+              </a:defRPr>
+            </a:lvl3pPr>
+            <a:lvl4pPr marL="1371600" algn="l" defTabSz="914400" rtl="0" eaLnBrk="1" latinLnBrk="0" hangingPunct="1">
+              <a:defRPr sz="1800" kern="1200">
+                <a:solidFill>
+                  <a:schemeClr val="tx1"/>
+                </a:solidFill>
+                <a:latin typeface="+mn-lt"/>
+                <a:ea typeface="+mn-ea"/>
+                <a:cs typeface="+mn-cs"/>
+              </a:defRPr>
+            </a:lvl4pPr>
+            <a:lvl5pPr marL="1828800" algn="l" defTabSz="914400" rtl="0" eaLnBrk="1" latinLnBrk="0" hangingPunct="1">
+              <a:defRPr sz="1800" kern="1200">
+                <a:solidFill>
+                  <a:schemeClr val="tx1"/>
+                </a:solidFill>
+                <a:latin typeface="+mn-lt"/>
+                <a:ea typeface="+mn-ea"/>
+                <a:cs typeface="+mn-cs"/>
+              </a:defRPr>
+            </a:lvl5pPr>
+            <a:lvl6pPr marL="2286000" algn="l" defTabSz="914400" rtl="0" eaLnBrk="1" latinLnBrk="0" hangingPunct="1">
+              <a:defRPr sz="1800" kern="1200">
+                <a:solidFill>
+                  <a:schemeClr val="tx1"/>
+                </a:solidFill>
+                <a:latin typeface="+mn-lt"/>
+                <a:ea typeface="+mn-ea"/>
+                <a:cs typeface="+mn-cs"/>
+              </a:defRPr>
+            </a:lvl6pPr>
+            <a:lvl7pPr marL="2743200" algn="l" defTabSz="914400" rtl="0" eaLnBrk="1" latinLnBrk="0" hangingPunct="1">
+              <a:defRPr sz="1800" kern="1200">
+                <a:solidFill>
+                  <a:schemeClr val="tx1"/>
+                </a:solidFill>
+                <a:latin typeface="+mn-lt"/>
+                <a:ea typeface="+mn-ea"/>
+                <a:cs typeface="+mn-cs"/>
+              </a:defRPr>
+            </a:lvl7pPr>
+            <a:lvl8pPr marL="3200400" algn="l" defTabSz="914400" rtl="0" eaLnBrk="1" latinLnBrk="0" hangingPunct="1">
+              <a:defRPr sz="1800" kern="1200">
+                <a:solidFill>
+                  <a:schemeClr val="tx1"/>
+                </a:solidFill>
+                <a:latin typeface="+mn-lt"/>
+                <a:ea typeface="+mn-ea"/>
+                <a:cs typeface="+mn-cs"/>
+              </a:defRPr>
+            </a:lvl8pPr>
+            <a:lvl9pPr marL="3657600" algn="l" defTabSz="914400" rtl="0" eaLnBrk="1" latinLnBrk="0" hangingPunct="1">
+              <a:defRPr sz="1800" kern="1200">
+                <a:solidFill>
+                  <a:schemeClr val="tx1"/>
+                </a:solidFill>
+                <a:latin typeface="+mn-lt"/>
+                <a:ea typeface="+mn-ea"/>
+                <a:cs typeface="+mn-cs"/>
+              </a:defRPr>
+            </a:lvl9pPr>
+          </a:lstStyle>
+          <a:p>
+            <a:r>
+              <a:rPr lang="zh-CN" altLang="en-US" dirty="0">
+                <a:solidFill>
+                  <a:schemeClr val="tx1">
+                    <a:lumMod val="85000"/>
+                    <a:lumOff val="15000"/>
+                  </a:schemeClr>
+                </a:solidFill>
+              </a:rPr>
+              <a:t>排查问题</a:t>
+            </a:r>
+            <a:r>
+              <a:rPr lang="en-US" altLang="zh-CN" dirty="0">
+                <a:solidFill>
+                  <a:schemeClr val="tx1">
+                    <a:lumMod val="85000"/>
+                    <a:lumOff val="15000"/>
+                  </a:schemeClr>
+                </a:solidFill>
+              </a:rPr>
+              <a:t>—</a:t>
+            </a:r>
+            <a:r>
+              <a:rPr lang="zh-CN" altLang="en-US" dirty="0">
+                <a:solidFill>
+                  <a:schemeClr val="tx1">
+                    <a:lumMod val="85000"/>
+                    <a:lumOff val="15000"/>
+                  </a:schemeClr>
+                </a:solidFill>
+              </a:rPr>
+              <a:t>新老用户</a:t>
+            </a:r>
+          </a:p>
+        </p:txBody>
+      </p:sp>
+      <p:sp>
+        <p:nvSpPr>
+          <p:cNvPr id="24" name="文本框 23">
+            <a:extLst>
+              <a:ext uri="{FF2B5EF4-FFF2-40B4-BE49-F238E27FC236}">
+                <a16:creationId xmlns:a16="http://schemas.microsoft.com/office/drawing/2014/main" id="{E2409CD7-8FF1-A018-603D-607749ECBF97}"/>
+              </a:ext>
+            </a:extLst>
+          </p:cNvPr>
+          <p:cNvSpPr txBox="1"/>
+          <p:nvPr/>
+        </p:nvSpPr>
+        <p:spPr>
+          <a:xfrm>
+            <a:off x="460472" y="1392004"/>
+            <a:ext cx="7923964" cy="307777"/>
+          </a:xfrm>
+          <a:prstGeom prst="rect">
+            <a:avLst/>
+          </a:prstGeom>
+          <a:noFill/>
+        </p:spPr>
+        <p:txBody>
+          <a:bodyPr wrap="none" rtlCol="0">
+            <a:spAutoFit/>
+          </a:bodyPr>
+          <a:lstStyle/>
+          <a:p>
+            <a:r>
+              <a:rPr lang="zh-CN" altLang="en-US" sz="1400" dirty="0"/>
+              <a:t>目前还在排查，但根据数据分析，触发埋点的用户总数差异并不大，只是在新老用户区分上有差异</a:t>
+            </a:r>
+          </a:p>
+        </p:txBody>
+      </p:sp>
+      <p:pic>
+        <p:nvPicPr>
+          <p:cNvPr id="6" name="图片 5">
+            <a:extLst>
+              <a:ext uri="{FF2B5EF4-FFF2-40B4-BE49-F238E27FC236}">
+                <a16:creationId xmlns:a16="http://schemas.microsoft.com/office/drawing/2014/main" id="{043FFCD8-CC99-E267-24C8-42C7A20B5645}"/>
+              </a:ext>
+            </a:extLst>
+          </p:cNvPr>
+          <p:cNvPicPr>
+            <a:picLocks noChangeAspect="1"/>
+          </p:cNvPicPr>
+          <p:nvPr/>
+        </p:nvPicPr>
+        <p:blipFill>
+          <a:blip r:embed="rId3"/>
+          <a:stretch>
+            <a:fillRect/>
+          </a:stretch>
+        </p:blipFill>
+        <p:spPr>
+          <a:xfrm>
+            <a:off x="568515" y="1847292"/>
+            <a:ext cx="7625797" cy="2560662"/>
+          </a:xfrm>
+          <a:prstGeom prst="rect">
+            <a:avLst/>
+          </a:prstGeom>
+        </p:spPr>
+      </p:pic>
+    </p:spTree>
+    <p:extLst>
+      <p:ext uri="{BB962C8B-B14F-4D97-AF65-F5344CB8AC3E}">
+        <p14:creationId xmlns:p14="http://schemas.microsoft.com/office/powerpoint/2010/main" val="2062785279"/>
+      </p:ext>
+    </p:extLst>
+  </p:cSld>
+  <p:clrMapOvr>
+    <a:masterClrMapping/>
+  </p:clrMapOvr>
+</p:sld>
+</file>
+
+<file path=ppt/slides/slide2.xml><?xml version="1.0" encoding="utf-8"?>
+<p:sld xmlns:a="http://schemas.openxmlformats.org/drawingml/2006/main" xmlns:r="http://schemas.openxmlformats.org/officeDocument/2006/relationships" xmlns:p="http://schemas.openxmlformats.org/presentationml/2006/main">
+  <p:cSld>
+    <p:spTree>
+      <p:nvGrpSpPr>
+        <p:cNvPr id="1" name=""/>
+        <p:cNvGrpSpPr/>
+        <p:nvPr/>
+      </p:nvGrpSpPr>
+      <p:grpSpPr>
+        <a:xfrm>
+          <a:off x="0" y="0"/>
+          <a:ext cx="0" cy="0"/>
+          <a:chOff x="0" y="0"/>
+          <a:chExt cx="0" cy="0"/>
+        </a:xfrm>
+      </p:grpSpPr>
+      <p:grpSp>
+        <p:nvGrpSpPr>
+          <p:cNvPr id="44" name="组合 43"/>
+          <p:cNvGrpSpPr/>
+          <p:nvPr/>
+        </p:nvGrpSpPr>
+        <p:grpSpPr>
+          <a:xfrm>
+            <a:off x="3847297" y="997856"/>
+            <a:ext cx="1860653" cy="3147788"/>
+            <a:chOff x="4258937" y="915566"/>
+            <a:chExt cx="1860653" cy="3147788"/>
+          </a:xfrm>
+        </p:grpSpPr>
+        <p:grpSp>
+          <p:nvGrpSpPr>
+            <p:cNvPr id="19" name="Group 4"/>
+            <p:cNvGrpSpPr/>
+            <p:nvPr/>
+          </p:nvGrpSpPr>
+          <p:grpSpPr bwMode="auto">
+            <a:xfrm>
+              <a:off x="4258937" y="915566"/>
+              <a:ext cx="1860652" cy="483492"/>
+              <a:chOff x="452638" y="123453"/>
+              <a:chExt cx="1860705" cy="483492"/>
+            </a:xfrm>
+          </p:grpSpPr>
+          <p:sp>
+            <p:nvSpPr>
+              <p:cNvPr id="20" name="椭圆 3"/>
+              <p:cNvSpPr>
+                <a:spLocks noChangeArrowheads="1"/>
+              </p:cNvSpPr>
+              <p:nvPr/>
+            </p:nvSpPr>
+            <p:spPr bwMode="auto">
+              <a:xfrm>
+                <a:off x="452638" y="123453"/>
+                <a:ext cx="483493" cy="483492"/>
+              </a:xfrm>
+              <a:prstGeom prst="ellipse">
+                <a:avLst/>
+              </a:prstGeom>
+              <a:solidFill>
+                <a:srgbClr val="00B6F6"/>
+              </a:solidFill>
+              <a:ln w="9525">
+                <a:noFill/>
+                <a:round/>
+              </a:ln>
+            </p:spPr>
+            <p:txBody>
+              <a:bodyPr anchor="ctr"/>
+              <a:lstStyle/>
+              <a:p>
+                <a:pPr algn="ctr" eaLnBrk="1" hangingPunct="1"/>
+                <a:r>
+                  <a:rPr lang="en-US" sz="2400" dirty="0">
+                    <a:solidFill>
+                      <a:schemeClr val="bg1"/>
+                    </a:solidFill>
+                    <a:latin typeface="Impact" panose="020B0806030902050204" pitchFamily="34" charset="0"/>
+                  </a:rPr>
+                  <a:t>1</a:t>
+                </a:r>
+                <a:endParaRPr lang="zh-CN" altLang="en-US" sz="2400" dirty="0">
+                  <a:solidFill>
+                    <a:schemeClr val="bg1"/>
+                  </a:solidFill>
+                  <a:latin typeface="Impact" panose="020B0806030902050204" pitchFamily="34" charset="0"/>
+                </a:endParaRPr>
+              </a:p>
+            </p:txBody>
+          </p:sp>
+          <p:sp>
+            <p:nvSpPr>
+              <p:cNvPr id="21" name="文本框 1"/>
+              <p:cNvSpPr txBox="1">
+                <a:spLocks noChangeArrowheads="1"/>
+              </p:cNvSpPr>
+              <p:nvPr/>
+            </p:nvSpPr>
+            <p:spPr bwMode="auto">
+              <a:xfrm>
+                <a:off x="1000126" y="165144"/>
+                <a:ext cx="1313217" cy="430887"/>
+              </a:xfrm>
+              <a:prstGeom prst="rect">
+                <a:avLst/>
+              </a:prstGeom>
+              <a:noFill/>
+              <a:ln w="9525">
+                <a:noFill/>
+                <a:miter lim="800000"/>
+              </a:ln>
+            </p:spPr>
+            <p:txBody>
+              <a:bodyPr wrap="none">
+                <a:spAutoFit/>
+              </a:bodyPr>
+              <a:lstStyle/>
+              <a:p>
+                <a:pPr eaLnBrk="1" hangingPunct="1"/>
+                <a:r>
+                  <a:rPr lang="zh-CN" altLang="en-US" sz="2200" dirty="0">
+                    <a:solidFill>
+                      <a:schemeClr val="tx1">
+                        <a:lumMod val="75000"/>
+                        <a:lumOff val="25000"/>
+                      </a:schemeClr>
+                    </a:solidFill>
+                    <a:latin typeface="微软雅黑" panose="020B0503020204020204" pitchFamily="34" charset="-122"/>
+                    <a:ea typeface="微软雅黑" panose="020B0503020204020204" pitchFamily="34" charset="-122"/>
+                  </a:rPr>
+                  <a:t>工作内容</a:t>
+                </a:r>
+              </a:p>
+            </p:txBody>
+          </p:sp>
+        </p:grpSp>
+        <p:grpSp>
+          <p:nvGrpSpPr>
+            <p:cNvPr id="32" name="Group 4"/>
+            <p:cNvGrpSpPr/>
+            <p:nvPr/>
+          </p:nvGrpSpPr>
+          <p:grpSpPr bwMode="auto">
+            <a:xfrm>
+              <a:off x="4258937" y="1803665"/>
+              <a:ext cx="1860653" cy="483492"/>
+              <a:chOff x="452638" y="123453"/>
+              <a:chExt cx="1860705" cy="483492"/>
+            </a:xfrm>
+          </p:grpSpPr>
+          <p:sp>
+            <p:nvSpPr>
+              <p:cNvPr id="33" name="椭圆 3"/>
+              <p:cNvSpPr>
+                <a:spLocks noChangeArrowheads="1"/>
+              </p:cNvSpPr>
+              <p:nvPr/>
+            </p:nvSpPr>
+            <p:spPr bwMode="auto">
+              <a:xfrm>
+                <a:off x="452638" y="123453"/>
+                <a:ext cx="483493" cy="483492"/>
+              </a:xfrm>
+              <a:prstGeom prst="ellipse">
+                <a:avLst/>
+              </a:prstGeom>
+              <a:solidFill>
+                <a:srgbClr val="00B6F6"/>
+              </a:solidFill>
+              <a:ln w="9525">
+                <a:noFill/>
+                <a:round/>
+              </a:ln>
+            </p:spPr>
+            <p:txBody>
+              <a:bodyPr anchor="ctr"/>
+              <a:lstStyle/>
+              <a:p>
+                <a:pPr algn="ctr" eaLnBrk="1" hangingPunct="1"/>
+                <a:r>
+                  <a:rPr lang="en-US" sz="2400" dirty="0">
+                    <a:solidFill>
+                      <a:schemeClr val="bg1"/>
+                    </a:solidFill>
+                    <a:latin typeface="Impact" panose="020B0806030902050204" pitchFamily="34" charset="0"/>
+                  </a:rPr>
+                  <a:t>2</a:t>
+                </a:r>
+                <a:endParaRPr lang="zh-CN" altLang="en-US" sz="2400" dirty="0">
+                  <a:solidFill>
+                    <a:schemeClr val="bg1"/>
+                  </a:solidFill>
+                  <a:latin typeface="Impact" panose="020B0806030902050204" pitchFamily="34" charset="0"/>
+                </a:endParaRPr>
+              </a:p>
+            </p:txBody>
+          </p:sp>
+          <p:sp>
+            <p:nvSpPr>
+              <p:cNvPr id="34" name="文本框 1"/>
+              <p:cNvSpPr txBox="1">
+                <a:spLocks noChangeArrowheads="1"/>
+              </p:cNvSpPr>
+              <p:nvPr/>
+            </p:nvSpPr>
+            <p:spPr bwMode="auto">
+              <a:xfrm>
+                <a:off x="1000126" y="165144"/>
+                <a:ext cx="1313217" cy="430887"/>
+              </a:xfrm>
+              <a:prstGeom prst="rect">
+                <a:avLst/>
+              </a:prstGeom>
+              <a:noFill/>
+              <a:ln w="9525">
+                <a:noFill/>
+                <a:miter lim="800000"/>
+              </a:ln>
+            </p:spPr>
+            <p:txBody>
+              <a:bodyPr wrap="none">
+                <a:spAutoFit/>
+              </a:bodyPr>
+              <a:lstStyle/>
+              <a:p>
+                <a:pPr eaLnBrk="1" hangingPunct="1"/>
+                <a:r>
+                  <a:rPr lang="zh-CN" altLang="en-US" sz="2200" dirty="0">
+                    <a:solidFill>
+                      <a:schemeClr val="tx1">
+                        <a:lumMod val="75000"/>
+                        <a:lumOff val="25000"/>
+                      </a:schemeClr>
+                    </a:solidFill>
+                    <a:latin typeface="微软雅黑" panose="020B0503020204020204" pitchFamily="34" charset="-122"/>
+                    <a:ea typeface="微软雅黑" panose="020B0503020204020204" pitchFamily="34" charset="-122"/>
+                  </a:rPr>
+                  <a:t>收获提升</a:t>
+                </a:r>
+              </a:p>
+            </p:txBody>
+          </p:sp>
+        </p:grpSp>
+        <p:grpSp>
+          <p:nvGrpSpPr>
+            <p:cNvPr id="35" name="Group 4"/>
+            <p:cNvGrpSpPr/>
+            <p:nvPr/>
+          </p:nvGrpSpPr>
+          <p:grpSpPr bwMode="auto">
+            <a:xfrm>
+              <a:off x="4258937" y="2691764"/>
+              <a:ext cx="1860652" cy="483492"/>
+              <a:chOff x="452638" y="123453"/>
+              <a:chExt cx="1860706" cy="483492"/>
+            </a:xfrm>
+          </p:grpSpPr>
+          <p:sp>
+            <p:nvSpPr>
+              <p:cNvPr id="36" name="椭圆 3"/>
+              <p:cNvSpPr>
+                <a:spLocks noChangeArrowheads="1"/>
+              </p:cNvSpPr>
+              <p:nvPr/>
+            </p:nvSpPr>
+            <p:spPr bwMode="auto">
+              <a:xfrm>
+                <a:off x="452638" y="123453"/>
+                <a:ext cx="483493" cy="483492"/>
+              </a:xfrm>
+              <a:prstGeom prst="ellipse">
+                <a:avLst/>
+              </a:prstGeom>
+              <a:solidFill>
+                <a:srgbClr val="00B6F6"/>
+              </a:solidFill>
+              <a:ln w="9525">
+                <a:noFill/>
+                <a:round/>
+              </a:ln>
+            </p:spPr>
+            <p:txBody>
+              <a:bodyPr anchor="ctr"/>
+              <a:lstStyle/>
+              <a:p>
+                <a:pPr algn="ctr" eaLnBrk="1" hangingPunct="1"/>
+                <a:r>
+                  <a:rPr lang="en-US" sz="2400" dirty="0">
+                    <a:solidFill>
+                      <a:schemeClr val="bg1"/>
+                    </a:solidFill>
+                    <a:latin typeface="Impact" panose="020B0806030902050204" pitchFamily="34" charset="0"/>
+                  </a:rPr>
+                  <a:t>3</a:t>
+                </a:r>
+                <a:endParaRPr lang="zh-CN" altLang="en-US" sz="2400" dirty="0">
+                  <a:solidFill>
+                    <a:schemeClr val="bg1"/>
+                  </a:solidFill>
+                  <a:latin typeface="Impact" panose="020B0806030902050204" pitchFamily="34" charset="0"/>
+                </a:endParaRPr>
+              </a:p>
+            </p:txBody>
+          </p:sp>
+          <p:sp>
+            <p:nvSpPr>
+              <p:cNvPr id="37" name="文本框 1"/>
+              <p:cNvSpPr txBox="1">
+                <a:spLocks noChangeArrowheads="1"/>
+              </p:cNvSpPr>
+              <p:nvPr/>
+            </p:nvSpPr>
+            <p:spPr bwMode="auto">
+              <a:xfrm>
+                <a:off x="1000126" y="165144"/>
+                <a:ext cx="1313218" cy="430887"/>
+              </a:xfrm>
+              <a:prstGeom prst="rect">
+                <a:avLst/>
+              </a:prstGeom>
+              <a:noFill/>
+              <a:ln w="9525">
+                <a:noFill/>
+                <a:miter lim="800000"/>
+              </a:ln>
+            </p:spPr>
+            <p:txBody>
+              <a:bodyPr wrap="none">
+                <a:spAutoFit/>
+              </a:bodyPr>
+              <a:lstStyle/>
+              <a:p>
+                <a:pPr eaLnBrk="1" hangingPunct="1"/>
+                <a:r>
+                  <a:rPr lang="zh-CN" altLang="en-US" sz="2200" dirty="0">
+                    <a:solidFill>
+                      <a:schemeClr val="tx1">
+                        <a:lumMod val="75000"/>
+                        <a:lumOff val="25000"/>
+                      </a:schemeClr>
+                    </a:solidFill>
+                    <a:latin typeface="微软雅黑" panose="020B0503020204020204" pitchFamily="34" charset="-122"/>
+                    <a:ea typeface="微软雅黑" panose="020B0503020204020204" pitchFamily="34" charset="-122"/>
+                  </a:rPr>
+                  <a:t>个人总结</a:t>
+                </a:r>
+              </a:p>
+            </p:txBody>
+          </p:sp>
+        </p:grpSp>
+        <p:grpSp>
+          <p:nvGrpSpPr>
+            <p:cNvPr id="38" name="Group 4"/>
+            <p:cNvGrpSpPr/>
+            <p:nvPr/>
+          </p:nvGrpSpPr>
+          <p:grpSpPr bwMode="auto">
+            <a:xfrm>
+              <a:off x="4258937" y="3579862"/>
+              <a:ext cx="1860652" cy="483492"/>
+              <a:chOff x="452638" y="123453"/>
+              <a:chExt cx="1860705" cy="483492"/>
+            </a:xfrm>
+          </p:grpSpPr>
+          <p:sp>
+            <p:nvSpPr>
+              <p:cNvPr id="39" name="椭圆 3"/>
+              <p:cNvSpPr>
+                <a:spLocks noChangeArrowheads="1"/>
+              </p:cNvSpPr>
+              <p:nvPr/>
+            </p:nvSpPr>
+            <p:spPr bwMode="auto">
+              <a:xfrm>
+                <a:off x="452638" y="123453"/>
+                <a:ext cx="483493" cy="483492"/>
+              </a:xfrm>
+              <a:prstGeom prst="ellipse">
+                <a:avLst/>
+              </a:prstGeom>
+              <a:solidFill>
+                <a:srgbClr val="00B6F6"/>
+              </a:solidFill>
+              <a:ln w="9525">
+                <a:noFill/>
+                <a:round/>
+              </a:ln>
+            </p:spPr>
+            <p:txBody>
+              <a:bodyPr anchor="ctr"/>
+              <a:lstStyle/>
+              <a:p>
+                <a:pPr algn="ctr" eaLnBrk="1" hangingPunct="1"/>
+                <a:r>
+                  <a:rPr lang="en-US" sz="2400" dirty="0">
+                    <a:solidFill>
+                      <a:schemeClr val="bg1"/>
+                    </a:solidFill>
+                    <a:latin typeface="Impact" panose="020B0806030902050204" pitchFamily="34" charset="0"/>
+                  </a:rPr>
+                  <a:t>4</a:t>
+                </a:r>
+                <a:endParaRPr lang="zh-CN" altLang="en-US" sz="2400" dirty="0">
+                  <a:solidFill>
+                    <a:schemeClr val="bg1"/>
+                  </a:solidFill>
+                  <a:latin typeface="Impact" panose="020B0806030902050204" pitchFamily="34" charset="0"/>
+                </a:endParaRPr>
+              </a:p>
+            </p:txBody>
+          </p:sp>
+          <p:sp>
+            <p:nvSpPr>
+              <p:cNvPr id="40" name="文本框 1"/>
+              <p:cNvSpPr txBox="1">
+                <a:spLocks noChangeArrowheads="1"/>
+              </p:cNvSpPr>
+              <p:nvPr/>
+            </p:nvSpPr>
+            <p:spPr bwMode="auto">
+              <a:xfrm>
+                <a:off x="1000126" y="165144"/>
+                <a:ext cx="1313217" cy="430887"/>
+              </a:xfrm>
+              <a:prstGeom prst="rect">
+                <a:avLst/>
+              </a:prstGeom>
+              <a:noFill/>
+              <a:ln w="9525">
+                <a:noFill/>
+                <a:miter lim="800000"/>
+              </a:ln>
+            </p:spPr>
+            <p:txBody>
+              <a:bodyPr wrap="none">
+                <a:spAutoFit/>
+              </a:bodyPr>
+              <a:lstStyle/>
+              <a:p>
+                <a:pPr eaLnBrk="1" hangingPunct="1"/>
+                <a:r>
+                  <a:rPr lang="zh-CN" altLang="en-US" sz="2200" dirty="0">
+                    <a:solidFill>
+                      <a:schemeClr val="tx1">
+                        <a:lumMod val="75000"/>
+                        <a:lumOff val="25000"/>
+                      </a:schemeClr>
+                    </a:solidFill>
+                    <a:latin typeface="微软雅黑" panose="020B0503020204020204" pitchFamily="34" charset="-122"/>
+                    <a:ea typeface="微软雅黑" panose="020B0503020204020204" pitchFamily="34" charset="-122"/>
+                  </a:rPr>
+                  <a:t>发展规划</a:t>
+                </a:r>
+              </a:p>
+            </p:txBody>
+          </p:sp>
+        </p:grpSp>
+      </p:grpSp>
+      <p:cxnSp>
+        <p:nvCxnSpPr>
+          <p:cNvPr id="42" name="直接连接符 41"/>
+          <p:cNvCxnSpPr/>
+          <p:nvPr/>
+        </p:nvCxnSpPr>
+        <p:spPr>
+          <a:xfrm>
+            <a:off x="3347864" y="483518"/>
+            <a:ext cx="0" cy="4176464"/>
+          </a:xfrm>
+          <a:prstGeom prst="line">
+            <a:avLst/>
+          </a:prstGeom>
+          <a:ln>
+            <a:solidFill>
+              <a:schemeClr val="accent1">
+                <a:lumMod val="60000"/>
+                <a:lumOff val="40000"/>
+              </a:schemeClr>
+            </a:solidFill>
+          </a:ln>
+        </p:spPr>
+        <p:style>
+          <a:lnRef idx="1">
+            <a:schemeClr val="accent5"/>
+          </a:lnRef>
+          <a:fillRef idx="0">
+            <a:schemeClr val="accent5"/>
+          </a:fillRef>
+          <a:effectRef idx="0">
+            <a:schemeClr val="accent5"/>
+          </a:effectRef>
+          <a:fontRef idx="minor">
+            <a:schemeClr val="tx1"/>
+          </a:fontRef>
+        </p:style>
+      </p:cxnSp>
+      <p:sp>
+        <p:nvSpPr>
+          <p:cNvPr id="43" name="文本框 9"/>
+          <p:cNvSpPr txBox="1">
+            <a:spLocks noChangeArrowheads="1"/>
+          </p:cNvSpPr>
+          <p:nvPr/>
+        </p:nvSpPr>
+        <p:spPr bwMode="auto">
+          <a:xfrm>
+            <a:off x="467544" y="2248585"/>
+            <a:ext cx="2662780" cy="646331"/>
+          </a:xfrm>
+          <a:prstGeom prst="rect">
+            <a:avLst/>
+          </a:prstGeom>
+          <a:noFill/>
+          <a:ln w="9525">
+            <a:noFill/>
+            <a:miter lim="800000"/>
+          </a:ln>
+        </p:spPr>
+        <p:txBody>
+          <a:bodyPr wrap="none">
+            <a:spAutoFit/>
+          </a:bodyPr>
+          <a:lstStyle/>
+          <a:p>
+            <a:pPr algn="ctr" eaLnBrk="1" hangingPunct="1"/>
+            <a:r>
+              <a:rPr lang="en-US" altLang="en-US" sz="3600" dirty="0">
+                <a:solidFill>
+                  <a:schemeClr val="tx1">
+                    <a:lumMod val="75000"/>
+                    <a:lumOff val="25000"/>
+                  </a:schemeClr>
+                </a:solidFill>
+                <a:latin typeface="微软雅黑" panose="020B0503020204020204" pitchFamily="34" charset="-122"/>
+                <a:ea typeface="微软雅黑" panose="020B0503020204020204" pitchFamily="34" charset="-122"/>
+              </a:rPr>
+              <a:t>CONTENTS</a:t>
+            </a:r>
+            <a:endParaRPr lang="zh-CN" altLang="en-US" sz="3600" dirty="0">
+              <a:solidFill>
+                <a:schemeClr val="tx1">
+                  <a:lumMod val="75000"/>
+                  <a:lumOff val="25000"/>
+                </a:schemeClr>
+              </a:solidFill>
+              <a:latin typeface="微软雅黑" panose="020B0503020204020204" pitchFamily="34" charset="-122"/>
+              <a:ea typeface="微软雅黑" panose="020B0503020204020204" pitchFamily="34" charset="-122"/>
+            </a:endParaRPr>
+          </a:p>
+        </p:txBody>
+      </p:sp>
+    </p:spTree>
+  </p:cSld>
+  <p:clrMapOvr>
+    <a:masterClrMapping/>
+  </p:clrMapOvr>
+</p:sld>
+</file>
+
+<file path=ppt/slides/slide20.xml><?xml version="1.0" encoding="utf-8"?>
+<p:sld xmlns:a="http://schemas.openxmlformats.org/drawingml/2006/main" xmlns:r="http://schemas.openxmlformats.org/officeDocument/2006/relationships" xmlns:p="http://schemas.openxmlformats.org/presentationml/2006/main">
+  <p:cSld>
+    <p:spTree>
+      <p:nvGrpSpPr>
+        <p:cNvPr id="1" name=""/>
+        <p:cNvGrpSpPr/>
+        <p:nvPr/>
+      </p:nvGrpSpPr>
+      <p:grpSpPr>
+        <a:xfrm>
+          <a:off x="0" y="0"/>
+          <a:ext cx="0" cy="0"/>
+          <a:chOff x="0" y="0"/>
+          <a:chExt cx="0" cy="0"/>
+        </a:xfrm>
+      </p:grpSpPr>
+      <p:grpSp>
+        <p:nvGrpSpPr>
+          <p:cNvPr id="2" name="组合 1">
+            <a:extLst>
+              <a:ext uri="{FF2B5EF4-FFF2-40B4-BE49-F238E27FC236}">
+                <a16:creationId xmlns:a16="http://schemas.microsoft.com/office/drawing/2014/main" id="{72F36741-B1C2-A61D-98E1-869F5FD028FB}"/>
+              </a:ext>
+            </a:extLst>
+          </p:cNvPr>
+          <p:cNvGrpSpPr/>
+          <p:nvPr/>
+        </p:nvGrpSpPr>
+        <p:grpSpPr>
+          <a:xfrm>
+            <a:off x="-180528" y="104314"/>
+            <a:ext cx="2143348" cy="523220"/>
+            <a:chOff x="18335" y="51470"/>
+            <a:chExt cx="2143348" cy="523220"/>
+          </a:xfrm>
+        </p:grpSpPr>
+        <p:sp>
+          <p:nvSpPr>
+            <p:cNvPr id="3" name="矩形 2">
+              <a:extLst>
+                <a:ext uri="{FF2B5EF4-FFF2-40B4-BE49-F238E27FC236}">
+                  <a16:creationId xmlns:a16="http://schemas.microsoft.com/office/drawing/2014/main" id="{5BDA9915-5D9D-4FF5-C7A9-574A8EBBD388}"/>
+                </a:ext>
+              </a:extLst>
+            </p:cNvPr>
+            <p:cNvSpPr/>
+            <p:nvPr/>
+          </p:nvSpPr>
+          <p:spPr>
+            <a:xfrm>
+              <a:off x="540726" y="51470"/>
+              <a:ext cx="1620957" cy="523220"/>
+            </a:xfrm>
+            <a:prstGeom prst="rect">
+              <a:avLst/>
+            </a:prstGeom>
+          </p:spPr>
+          <p:txBody>
+            <a:bodyPr wrap="none">
+              <a:spAutoFit/>
+            </a:bodyPr>
+            <a:lstStyle/>
+            <a:p>
+              <a:pPr eaLnBrk="1" hangingPunct="1"/>
+              <a:r>
+                <a:rPr lang="zh-CN" altLang="en-US" sz="2800" b="1" dirty="0">
+                  <a:solidFill>
+                    <a:schemeClr val="tx1">
+                      <a:lumMod val="75000"/>
+                      <a:lumOff val="25000"/>
+                    </a:schemeClr>
+                  </a:solidFill>
+                  <a:latin typeface="微软雅黑" panose="020B0503020204020204" pitchFamily="34" charset="-122"/>
+                  <a:ea typeface="微软雅黑" panose="020B0503020204020204" pitchFamily="34" charset="-122"/>
+                </a:rPr>
+                <a:t>工作内容</a:t>
+              </a:r>
+            </a:p>
+          </p:txBody>
+        </p:sp>
+        <p:sp>
+          <p:nvSpPr>
+            <p:cNvPr id="4" name="椭圆 3">
+              <a:extLst>
+                <a:ext uri="{FF2B5EF4-FFF2-40B4-BE49-F238E27FC236}">
+                  <a16:creationId xmlns:a16="http://schemas.microsoft.com/office/drawing/2014/main" id="{12C3ED70-8BC2-7F2E-407B-B88E63E97D3E}"/>
+                </a:ext>
+              </a:extLst>
+            </p:cNvPr>
+            <p:cNvSpPr>
+              <a:spLocks noChangeArrowheads="1"/>
+            </p:cNvSpPr>
+            <p:nvPr/>
+          </p:nvSpPr>
+          <p:spPr bwMode="auto">
+            <a:xfrm>
+              <a:off x="18335" y="133060"/>
+              <a:ext cx="483479" cy="360040"/>
+            </a:xfrm>
+            <a:prstGeom prst="chevron">
+              <a:avLst>
+                <a:gd name="adj" fmla="val 34239"/>
+              </a:avLst>
+            </a:prstGeom>
+            <a:solidFill>
+              <a:srgbClr val="00B6F6"/>
+            </a:solidFill>
+            <a:ln w="9525">
+              <a:noFill/>
+              <a:round/>
+            </a:ln>
+          </p:spPr>
+          <p:txBody>
+            <a:bodyPr anchor="ctr"/>
+            <a:lstStyle/>
+            <a:p>
+              <a:pPr algn="ctr" eaLnBrk="1" hangingPunct="1"/>
+              <a:endParaRPr lang="zh-CN" altLang="en-US" sz="2400" dirty="0">
+                <a:solidFill>
+                  <a:schemeClr val="bg1"/>
+                </a:solidFill>
+                <a:latin typeface="Impact" panose="020B0806030902050204" pitchFamily="34" charset="0"/>
+              </a:endParaRPr>
+            </a:p>
+          </p:txBody>
+        </p:sp>
+      </p:grpSp>
+      <p:sp>
+        <p:nvSpPr>
+          <p:cNvPr id="5" name="箭头: V 形 4">
+            <a:extLst>
+              <a:ext uri="{FF2B5EF4-FFF2-40B4-BE49-F238E27FC236}">
+                <a16:creationId xmlns:a16="http://schemas.microsoft.com/office/drawing/2014/main" id="{37A8B3AE-8D43-31FD-69B3-1C427BD15872}"/>
+              </a:ext>
+            </a:extLst>
+          </p:cNvPr>
+          <p:cNvSpPr/>
+          <p:nvPr/>
+        </p:nvSpPr>
+        <p:spPr>
+          <a:xfrm>
+            <a:off x="424499" y="735546"/>
+            <a:ext cx="144016" cy="144016"/>
+          </a:xfrm>
+          <a:prstGeom prst="chevron">
+            <a:avLst/>
+          </a:prstGeom>
+          <a:ln>
+            <a:noFill/>
+          </a:ln>
+        </p:spPr>
+        <p:style>
+          <a:lnRef idx="2">
+            <a:schemeClr val="accent1">
+              <a:shade val="50000"/>
+            </a:schemeClr>
+          </a:lnRef>
+          <a:fillRef idx="1">
+            <a:schemeClr val="accent1"/>
+          </a:fillRef>
+          <a:effectRef idx="0">
+            <a:schemeClr val="accent1"/>
+          </a:effectRef>
+          <a:fontRef idx="minor">
+            <a:schemeClr val="lt1"/>
+          </a:fontRef>
+        </p:style>
+        <p:txBody>
+          <a:bodyPr rtlCol="0" anchor="ctr"/>
+          <a:lstStyle/>
+          <a:p>
+            <a:pPr algn="ctr"/>
+            <a:endParaRPr lang="zh-CN" altLang="en-US">
+              <a:solidFill>
+                <a:schemeClr val="tx1"/>
+              </a:solidFill>
+            </a:endParaRPr>
+          </a:p>
+        </p:txBody>
+      </p:sp>
+      <p:sp>
+        <p:nvSpPr>
+          <p:cNvPr id="7" name="箭头: V 形 6">
+            <a:extLst>
+              <a:ext uri="{FF2B5EF4-FFF2-40B4-BE49-F238E27FC236}">
+                <a16:creationId xmlns:a16="http://schemas.microsoft.com/office/drawing/2014/main" id="{5956A372-EB88-944C-C450-AD8E898E096F}"/>
+              </a:ext>
+            </a:extLst>
+          </p:cNvPr>
+          <p:cNvSpPr/>
+          <p:nvPr/>
+        </p:nvSpPr>
+        <p:spPr>
+          <a:xfrm>
+            <a:off x="535419" y="735546"/>
+            <a:ext cx="144016" cy="144016"/>
+          </a:xfrm>
+          <a:prstGeom prst="chevron">
+            <a:avLst/>
+          </a:prstGeom>
+          <a:ln>
+            <a:noFill/>
+          </a:ln>
+        </p:spPr>
+        <p:style>
+          <a:lnRef idx="2">
+            <a:schemeClr val="accent1">
+              <a:shade val="50000"/>
+            </a:schemeClr>
+          </a:lnRef>
+          <a:fillRef idx="1">
+            <a:schemeClr val="accent1"/>
+          </a:fillRef>
+          <a:effectRef idx="0">
+            <a:schemeClr val="accent1"/>
+          </a:effectRef>
+          <a:fontRef idx="minor">
+            <a:schemeClr val="lt1"/>
+          </a:fontRef>
+        </p:style>
+        <p:txBody>
+          <a:bodyPr rtlCol="0" anchor="ctr"/>
+          <a:lstStyle/>
+          <a:p>
+            <a:pPr algn="ctr"/>
+            <a:endParaRPr lang="zh-CN" altLang="en-US">
+              <a:solidFill>
+                <a:schemeClr val="tx1"/>
+              </a:solidFill>
+            </a:endParaRPr>
+          </a:p>
+        </p:txBody>
+      </p:sp>
+      <p:sp>
+        <p:nvSpPr>
+          <p:cNvPr id="8" name="箭头: V 形 7">
+            <a:extLst>
+              <a:ext uri="{FF2B5EF4-FFF2-40B4-BE49-F238E27FC236}">
+                <a16:creationId xmlns:a16="http://schemas.microsoft.com/office/drawing/2014/main" id="{723A9A7E-09C1-B3C7-5F97-21A26BDD5445}"/>
+              </a:ext>
+            </a:extLst>
+          </p:cNvPr>
+          <p:cNvSpPr/>
+          <p:nvPr/>
+        </p:nvSpPr>
+        <p:spPr>
+          <a:xfrm>
+            <a:off x="646339" y="735546"/>
+            <a:ext cx="144016" cy="144016"/>
+          </a:xfrm>
+          <a:prstGeom prst="chevron">
+            <a:avLst/>
+          </a:prstGeom>
+          <a:ln>
+            <a:noFill/>
+          </a:ln>
+        </p:spPr>
+        <p:style>
+          <a:lnRef idx="2">
+            <a:schemeClr val="accent1">
+              <a:shade val="50000"/>
+            </a:schemeClr>
+          </a:lnRef>
+          <a:fillRef idx="1">
+            <a:schemeClr val="accent1"/>
+          </a:fillRef>
+          <a:effectRef idx="0">
+            <a:schemeClr val="accent1"/>
+          </a:effectRef>
+          <a:fontRef idx="minor">
+            <a:schemeClr val="lt1"/>
+          </a:fontRef>
+        </p:style>
+        <p:txBody>
+          <a:bodyPr rtlCol="0" anchor="ctr"/>
+          <a:lstStyle/>
+          <a:p>
+            <a:pPr algn="ctr"/>
+            <a:endParaRPr lang="zh-CN" altLang="en-US">
+              <a:solidFill>
+                <a:schemeClr val="tx1"/>
+              </a:solidFill>
+            </a:endParaRPr>
+          </a:p>
+        </p:txBody>
+      </p:sp>
+      <p:sp>
+        <p:nvSpPr>
+          <p:cNvPr id="9" name="文本框 8">
+            <a:extLst>
+              <a:ext uri="{FF2B5EF4-FFF2-40B4-BE49-F238E27FC236}">
+                <a16:creationId xmlns:a16="http://schemas.microsoft.com/office/drawing/2014/main" id="{40848FCE-620B-D6C6-3627-637614FA0C3F}"/>
+              </a:ext>
+            </a:extLst>
+          </p:cNvPr>
+          <p:cNvSpPr txBox="1"/>
+          <p:nvPr/>
+        </p:nvSpPr>
+        <p:spPr>
+          <a:xfrm>
+            <a:off x="819542" y="659160"/>
+            <a:ext cx="1082348" cy="307777"/>
+          </a:xfrm>
+          <a:prstGeom prst="rect">
+            <a:avLst/>
+          </a:prstGeom>
+          <a:noFill/>
+        </p:spPr>
+        <p:txBody>
+          <a:bodyPr wrap="none" rtlCol="0">
+            <a:spAutoFit/>
+          </a:bodyPr>
+          <a:lstStyle/>
+          <a:p>
+            <a:r>
+              <a:rPr lang="en-US" altLang="zh-CN" sz="1400" dirty="0">
+                <a:solidFill>
+                  <a:srgbClr val="007CC8"/>
+                </a:solidFill>
+                <a:latin typeface="黑体" panose="02010609060101010101" pitchFamily="49" charset="-122"/>
+                <a:ea typeface="黑体" panose="02010609060101010101" pitchFamily="49" charset="-122"/>
+              </a:rPr>
+              <a:t>Ga</a:t>
+            </a:r>
+            <a:r>
+              <a:rPr lang="zh-CN" altLang="en-US" sz="1400" dirty="0">
+                <a:solidFill>
+                  <a:srgbClr val="007CC8"/>
+                </a:solidFill>
+                <a:latin typeface="黑体" panose="02010609060101010101" pitchFamily="49" charset="-122"/>
+                <a:ea typeface="黑体" panose="02010609060101010101" pitchFamily="49" charset="-122"/>
+              </a:rPr>
+              <a:t>埋点工具</a:t>
+            </a:r>
+          </a:p>
+        </p:txBody>
+      </p:sp>
+      <p:cxnSp>
+        <p:nvCxnSpPr>
+          <p:cNvPr id="10" name="直接连接符 9">
+            <a:extLst>
+              <a:ext uri="{FF2B5EF4-FFF2-40B4-BE49-F238E27FC236}">
+                <a16:creationId xmlns:a16="http://schemas.microsoft.com/office/drawing/2014/main" id="{34B044FE-8875-EF1D-78D5-190959A209E1}"/>
+              </a:ext>
+            </a:extLst>
+          </p:cNvPr>
+          <p:cNvCxnSpPr>
+            <a:cxnSpLocks/>
+          </p:cNvCxnSpPr>
+          <p:nvPr/>
+        </p:nvCxnSpPr>
+        <p:spPr>
+          <a:xfrm>
+            <a:off x="302951" y="987574"/>
+            <a:ext cx="8589529" cy="0"/>
+          </a:xfrm>
+          <a:prstGeom prst="line">
+            <a:avLst/>
+          </a:prstGeom>
+          <a:ln>
+            <a:solidFill>
+              <a:schemeClr val="tx1">
+                <a:lumMod val="50000"/>
+                <a:lumOff val="50000"/>
+              </a:schemeClr>
+            </a:solidFill>
+          </a:ln>
+        </p:spPr>
+        <p:style>
+          <a:lnRef idx="1">
+            <a:schemeClr val="accent1"/>
+          </a:lnRef>
+          <a:fillRef idx="0">
+            <a:schemeClr val="accent1"/>
+          </a:fillRef>
+          <a:effectRef idx="0">
+            <a:schemeClr val="accent1"/>
+          </a:effectRef>
+          <a:fontRef idx="minor">
+            <a:schemeClr val="tx1"/>
+          </a:fontRef>
+        </p:style>
+      </p:cxnSp>
+      <p:sp>
+        <p:nvSpPr>
+          <p:cNvPr id="11" name="矩形 10">
+            <a:extLst>
+              <a:ext uri="{FF2B5EF4-FFF2-40B4-BE49-F238E27FC236}">
+                <a16:creationId xmlns:a16="http://schemas.microsoft.com/office/drawing/2014/main" id="{10148DE3-ECEF-60A8-D3D6-9BC300689B30}"/>
+              </a:ext>
+            </a:extLst>
+          </p:cNvPr>
+          <p:cNvSpPr/>
+          <p:nvPr/>
+        </p:nvSpPr>
+        <p:spPr>
+          <a:xfrm>
+            <a:off x="302951" y="1079510"/>
+            <a:ext cx="84223" cy="276976"/>
+          </a:xfrm>
+          <a:prstGeom prst="rect">
+            <a:avLst/>
+          </a:prstGeom>
+          <a:solidFill>
+            <a:srgbClr val="00B6F6"/>
+          </a:solidFill>
+          <a:ln>
+            <a:noFill/>
+          </a:ln>
+        </p:spPr>
+        <p:style>
+          <a:lnRef idx="2">
+            <a:schemeClr val="accent1">
+              <a:shade val="50000"/>
+            </a:schemeClr>
+          </a:lnRef>
+          <a:fillRef idx="1">
+            <a:schemeClr val="accent1"/>
+          </a:fillRef>
+          <a:effectRef idx="0">
+            <a:schemeClr val="accent1"/>
+          </a:effectRef>
+          <a:fontRef idx="minor">
+            <a:schemeClr val="lt1"/>
+          </a:fontRef>
+        </p:style>
+        <p:txBody>
+          <a:bodyPr rtlCol="0" anchor="ctr"/>
+          <a:lstStyle/>
+          <a:p>
+            <a:pPr algn="ctr"/>
+            <a:endParaRPr lang="zh-CN" altLang="en-US"/>
+          </a:p>
+        </p:txBody>
+      </p:sp>
+      <p:sp>
+        <p:nvSpPr>
+          <p:cNvPr id="12" name="文本占位符 16">
+            <a:extLst>
+              <a:ext uri="{FF2B5EF4-FFF2-40B4-BE49-F238E27FC236}">
+                <a16:creationId xmlns:a16="http://schemas.microsoft.com/office/drawing/2014/main" id="{E3360585-363E-CAC7-A1DC-7CB38DA97903}"/>
+              </a:ext>
+            </a:extLst>
+          </p:cNvPr>
+          <p:cNvSpPr txBox="1">
+            <a:spLocks/>
+          </p:cNvSpPr>
+          <p:nvPr/>
+        </p:nvSpPr>
+        <p:spPr>
+          <a:xfrm>
+            <a:off x="424499" y="1012131"/>
+            <a:ext cx="3628937" cy="411734"/>
+          </a:xfrm>
+          <a:prstGeom prst="rect">
+            <a:avLst/>
+          </a:prstGeom>
+        </p:spPr>
+        <p:txBody>
+          <a:bodyPr vert="horz" lIns="91440" tIns="45720" rIns="91440" bIns="45720" rtlCol="0" anchor="ctr">
+            <a:normAutofit/>
+          </a:bodyPr>
+          <a:lstStyle>
+            <a:defPPr>
+              <a:defRPr lang="zh-CN"/>
+            </a:defPPr>
+            <a:lvl1pPr marL="0" algn="l" defTabSz="914400" rtl="0" eaLnBrk="1" latinLnBrk="0" hangingPunct="1">
+              <a:defRPr sz="1200" kern="1200">
+                <a:solidFill>
+                  <a:schemeClr val="tx1">
+                    <a:tint val="75000"/>
+                  </a:schemeClr>
+                </a:solidFill>
+                <a:latin typeface="+mn-lt"/>
+                <a:ea typeface="+mn-ea"/>
+                <a:cs typeface="+mn-cs"/>
+              </a:defRPr>
+            </a:lvl1pPr>
+            <a:lvl2pPr marL="457200" algn="l" defTabSz="914400" rtl="0" eaLnBrk="1" latinLnBrk="0" hangingPunct="1">
+              <a:defRPr sz="1800" kern="1200">
+                <a:solidFill>
+                  <a:schemeClr val="tx1"/>
+                </a:solidFill>
+                <a:latin typeface="+mn-lt"/>
+                <a:ea typeface="+mn-ea"/>
+                <a:cs typeface="+mn-cs"/>
+              </a:defRPr>
+            </a:lvl2pPr>
+            <a:lvl3pPr marL="914400" algn="l" defTabSz="914400" rtl="0" eaLnBrk="1" latinLnBrk="0" hangingPunct="1">
+              <a:defRPr sz="1800" kern="1200">
+                <a:solidFill>
+                  <a:schemeClr val="tx1"/>
+                </a:solidFill>
+                <a:latin typeface="+mn-lt"/>
+                <a:ea typeface="+mn-ea"/>
+                <a:cs typeface="+mn-cs"/>
+              </a:defRPr>
+            </a:lvl3pPr>
+            <a:lvl4pPr marL="1371600" algn="l" defTabSz="914400" rtl="0" eaLnBrk="1" latinLnBrk="0" hangingPunct="1">
+              <a:defRPr sz="1800" kern="1200">
+                <a:solidFill>
+                  <a:schemeClr val="tx1"/>
+                </a:solidFill>
+                <a:latin typeface="+mn-lt"/>
+                <a:ea typeface="+mn-ea"/>
+                <a:cs typeface="+mn-cs"/>
+              </a:defRPr>
+            </a:lvl4pPr>
+            <a:lvl5pPr marL="1828800" algn="l" defTabSz="914400" rtl="0" eaLnBrk="1" latinLnBrk="0" hangingPunct="1">
+              <a:defRPr sz="1800" kern="1200">
+                <a:solidFill>
+                  <a:schemeClr val="tx1"/>
+                </a:solidFill>
+                <a:latin typeface="+mn-lt"/>
+                <a:ea typeface="+mn-ea"/>
+                <a:cs typeface="+mn-cs"/>
+              </a:defRPr>
+            </a:lvl5pPr>
+            <a:lvl6pPr marL="2286000" algn="l" defTabSz="914400" rtl="0" eaLnBrk="1" latinLnBrk="0" hangingPunct="1">
+              <a:defRPr sz="1800" kern="1200">
+                <a:solidFill>
+                  <a:schemeClr val="tx1"/>
+                </a:solidFill>
+                <a:latin typeface="+mn-lt"/>
+                <a:ea typeface="+mn-ea"/>
+                <a:cs typeface="+mn-cs"/>
+              </a:defRPr>
+            </a:lvl6pPr>
+            <a:lvl7pPr marL="2743200" algn="l" defTabSz="914400" rtl="0" eaLnBrk="1" latinLnBrk="0" hangingPunct="1">
+              <a:defRPr sz="1800" kern="1200">
+                <a:solidFill>
+                  <a:schemeClr val="tx1"/>
+                </a:solidFill>
+                <a:latin typeface="+mn-lt"/>
+                <a:ea typeface="+mn-ea"/>
+                <a:cs typeface="+mn-cs"/>
+              </a:defRPr>
+            </a:lvl7pPr>
+            <a:lvl8pPr marL="3200400" algn="l" defTabSz="914400" rtl="0" eaLnBrk="1" latinLnBrk="0" hangingPunct="1">
+              <a:defRPr sz="1800" kern="1200">
+                <a:solidFill>
+                  <a:schemeClr val="tx1"/>
+                </a:solidFill>
+                <a:latin typeface="+mn-lt"/>
+                <a:ea typeface="+mn-ea"/>
+                <a:cs typeface="+mn-cs"/>
+              </a:defRPr>
+            </a:lvl8pPr>
+            <a:lvl9pPr marL="3657600" algn="l" defTabSz="914400" rtl="0" eaLnBrk="1" latinLnBrk="0" hangingPunct="1">
+              <a:defRPr sz="1800" kern="1200">
+                <a:solidFill>
+                  <a:schemeClr val="tx1"/>
+                </a:solidFill>
+                <a:latin typeface="+mn-lt"/>
+                <a:ea typeface="+mn-ea"/>
+                <a:cs typeface="+mn-cs"/>
+              </a:defRPr>
+            </a:lvl9pPr>
+          </a:lstStyle>
+          <a:p>
+            <a:r>
+              <a:rPr lang="zh-CN" altLang="en-US" dirty="0">
+                <a:solidFill>
+                  <a:schemeClr val="tx1">
+                    <a:lumMod val="85000"/>
+                    <a:lumOff val="15000"/>
+                  </a:schemeClr>
+                </a:solidFill>
+              </a:rPr>
+              <a:t>数据后台</a:t>
+            </a:r>
+            <a:r>
+              <a:rPr lang="en-US" altLang="zh-CN" dirty="0">
+                <a:solidFill>
+                  <a:schemeClr val="tx1">
+                    <a:lumMod val="85000"/>
+                    <a:lumOff val="15000"/>
+                  </a:schemeClr>
+                </a:solidFill>
+              </a:rPr>
+              <a:t>UI</a:t>
+            </a:r>
+            <a:r>
+              <a:rPr lang="zh-CN" altLang="en-US" dirty="0">
+                <a:solidFill>
+                  <a:schemeClr val="tx1">
+                    <a:lumMod val="85000"/>
+                    <a:lumOff val="15000"/>
+                  </a:schemeClr>
+                </a:solidFill>
+              </a:rPr>
+              <a:t>界面</a:t>
+            </a:r>
+          </a:p>
+        </p:txBody>
+      </p:sp>
+      <p:pic>
+        <p:nvPicPr>
+          <p:cNvPr id="14" name="图片 13">
+            <a:extLst>
+              <a:ext uri="{FF2B5EF4-FFF2-40B4-BE49-F238E27FC236}">
+                <a16:creationId xmlns:a16="http://schemas.microsoft.com/office/drawing/2014/main" id="{CEB41A44-9293-5AD5-B0F5-128C577A5AAA}"/>
+              </a:ext>
+            </a:extLst>
+          </p:cNvPr>
+          <p:cNvPicPr>
+            <a:picLocks noChangeAspect="1"/>
+          </p:cNvPicPr>
+          <p:nvPr/>
+        </p:nvPicPr>
+        <p:blipFill>
+          <a:blip r:embed="rId3" cstate="print">
+            <a:extLst>
+              <a:ext uri="{28A0092B-C50C-407E-A947-70E740481C1C}">
+                <a14:useLocalDpi xmlns:a14="http://schemas.microsoft.com/office/drawing/2010/main" val="0"/>
+              </a:ext>
+            </a:extLst>
+          </a:blip>
+          <a:stretch>
+            <a:fillRect/>
+          </a:stretch>
+        </p:blipFill>
+        <p:spPr>
+          <a:xfrm>
+            <a:off x="568515" y="1861925"/>
+            <a:ext cx="4660089" cy="3009936"/>
+          </a:xfrm>
+          <a:prstGeom prst="rect">
+            <a:avLst/>
+          </a:prstGeom>
+        </p:spPr>
+      </p:pic>
+      <p:sp>
+        <p:nvSpPr>
+          <p:cNvPr id="15" name="文本框 14">
+            <a:extLst>
+              <a:ext uri="{FF2B5EF4-FFF2-40B4-BE49-F238E27FC236}">
+                <a16:creationId xmlns:a16="http://schemas.microsoft.com/office/drawing/2014/main" id="{935811DA-CE7A-CD17-DF3E-AC3AA3A9CF78}"/>
+              </a:ext>
+            </a:extLst>
+          </p:cNvPr>
+          <p:cNvSpPr txBox="1"/>
+          <p:nvPr/>
+        </p:nvSpPr>
+        <p:spPr>
+          <a:xfrm>
+            <a:off x="480288" y="1430604"/>
+            <a:ext cx="4724370" cy="307777"/>
+          </a:xfrm>
+          <a:prstGeom prst="rect">
+            <a:avLst/>
+          </a:prstGeom>
+          <a:noFill/>
+        </p:spPr>
+        <p:txBody>
+          <a:bodyPr wrap="none" rtlCol="0">
+            <a:spAutoFit/>
+          </a:bodyPr>
+          <a:lstStyle/>
+          <a:p>
+            <a:r>
+              <a:rPr lang="zh-CN" altLang="en-US" sz="1400" dirty="0"/>
+              <a:t>学习了一下</a:t>
+            </a:r>
+            <a:r>
+              <a:rPr lang="en-US" altLang="zh-CN" sz="1400" dirty="0" err="1"/>
+              <a:t>figma</a:t>
+            </a:r>
+            <a:r>
+              <a:rPr lang="zh-CN" altLang="en-US" sz="1400" dirty="0"/>
+              <a:t>设计软件，画了折线图并给到了数据后台</a:t>
+            </a:r>
+          </a:p>
+        </p:txBody>
+      </p:sp>
+    </p:spTree>
+    <p:extLst>
+      <p:ext uri="{BB962C8B-B14F-4D97-AF65-F5344CB8AC3E}">
+        <p14:creationId xmlns:p14="http://schemas.microsoft.com/office/powerpoint/2010/main" val="138581547"/>
+      </p:ext>
+    </p:extLst>
+  </p:cSld>
+  <p:clrMapOvr>
+    <a:masterClrMapping/>
+  </p:clrMapOvr>
+</p:sld>
+</file>
+
+<file path=ppt/slides/slide21.xml><?xml version="1.0" encoding="utf-8"?>
+<p:sld xmlns:a="http://schemas.openxmlformats.org/drawingml/2006/main" xmlns:r="http://schemas.openxmlformats.org/officeDocument/2006/relationships" xmlns:p="http://schemas.openxmlformats.org/presentationml/2006/main">
+  <p:cSld>
+    <p:spTree>
+      <p:nvGrpSpPr>
+        <p:cNvPr id="1" name=""/>
+        <p:cNvGrpSpPr/>
+        <p:nvPr/>
+      </p:nvGrpSpPr>
+      <p:grpSpPr>
+        <a:xfrm>
+          <a:off x="0" y="0"/>
+          <a:ext cx="0" cy="0"/>
+          <a:chOff x="0" y="0"/>
+          <a:chExt cx="0" cy="0"/>
+        </a:xfrm>
+      </p:grpSpPr>
+      <p:grpSp>
+        <p:nvGrpSpPr>
           <p:cNvPr id="44" name="组合 43"/>
           <p:cNvGrpSpPr/>
           <p:nvPr/>
@@ -16222,7 +21826,7 @@
 </p:sld>
 </file>
 
-<file path=ppt/slides/slide16.xml><?xml version="1.0" encoding="utf-8"?>
+<file path=ppt/slides/slide22.xml><?xml version="1.0" encoding="utf-8"?>
 <p:sld xmlns:a="http://schemas.openxmlformats.org/drawingml/2006/main" xmlns:r="http://schemas.openxmlformats.org/officeDocument/2006/relationships" xmlns:p="http://schemas.openxmlformats.org/presentationml/2006/main">
   <p:cSld>
     <p:spTree>
@@ -16637,7 +22241,7 @@
 </p:sld>
 </file>
 
-<file path=ppt/slides/slide17.xml><?xml version="1.0" encoding="utf-8"?>
+<file path=ppt/slides/slide23.xml><?xml version="1.0" encoding="utf-8"?>
 <p:sld xmlns:a="http://schemas.openxmlformats.org/drawingml/2006/main" xmlns:r="http://schemas.openxmlformats.org/officeDocument/2006/relationships" xmlns:p="http://schemas.openxmlformats.org/presentationml/2006/main">
   <p:cSld>
     <p:spTree>
@@ -19288,7 +24892,7 @@
 </p:sld>
 </file>
 
-<file path=ppt/slides/slide18.xml><?xml version="1.0" encoding="utf-8"?>
+<file path=ppt/slides/slide24.xml><?xml version="1.0" encoding="utf-8"?>
 <p:sld xmlns:a="http://schemas.openxmlformats.org/drawingml/2006/main" xmlns:r="http://schemas.openxmlformats.org/officeDocument/2006/relationships" xmlns:p="http://schemas.openxmlformats.org/presentationml/2006/main">
   <p:cSld>
     <p:spTree>
@@ -19575,7 +25179,7 @@
 </p:sld>
 </file>
 
-<file path=ppt/slides/slide19.xml><?xml version="1.0" encoding="utf-8"?>
+<file path=ppt/slides/slide25.xml><?xml version="1.0" encoding="utf-8"?>
 <p:sld xmlns:a="http://schemas.openxmlformats.org/drawingml/2006/main" xmlns:r="http://schemas.openxmlformats.org/officeDocument/2006/relationships" xmlns:p="http://schemas.openxmlformats.org/presentationml/2006/main">
   <p:cSld>
     <p:spTree>
@@ -21222,568 +26826,7 @@
 </p:sld>
 </file>
 
-<file path=ppt/slides/slide2.xml><?xml version="1.0" encoding="utf-8"?>
-<p:sld xmlns:a="http://schemas.openxmlformats.org/drawingml/2006/main" xmlns:r="http://schemas.openxmlformats.org/officeDocument/2006/relationships" xmlns:p="http://schemas.openxmlformats.org/presentationml/2006/main">
-  <p:cSld>
-    <p:spTree>
-      <p:nvGrpSpPr>
-        <p:cNvPr id="1" name=""/>
-        <p:cNvGrpSpPr/>
-        <p:nvPr/>
-      </p:nvGrpSpPr>
-      <p:grpSpPr>
-        <a:xfrm>
-          <a:off x="0" y="0"/>
-          <a:ext cx="0" cy="0"/>
-          <a:chOff x="0" y="0"/>
-          <a:chExt cx="0" cy="0"/>
-        </a:xfrm>
-      </p:grpSpPr>
-      <p:grpSp>
-        <p:nvGrpSpPr>
-          <p:cNvPr id="44" name="组合 43"/>
-          <p:cNvGrpSpPr/>
-          <p:nvPr/>
-        </p:nvGrpSpPr>
-        <p:grpSpPr>
-          <a:xfrm>
-            <a:off x="3847297" y="997856"/>
-            <a:ext cx="1860653" cy="3147788"/>
-            <a:chOff x="4258937" y="915566"/>
-            <a:chExt cx="1860653" cy="3147788"/>
-          </a:xfrm>
-        </p:grpSpPr>
-        <p:grpSp>
-          <p:nvGrpSpPr>
-            <p:cNvPr id="19" name="Group 4"/>
-            <p:cNvGrpSpPr/>
-            <p:nvPr/>
-          </p:nvGrpSpPr>
-          <p:grpSpPr bwMode="auto">
-            <a:xfrm>
-              <a:off x="4258937" y="915566"/>
-              <a:ext cx="1860652" cy="483492"/>
-              <a:chOff x="452638" y="123453"/>
-              <a:chExt cx="1860705" cy="483492"/>
-            </a:xfrm>
-          </p:grpSpPr>
-          <p:sp>
-            <p:nvSpPr>
-              <p:cNvPr id="20" name="椭圆 3"/>
-              <p:cNvSpPr>
-                <a:spLocks noChangeArrowheads="1"/>
-              </p:cNvSpPr>
-              <p:nvPr/>
-            </p:nvSpPr>
-            <p:spPr bwMode="auto">
-              <a:xfrm>
-                <a:off x="452638" y="123453"/>
-                <a:ext cx="483493" cy="483492"/>
-              </a:xfrm>
-              <a:prstGeom prst="ellipse">
-                <a:avLst/>
-              </a:prstGeom>
-              <a:solidFill>
-                <a:srgbClr val="00B6F6"/>
-              </a:solidFill>
-              <a:ln w="9525">
-                <a:noFill/>
-                <a:round/>
-              </a:ln>
-            </p:spPr>
-            <p:txBody>
-              <a:bodyPr anchor="ctr"/>
-              <a:lstStyle/>
-              <a:p>
-                <a:pPr algn="ctr" eaLnBrk="1" hangingPunct="1"/>
-                <a:r>
-                  <a:rPr lang="en-US" sz="2400" dirty="0">
-                    <a:solidFill>
-                      <a:schemeClr val="bg1"/>
-                    </a:solidFill>
-                    <a:latin typeface="Impact" panose="020B0806030902050204" pitchFamily="34" charset="0"/>
-                  </a:rPr>
-                  <a:t>1</a:t>
-                </a:r>
-                <a:endParaRPr lang="zh-CN" altLang="en-US" sz="2400" dirty="0">
-                  <a:solidFill>
-                    <a:schemeClr val="bg1"/>
-                  </a:solidFill>
-                  <a:latin typeface="Impact" panose="020B0806030902050204" pitchFamily="34" charset="0"/>
-                </a:endParaRPr>
-              </a:p>
-            </p:txBody>
-          </p:sp>
-          <p:sp>
-            <p:nvSpPr>
-              <p:cNvPr id="21" name="文本框 1"/>
-              <p:cNvSpPr txBox="1">
-                <a:spLocks noChangeArrowheads="1"/>
-              </p:cNvSpPr>
-              <p:nvPr/>
-            </p:nvSpPr>
-            <p:spPr bwMode="auto">
-              <a:xfrm>
-                <a:off x="1000126" y="165144"/>
-                <a:ext cx="1313217" cy="430887"/>
-              </a:xfrm>
-              <a:prstGeom prst="rect">
-                <a:avLst/>
-              </a:prstGeom>
-              <a:noFill/>
-              <a:ln w="9525">
-                <a:noFill/>
-                <a:miter lim="800000"/>
-              </a:ln>
-            </p:spPr>
-            <p:txBody>
-              <a:bodyPr wrap="none">
-                <a:spAutoFit/>
-              </a:bodyPr>
-              <a:lstStyle/>
-              <a:p>
-                <a:pPr eaLnBrk="1" hangingPunct="1"/>
-                <a:r>
-                  <a:rPr lang="zh-CN" altLang="en-US" sz="2200" dirty="0">
-                    <a:solidFill>
-                      <a:schemeClr val="tx1">
-                        <a:lumMod val="75000"/>
-                        <a:lumOff val="25000"/>
-                      </a:schemeClr>
-                    </a:solidFill>
-                    <a:latin typeface="微软雅黑" panose="020B0503020204020204" pitchFamily="34" charset="-122"/>
-                    <a:ea typeface="微软雅黑" panose="020B0503020204020204" pitchFamily="34" charset="-122"/>
-                  </a:rPr>
-                  <a:t>工作内容</a:t>
-                </a:r>
-              </a:p>
-            </p:txBody>
-          </p:sp>
-        </p:grpSp>
-        <p:grpSp>
-          <p:nvGrpSpPr>
-            <p:cNvPr id="32" name="Group 4"/>
-            <p:cNvGrpSpPr/>
-            <p:nvPr/>
-          </p:nvGrpSpPr>
-          <p:grpSpPr bwMode="auto">
-            <a:xfrm>
-              <a:off x="4258937" y="1803665"/>
-              <a:ext cx="1860653" cy="483492"/>
-              <a:chOff x="452638" y="123453"/>
-              <a:chExt cx="1860705" cy="483492"/>
-            </a:xfrm>
-          </p:grpSpPr>
-          <p:sp>
-            <p:nvSpPr>
-              <p:cNvPr id="33" name="椭圆 3"/>
-              <p:cNvSpPr>
-                <a:spLocks noChangeArrowheads="1"/>
-              </p:cNvSpPr>
-              <p:nvPr/>
-            </p:nvSpPr>
-            <p:spPr bwMode="auto">
-              <a:xfrm>
-                <a:off x="452638" y="123453"/>
-                <a:ext cx="483493" cy="483492"/>
-              </a:xfrm>
-              <a:prstGeom prst="ellipse">
-                <a:avLst/>
-              </a:prstGeom>
-              <a:solidFill>
-                <a:srgbClr val="00B6F6"/>
-              </a:solidFill>
-              <a:ln w="9525">
-                <a:noFill/>
-                <a:round/>
-              </a:ln>
-            </p:spPr>
-            <p:txBody>
-              <a:bodyPr anchor="ctr"/>
-              <a:lstStyle/>
-              <a:p>
-                <a:pPr algn="ctr" eaLnBrk="1" hangingPunct="1"/>
-                <a:r>
-                  <a:rPr lang="en-US" sz="2400" dirty="0">
-                    <a:solidFill>
-                      <a:schemeClr val="bg1"/>
-                    </a:solidFill>
-                    <a:latin typeface="Impact" panose="020B0806030902050204" pitchFamily="34" charset="0"/>
-                  </a:rPr>
-                  <a:t>2</a:t>
-                </a:r>
-                <a:endParaRPr lang="zh-CN" altLang="en-US" sz="2400" dirty="0">
-                  <a:solidFill>
-                    <a:schemeClr val="bg1"/>
-                  </a:solidFill>
-                  <a:latin typeface="Impact" panose="020B0806030902050204" pitchFamily="34" charset="0"/>
-                </a:endParaRPr>
-              </a:p>
-            </p:txBody>
-          </p:sp>
-          <p:sp>
-            <p:nvSpPr>
-              <p:cNvPr id="34" name="文本框 1"/>
-              <p:cNvSpPr txBox="1">
-                <a:spLocks noChangeArrowheads="1"/>
-              </p:cNvSpPr>
-              <p:nvPr/>
-            </p:nvSpPr>
-            <p:spPr bwMode="auto">
-              <a:xfrm>
-                <a:off x="1000126" y="165144"/>
-                <a:ext cx="1313217" cy="430887"/>
-              </a:xfrm>
-              <a:prstGeom prst="rect">
-                <a:avLst/>
-              </a:prstGeom>
-              <a:noFill/>
-              <a:ln w="9525">
-                <a:noFill/>
-                <a:miter lim="800000"/>
-              </a:ln>
-            </p:spPr>
-            <p:txBody>
-              <a:bodyPr wrap="none">
-                <a:spAutoFit/>
-              </a:bodyPr>
-              <a:lstStyle/>
-              <a:p>
-                <a:pPr eaLnBrk="1" hangingPunct="1"/>
-                <a:r>
-                  <a:rPr lang="zh-CN" altLang="en-US" sz="2200" dirty="0">
-                    <a:solidFill>
-                      <a:schemeClr val="tx1">
-                        <a:lumMod val="75000"/>
-                        <a:lumOff val="25000"/>
-                      </a:schemeClr>
-                    </a:solidFill>
-                    <a:latin typeface="微软雅黑" panose="020B0503020204020204" pitchFamily="34" charset="-122"/>
-                    <a:ea typeface="微软雅黑" panose="020B0503020204020204" pitchFamily="34" charset="-122"/>
-                  </a:rPr>
-                  <a:t>收获提升</a:t>
-                </a:r>
-              </a:p>
-            </p:txBody>
-          </p:sp>
-        </p:grpSp>
-        <p:grpSp>
-          <p:nvGrpSpPr>
-            <p:cNvPr id="35" name="Group 4"/>
-            <p:cNvGrpSpPr/>
-            <p:nvPr/>
-          </p:nvGrpSpPr>
-          <p:grpSpPr bwMode="auto">
-            <a:xfrm>
-              <a:off x="4258937" y="2691764"/>
-              <a:ext cx="1860652" cy="483492"/>
-              <a:chOff x="452638" y="123453"/>
-              <a:chExt cx="1860706" cy="483492"/>
-            </a:xfrm>
-          </p:grpSpPr>
-          <p:sp>
-            <p:nvSpPr>
-              <p:cNvPr id="36" name="椭圆 3"/>
-              <p:cNvSpPr>
-                <a:spLocks noChangeArrowheads="1"/>
-              </p:cNvSpPr>
-              <p:nvPr/>
-            </p:nvSpPr>
-            <p:spPr bwMode="auto">
-              <a:xfrm>
-                <a:off x="452638" y="123453"/>
-                <a:ext cx="483493" cy="483492"/>
-              </a:xfrm>
-              <a:prstGeom prst="ellipse">
-                <a:avLst/>
-              </a:prstGeom>
-              <a:solidFill>
-                <a:srgbClr val="00B6F6"/>
-              </a:solidFill>
-              <a:ln w="9525">
-                <a:noFill/>
-                <a:round/>
-              </a:ln>
-            </p:spPr>
-            <p:txBody>
-              <a:bodyPr anchor="ctr"/>
-              <a:lstStyle/>
-              <a:p>
-                <a:pPr algn="ctr" eaLnBrk="1" hangingPunct="1"/>
-                <a:r>
-                  <a:rPr lang="en-US" sz="2400" dirty="0">
-                    <a:solidFill>
-                      <a:schemeClr val="bg1"/>
-                    </a:solidFill>
-                    <a:latin typeface="Impact" panose="020B0806030902050204" pitchFamily="34" charset="0"/>
-                  </a:rPr>
-                  <a:t>3</a:t>
-                </a:r>
-                <a:endParaRPr lang="zh-CN" altLang="en-US" sz="2400" dirty="0">
-                  <a:solidFill>
-                    <a:schemeClr val="bg1"/>
-                  </a:solidFill>
-                  <a:latin typeface="Impact" panose="020B0806030902050204" pitchFamily="34" charset="0"/>
-                </a:endParaRPr>
-              </a:p>
-            </p:txBody>
-          </p:sp>
-          <p:sp>
-            <p:nvSpPr>
-              <p:cNvPr id="37" name="文本框 1"/>
-              <p:cNvSpPr txBox="1">
-                <a:spLocks noChangeArrowheads="1"/>
-              </p:cNvSpPr>
-              <p:nvPr/>
-            </p:nvSpPr>
-            <p:spPr bwMode="auto">
-              <a:xfrm>
-                <a:off x="1000126" y="165144"/>
-                <a:ext cx="1313218" cy="430887"/>
-              </a:xfrm>
-              <a:prstGeom prst="rect">
-                <a:avLst/>
-              </a:prstGeom>
-              <a:noFill/>
-              <a:ln w="9525">
-                <a:noFill/>
-                <a:miter lim="800000"/>
-              </a:ln>
-            </p:spPr>
-            <p:txBody>
-              <a:bodyPr wrap="none">
-                <a:spAutoFit/>
-              </a:bodyPr>
-              <a:lstStyle/>
-              <a:p>
-                <a:pPr eaLnBrk="1" hangingPunct="1"/>
-                <a:r>
-                  <a:rPr lang="zh-CN" altLang="en-US" sz="2200" dirty="0">
-                    <a:solidFill>
-                      <a:schemeClr val="tx1">
-                        <a:lumMod val="75000"/>
-                        <a:lumOff val="25000"/>
-                      </a:schemeClr>
-                    </a:solidFill>
-                    <a:latin typeface="微软雅黑" panose="020B0503020204020204" pitchFamily="34" charset="-122"/>
-                    <a:ea typeface="微软雅黑" panose="020B0503020204020204" pitchFamily="34" charset="-122"/>
-                  </a:rPr>
-                  <a:t>个人总结</a:t>
-                </a:r>
-              </a:p>
-            </p:txBody>
-          </p:sp>
-        </p:grpSp>
-        <p:grpSp>
-          <p:nvGrpSpPr>
-            <p:cNvPr id="38" name="Group 4"/>
-            <p:cNvGrpSpPr/>
-            <p:nvPr/>
-          </p:nvGrpSpPr>
-          <p:grpSpPr bwMode="auto">
-            <a:xfrm>
-              <a:off x="4258937" y="3579862"/>
-              <a:ext cx="1860652" cy="483492"/>
-              <a:chOff x="452638" y="123453"/>
-              <a:chExt cx="1860705" cy="483492"/>
-            </a:xfrm>
-          </p:grpSpPr>
-          <p:sp>
-            <p:nvSpPr>
-              <p:cNvPr id="39" name="椭圆 3"/>
-              <p:cNvSpPr>
-                <a:spLocks noChangeArrowheads="1"/>
-              </p:cNvSpPr>
-              <p:nvPr/>
-            </p:nvSpPr>
-            <p:spPr bwMode="auto">
-              <a:xfrm>
-                <a:off x="452638" y="123453"/>
-                <a:ext cx="483493" cy="483492"/>
-              </a:xfrm>
-              <a:prstGeom prst="ellipse">
-                <a:avLst/>
-              </a:prstGeom>
-              <a:solidFill>
-                <a:srgbClr val="00B6F6"/>
-              </a:solidFill>
-              <a:ln w="9525">
-                <a:noFill/>
-                <a:round/>
-              </a:ln>
-            </p:spPr>
-            <p:txBody>
-              <a:bodyPr anchor="ctr"/>
-              <a:lstStyle/>
-              <a:p>
-                <a:pPr algn="ctr" eaLnBrk="1" hangingPunct="1"/>
-                <a:r>
-                  <a:rPr lang="en-US" sz="2400" dirty="0">
-                    <a:solidFill>
-                      <a:schemeClr val="bg1"/>
-                    </a:solidFill>
-                    <a:latin typeface="Impact" panose="020B0806030902050204" pitchFamily="34" charset="0"/>
-                  </a:rPr>
-                  <a:t>4</a:t>
-                </a:r>
-                <a:endParaRPr lang="zh-CN" altLang="en-US" sz="2400" dirty="0">
-                  <a:solidFill>
-                    <a:schemeClr val="bg1"/>
-                  </a:solidFill>
-                  <a:latin typeface="Impact" panose="020B0806030902050204" pitchFamily="34" charset="0"/>
-                </a:endParaRPr>
-              </a:p>
-            </p:txBody>
-          </p:sp>
-          <p:sp>
-            <p:nvSpPr>
-              <p:cNvPr id="40" name="文本框 1"/>
-              <p:cNvSpPr txBox="1">
-                <a:spLocks noChangeArrowheads="1"/>
-              </p:cNvSpPr>
-              <p:nvPr/>
-            </p:nvSpPr>
-            <p:spPr bwMode="auto">
-              <a:xfrm>
-                <a:off x="1000126" y="165144"/>
-                <a:ext cx="1313217" cy="430887"/>
-              </a:xfrm>
-              <a:prstGeom prst="rect">
-                <a:avLst/>
-              </a:prstGeom>
-              <a:noFill/>
-              <a:ln w="9525">
-                <a:noFill/>
-                <a:miter lim="800000"/>
-              </a:ln>
-            </p:spPr>
-            <p:txBody>
-              <a:bodyPr wrap="none">
-                <a:spAutoFit/>
-              </a:bodyPr>
-              <a:lstStyle/>
-              <a:p>
-                <a:pPr eaLnBrk="1" hangingPunct="1"/>
-                <a:r>
-                  <a:rPr lang="zh-CN" altLang="en-US" sz="2200" dirty="0">
-                    <a:solidFill>
-                      <a:schemeClr val="tx1">
-                        <a:lumMod val="75000"/>
-                        <a:lumOff val="25000"/>
-                      </a:schemeClr>
-                    </a:solidFill>
-                    <a:latin typeface="微软雅黑" panose="020B0503020204020204" pitchFamily="34" charset="-122"/>
-                    <a:ea typeface="微软雅黑" panose="020B0503020204020204" pitchFamily="34" charset="-122"/>
-                  </a:rPr>
-                  <a:t>发展规划</a:t>
-                </a:r>
-              </a:p>
-            </p:txBody>
-          </p:sp>
-        </p:grpSp>
-      </p:grpSp>
-      <p:cxnSp>
-        <p:nvCxnSpPr>
-          <p:cNvPr id="42" name="直接连接符 41"/>
-          <p:cNvCxnSpPr/>
-          <p:nvPr/>
-        </p:nvCxnSpPr>
-        <p:spPr>
-          <a:xfrm>
-            <a:off x="3347864" y="483518"/>
-            <a:ext cx="0" cy="4176464"/>
-          </a:xfrm>
-          <a:prstGeom prst="line">
-            <a:avLst/>
-          </a:prstGeom>
-          <a:ln>
-            <a:solidFill>
-              <a:schemeClr val="accent1">
-                <a:lumMod val="60000"/>
-                <a:lumOff val="40000"/>
-              </a:schemeClr>
-            </a:solidFill>
-          </a:ln>
-        </p:spPr>
-        <p:style>
-          <a:lnRef idx="1">
-            <a:schemeClr val="accent5"/>
-          </a:lnRef>
-          <a:fillRef idx="0">
-            <a:schemeClr val="accent5"/>
-          </a:fillRef>
-          <a:effectRef idx="0">
-            <a:schemeClr val="accent5"/>
-          </a:effectRef>
-          <a:fontRef idx="minor">
-            <a:schemeClr val="tx1"/>
-          </a:fontRef>
-        </p:style>
-      </p:cxnSp>
-      <p:sp>
-        <p:nvSpPr>
-          <p:cNvPr id="43" name="文本框 9"/>
-          <p:cNvSpPr txBox="1">
-            <a:spLocks noChangeArrowheads="1"/>
-          </p:cNvSpPr>
-          <p:nvPr/>
-        </p:nvSpPr>
-        <p:spPr bwMode="auto">
-          <a:xfrm>
-            <a:off x="467544" y="2248585"/>
-            <a:ext cx="2662780" cy="646331"/>
-          </a:xfrm>
-          <a:prstGeom prst="rect">
-            <a:avLst/>
-          </a:prstGeom>
-          <a:noFill/>
-          <a:ln w="9525">
-            <a:noFill/>
-            <a:miter lim="800000"/>
-          </a:ln>
-        </p:spPr>
-        <p:txBody>
-          <a:bodyPr wrap="none">
-            <a:spAutoFit/>
-          </a:bodyPr>
-          <a:lstStyle/>
-          <a:p>
-            <a:pPr algn="ctr" eaLnBrk="1" hangingPunct="1"/>
-            <a:r>
-              <a:rPr lang="en-US" altLang="en-US" sz="3600" dirty="0">
-                <a:solidFill>
-                  <a:schemeClr val="tx1">
-                    <a:lumMod val="75000"/>
-                    <a:lumOff val="25000"/>
-                  </a:schemeClr>
-                </a:solidFill>
-                <a:latin typeface="微软雅黑" panose="020B0503020204020204" pitchFamily="34" charset="-122"/>
-                <a:ea typeface="微软雅黑" panose="020B0503020204020204" pitchFamily="34" charset="-122"/>
-              </a:rPr>
-              <a:t>CONTENTS</a:t>
-            </a:r>
-            <a:endParaRPr lang="zh-CN" altLang="en-US" sz="3600" dirty="0">
-              <a:solidFill>
-                <a:schemeClr val="tx1">
-                  <a:lumMod val="75000"/>
-                  <a:lumOff val="25000"/>
-                </a:schemeClr>
-              </a:solidFill>
-              <a:latin typeface="微软雅黑" panose="020B0503020204020204" pitchFamily="34" charset="-122"/>
-              <a:ea typeface="微软雅黑" panose="020B0503020204020204" pitchFamily="34" charset="-122"/>
-            </a:endParaRPr>
-          </a:p>
-        </p:txBody>
-      </p:sp>
-    </p:spTree>
-  </p:cSld>
-  <p:clrMapOvr>
-    <a:masterClrMapping/>
-  </p:clrMapOvr>
-</p:sld>
-</file>
-
-<file path=ppt/slides/slide20.xml><?xml version="1.0" encoding="utf-8"?>
+<file path=ppt/slides/slide26.xml><?xml version="1.0" encoding="utf-8"?>
 <p:sld xmlns:a="http://schemas.openxmlformats.org/drawingml/2006/main" xmlns:r="http://schemas.openxmlformats.org/officeDocument/2006/relationships" xmlns:p="http://schemas.openxmlformats.org/presentationml/2006/main">
   <p:cSld>
     <p:spTree>
@@ -22070,7 +27113,7 @@
 </p:sld>
 </file>
 
-<file path=ppt/slides/slide21.xml><?xml version="1.0" encoding="utf-8"?>
+<file path=ppt/slides/slide27.xml><?xml version="1.0" encoding="utf-8"?>
 <p:sld xmlns:a="http://schemas.openxmlformats.org/drawingml/2006/main" xmlns:r="http://schemas.openxmlformats.org/officeDocument/2006/relationships" xmlns:p="http://schemas.openxmlformats.org/presentationml/2006/main">
   <p:cSld>
     <p:spTree>
@@ -24517,7 +29560,7 @@
 </p:sld>
 </file>
 
-<file path=ppt/slides/slide22.xml><?xml version="1.0" encoding="utf-8"?>
+<file path=ppt/slides/slide28.xml><?xml version="1.0" encoding="utf-8"?>
 <p:sld xmlns:a="http://schemas.openxmlformats.org/drawingml/2006/main" xmlns:r="http://schemas.openxmlformats.org/officeDocument/2006/relationships" xmlns:p="http://schemas.openxmlformats.org/presentationml/2006/main">
   <p:cSld>
     <p:spTree>
@@ -26716,7 +31759,23 @@
                   <a:srgbClr val="0070C0"/>
                 </a:solidFill>
               </a:rPr>
-              <a:t>港台浮生、港台终末、港台魔力宝贝等</a:t>
+              <a:t>港台浮生、港台终末、港台</a:t>
+            </a:r>
+            <a:r>
+              <a:rPr lang="en-US" altLang="zh-CN" sz="1200" b="1" dirty="0" err="1">
+                <a:solidFill>
+                  <a:srgbClr val="0070C0"/>
+                </a:solidFill>
+              </a:rPr>
+              <a:t>cmm</a:t>
+            </a:r>
+            <a:r>
+              <a:rPr lang="zh-CN" altLang="en-US" sz="1200" b="1" dirty="0">
+                <a:solidFill>
+                  <a:srgbClr val="0070C0"/>
+                </a:solidFill>
+              </a:rPr>
+              <a:t>预约页等</a:t>
             </a:r>
           </a:p>
         </p:txBody>
